--- a/LOCH.pptx
+++ b/LOCH.pptx
@@ -1,75 +1,25 @@
 
 <file path=ppt/presentation.xml><?xml version="1.0" encoding="utf-8"?>
-<p:presentation xmlns:a="http://schemas.openxmlformats.org/drawingml/2006/main" xmlns:r="http://schemas.openxmlformats.org/officeDocument/2006/relationships" xmlns:p="http://schemas.openxmlformats.org/presentationml/2006/main" strictFirstAndLastChars="0" embedTrueTypeFonts="1" saveSubsetFonts="1" autoCompressPictures="0">
+<p:presentation xmlns:r="http://schemas.openxmlformats.org/officeDocument/2006/relationships" xmlns:c="http://schemas.openxmlformats.org/drawingml/2006/chart" xmlns:a="http://schemas.openxmlformats.org/drawingml/2006/main" xmlns:dgm="http://schemas.openxmlformats.org/drawingml/2006/diagram" xmlns:dsp="http://schemas.microsoft.com/office/drawing/2008/diagram" xmlns:p="http://schemas.openxmlformats.org/presentationml/2006/main" strictFirstAndLastChars="0" embedTrueTypeFonts="1" saveSubsetFonts="1" autoCompressPictures="0">
   <p:sldMasterIdLst>
-    <p:sldMasterId id="2147483678" r:id="rId1"/>
+    <p:sldMasterId id="2147483676" r:id="rId1"/>
   </p:sldMasterIdLst>
   <p:notesMasterIdLst>
-    <p:notesMasterId r:id="rId11"/>
+    <p:notesMasterId r:id="rId2"/>
   </p:notesMasterIdLst>
   <p:sldIdLst>
-    <p:sldId id="256" r:id="rId2"/>
-    <p:sldId id="258" r:id="rId3"/>
-    <p:sldId id="263" r:id="rId4"/>
-    <p:sldId id="265" r:id="rId5"/>
-    <p:sldId id="257" r:id="rId6"/>
-    <p:sldId id="259" r:id="rId7"/>
-    <p:sldId id="262" r:id="rId8"/>
-    <p:sldId id="297" r:id="rId9"/>
-    <p:sldId id="273" r:id="rId10"/>
+    <p:sldId id="256" r:id="rId3"/>
+    <p:sldId id="257" r:id="rId4"/>
+    <p:sldId id="258" r:id="rId5"/>
+    <p:sldId id="259" r:id="rId6"/>
+    <p:sldId id="260" r:id="rId7"/>
+    <p:sldId id="261" r:id="rId8"/>
+    <p:sldId id="262" r:id="rId9"/>
+    <p:sldId id="263" r:id="rId10"/>
+    <p:sldId id="264" r:id="rId11"/>
   </p:sldIdLst>
   <p:sldSz cx="9144000" cy="5143500" type="screen16x9"/>
   <p:notesSz cx="6858000" cy="9144000"/>
-  <p:embeddedFontLst>
-    <p:embeddedFont>
-      <p:font typeface="G마켓 산스 TTF Bold" panose="02000000000000000000" pitchFamily="2" charset="-127"/>
-      <p:bold r:id="rId12"/>
-    </p:embeddedFont>
-    <p:embeddedFont>
-      <p:font typeface="G마켓 산스 TTF Light" panose="02000000000000000000" pitchFamily="2" charset="-127"/>
-      <p:regular r:id="rId13"/>
-    </p:embeddedFont>
-    <p:embeddedFont>
-      <p:font typeface="G마켓 산스 TTF Medium" panose="02000000000000000000" pitchFamily="2" charset="-127"/>
-      <p:regular r:id="rId14"/>
-    </p:embeddedFont>
-    <p:embeddedFont>
-      <p:font typeface="Manrope" panose="020B0600000101010101" charset="0"/>
-      <p:regular r:id="rId15"/>
-      <p:bold r:id="rId16"/>
-    </p:embeddedFont>
-    <p:embeddedFont>
-      <p:font typeface="Nunito Light" pitchFamily="2" charset="0"/>
-      <p:regular r:id="rId17"/>
-      <p:italic r:id="rId18"/>
-    </p:embeddedFont>
-    <p:embeddedFont>
-      <p:font typeface="PT Sans" panose="020B0503020203020204" pitchFamily="34" charset="0"/>
-      <p:regular r:id="rId19"/>
-      <p:bold r:id="rId20"/>
-      <p:italic r:id="rId21"/>
-      <p:boldItalic r:id="rId22"/>
-    </p:embeddedFont>
-    <p:embeddedFont>
-      <p:font typeface="Raleway" pitchFamily="2" charset="0"/>
-      <p:regular r:id="rId23"/>
-      <p:bold r:id="rId24"/>
-      <p:italic r:id="rId25"/>
-      <p:boldItalic r:id="rId26"/>
-    </p:embeddedFont>
-    <p:embeddedFont>
-      <p:font typeface="Roboto" panose="02000000000000000000" pitchFamily="2" charset="0"/>
-      <p:regular r:id="rId27"/>
-      <p:bold r:id="rId28"/>
-      <p:italic r:id="rId29"/>
-      <p:boldItalic r:id="rId30"/>
-    </p:embeddedFont>
-    <p:embeddedFont>
-      <p:font typeface="Roboto Light" panose="02000000000000000000" pitchFamily="2" charset="0"/>
-      <p:regular r:id="rId31"/>
-      <p:italic r:id="rId32"/>
-    </p:embeddedFont>
-  </p:embeddedFontLst>
   <p:defaultTextStyle>
     <a:defPPr marR="0" lvl="0" algn="l" rtl="0">
       <a:lnSpc>
@@ -299,27 +249,11 @@
       </a:defRPr>
     </a:lvl9pPr>
   </p:defaultTextStyle>
-  <p:extLst>
-    <p:ext uri="{EFAFB233-063F-42B5-8137-9DF3F51BA10A}">
-      <p15:sldGuideLst xmlns:p15="http://schemas.microsoft.com/office/powerpoint/2012/main">
-        <p15:guide id="1" orient="horz" pos="1620">
-          <p15:clr>
-            <a:srgbClr val="747775"/>
-          </p15:clr>
-        </p15:guide>
-        <p15:guide id="2" pos="2880">
-          <p15:clr>
-            <a:srgbClr val="747775"/>
-          </p15:clr>
-        </p15:guide>
-      </p15:sldGuideLst>
-    </p:ext>
-  </p:extLst>
 </p:presentation>
 </file>
 
 <file path=ppt/notesMasters/notesMaster1.xml><?xml version="1.0" encoding="utf-8"?>
-<p:notesMaster xmlns:a="http://schemas.openxmlformats.org/drawingml/2006/main" xmlns:r="http://schemas.openxmlformats.org/officeDocument/2006/relationships" xmlns:p="http://schemas.openxmlformats.org/presentationml/2006/main">
+<p:notesMaster xmlns:r="http://schemas.openxmlformats.org/officeDocument/2006/relationships" xmlns:c="http://schemas.openxmlformats.org/drawingml/2006/chart" xmlns:a="http://schemas.openxmlformats.org/drawingml/2006/main" xmlns:dgm="http://schemas.openxmlformats.org/drawingml/2006/diagram" xmlns:dsp="http://schemas.microsoft.com/office/drawing/2008/diagram" xmlns:p="http://schemas.openxmlformats.org/presentationml/2006/main">
   <p:cSld>
     <p:bg>
       <p:bgRef idx="1001">
@@ -328,7 +262,7 @@
     </p:bg>
     <p:spTree>
       <p:nvGrpSpPr>
-        <p:cNvPr id="1" name="Shape 2"/>
+        <p:cNvPr id="1" name=""/>
         <p:cNvGrpSpPr/>
         <p:nvPr/>
       </p:nvGrpSpPr>
@@ -344,7 +278,7 @@
         <p:nvSpPr>
           <p:cNvPr id="3" name="Google Shape;3;n"/>
           <p:cNvSpPr>
-            <a:spLocks noGrp="1" noRot="1" noChangeAspect="1"/>
+            <a:spLocks noGrp="1" noRot="1" noChangeAspect="1" noTextEdit="1"/>
           </p:cNvSpPr>
           <p:nvPr>
             <p:ph type="sldImg" idx="2"/>
@@ -358,8 +292,6 @@
           <a:custGeom>
             <a:avLst/>
             <a:gdLst/>
-            <a:ahLst/>
-            <a:cxnLst/>
             <a:rect l="l" t="t" r="r" b="b"/>
             <a:pathLst>
               <a:path w="120000" h="120000" extrusionOk="0">
@@ -386,8 +318,6 @@
             </a:solidFill>
             <a:prstDash val="solid"/>
             <a:round/>
-            <a:headEnd type="none" w="sm" len="sm"/>
-            <a:tailEnd type="none" w="sm" len="sm"/>
           </a:ln>
         </p:spPr>
       </p:sp>
@@ -415,7 +345,7 @@
           </a:ln>
         </p:spPr>
         <p:txBody>
-          <a:bodyPr spcFirstLastPara="1" wrap="square" lIns="91425" tIns="91425" rIns="91425" bIns="91425" anchor="t" anchorCtr="0">
+          <a:bodyPr wrap="square" lIns="91424" tIns="91424" rIns="91424" bIns="91424" anchor="t" anchorCtr="0">
             <a:noAutofit/>
           </a:bodyPr>
           <a:lstStyle>
@@ -520,13 +450,21 @@
             </a:lvl9pPr>
           </a:lstStyle>
           <a:p>
-            <a:endParaRPr/>
+            <a:pPr lvl="0">
+              <a:defRPr/>
+            </a:pPr>
+            <a:r>
+              <a:rPr lang="ko-KR" altLang="en-US"/>
+              <a:t/>
+            </a:r>
+            <a:endParaRPr lang="ko-KR" altLang="en-US"/>
           </a:p>
         </p:txBody>
       </p:sp>
     </p:spTree>
   </p:cSld>
   <p:clrMap bg1="lt1" tx1="dk1" bg2="dk2" tx2="lt2" accent1="accent1" accent2="accent2" accent3="accent3" accent4="accent4" accent5="accent5" accent6="accent6" hlink="hlink" folHlink="folHlink"/>
+  <p:hf hdr="0" ftr="0" dt="0"/>
   <p:notesStyle>
     <a:defPPr marR="0" lvl="0" algn="l" rtl="0">
       <a:lnSpc>
@@ -760,11 +698,11 @@
 </file>
 
 <file path=ppt/notesSlides/notesSlide1.xml><?xml version="1.0" encoding="utf-8"?>
-<p:notes xmlns:a="http://schemas.openxmlformats.org/drawingml/2006/main" xmlns:r="http://schemas.openxmlformats.org/officeDocument/2006/relationships" xmlns:p="http://schemas.openxmlformats.org/presentationml/2006/main" showMasterSp="0" showMasterPhAnim="0">
+<p:notes xmlns:r="http://schemas.openxmlformats.org/officeDocument/2006/relationships" xmlns:c="http://schemas.openxmlformats.org/drawingml/2006/chart" xmlns:a="http://schemas.openxmlformats.org/drawingml/2006/main" xmlns:dgm="http://schemas.openxmlformats.org/drawingml/2006/diagram" xmlns:dsp="http://schemas.microsoft.com/office/drawing/2008/diagram" xmlns:p="http://schemas.openxmlformats.org/presentationml/2006/main" showMasterSp="0" showMasterPhAnim="0">
   <p:cSld>
     <p:spTree>
       <p:nvGrpSpPr>
-        <p:cNvPr id="1" name="Shape 219"/>
+        <p:cNvPr id="1" name=""/>
         <p:cNvGrpSpPr/>
         <p:nvPr/>
       </p:nvGrpSpPr>
@@ -780,7 +718,7 @@
         <p:nvSpPr>
           <p:cNvPr id="220" name="Google Shape;220;g24fdd1721c6_1_0:notes"/>
           <p:cNvSpPr>
-            <a:spLocks noGrp="1" noRot="1" noChangeAspect="1"/>
+            <a:spLocks noGrp="1" noRot="1" noChangeAspect="1" noTextEdit="1"/>
           </p:cNvSpPr>
           <p:nvPr>
             <p:ph type="sldImg" idx="2"/>
@@ -794,8 +732,6 @@
           <a:custGeom>
             <a:avLst/>
             <a:gdLst/>
-            <a:ahLst/>
-            <a:cxnLst/>
             <a:rect l="l" t="t" r="r" b="b"/>
             <a:pathLst>
               <a:path w="120000" h="120000" extrusionOk="0">
@@ -837,7 +773,7 @@
           </a:prstGeom>
         </p:spPr>
         <p:txBody>
-          <a:bodyPr spcFirstLastPara="1" wrap="square" lIns="91425" tIns="91425" rIns="91425" bIns="91425" anchor="t" anchorCtr="0">
+          <a:bodyPr wrap="square" lIns="91424" tIns="91424" rIns="91424" bIns="91424" anchor="t" anchorCtr="0">
             <a:noAutofit/>
           </a:bodyPr>
           <a:lstStyle/>
@@ -850,25 +786,27 @@
                 <a:spcPts val="0"/>
               </a:spcAft>
               <a:buNone/>
+              <a:defRPr/>
             </a:pPr>
-            <a:endParaRPr/>
+            <a:r>
+              <a:rPr lang="ko-KR" altLang="en-US"/>
+              <a:t/>
+            </a:r>
+            <a:endParaRPr lang="ko-KR" altLang="en-US"/>
           </a:p>
         </p:txBody>
       </p:sp>
     </p:spTree>
   </p:cSld>
-  <p:clrMapOvr>
-    <a:masterClrMapping/>
-  </p:clrMapOvr>
 </p:notes>
 </file>
 
 <file path=ppt/notesSlides/notesSlide2.xml><?xml version="1.0" encoding="utf-8"?>
-<p:notes xmlns:a="http://schemas.openxmlformats.org/drawingml/2006/main" xmlns:r="http://schemas.openxmlformats.org/officeDocument/2006/relationships" xmlns:p="http://schemas.openxmlformats.org/presentationml/2006/main" showMasterSp="0" showMasterPhAnim="0">
+<p:notes xmlns:r="http://schemas.openxmlformats.org/officeDocument/2006/relationships" xmlns:c="http://schemas.openxmlformats.org/drawingml/2006/chart" xmlns:a="http://schemas.openxmlformats.org/drawingml/2006/main" xmlns:dgm="http://schemas.openxmlformats.org/drawingml/2006/diagram" xmlns:dsp="http://schemas.microsoft.com/office/drawing/2008/diagram" xmlns:p="http://schemas.openxmlformats.org/presentationml/2006/main" showMasterSp="0" showMasterPhAnim="0">
   <p:cSld>
     <p:spTree>
       <p:nvGrpSpPr>
-        <p:cNvPr id="1" name="Shape 236"/>
+        <p:cNvPr id="1" name=""/>
         <p:cNvGrpSpPr/>
         <p:nvPr/>
       </p:nvGrpSpPr>
@@ -884,7 +822,7 @@
         <p:nvSpPr>
           <p:cNvPr id="237" name="Google Shape;237;gd431007ba2_0_215:notes"/>
           <p:cNvSpPr>
-            <a:spLocks noGrp="1" noRot="1" noChangeAspect="1"/>
+            <a:spLocks noGrp="1" noRot="1" noChangeAspect="1" noTextEdit="1"/>
           </p:cNvSpPr>
           <p:nvPr>
             <p:ph type="sldImg" idx="2"/>
@@ -898,8 +836,6 @@
           <a:custGeom>
             <a:avLst/>
             <a:gdLst/>
-            <a:ahLst/>
-            <a:cxnLst/>
             <a:rect l="l" t="t" r="r" b="b"/>
             <a:pathLst>
               <a:path w="120000" h="120000" extrusionOk="0">
@@ -941,7 +877,7 @@
           </a:prstGeom>
         </p:spPr>
         <p:txBody>
-          <a:bodyPr spcFirstLastPara="1" wrap="square" lIns="91425" tIns="91425" rIns="91425" bIns="91425" anchor="t" anchorCtr="0">
+          <a:bodyPr wrap="square" lIns="91424" tIns="91424" rIns="91424" bIns="91424" anchor="t" anchorCtr="0">
             <a:noAutofit/>
           </a:bodyPr>
           <a:lstStyle/>
@@ -954,25 +890,27 @@
                 <a:spcPts val="0"/>
               </a:spcAft>
               <a:buNone/>
+              <a:defRPr/>
             </a:pPr>
-            <a:endParaRPr/>
+            <a:r>
+              <a:rPr lang="ko-KR" altLang="en-US"/>
+              <a:t/>
+            </a:r>
+            <a:endParaRPr lang="ko-KR" altLang="en-US"/>
           </a:p>
         </p:txBody>
       </p:sp>
     </p:spTree>
   </p:cSld>
-  <p:clrMapOvr>
-    <a:masterClrMapping/>
-  </p:clrMapOvr>
 </p:notes>
 </file>
 
 <file path=ppt/notesSlides/notesSlide3.xml><?xml version="1.0" encoding="utf-8"?>
-<p:notes xmlns:a="http://schemas.openxmlformats.org/drawingml/2006/main" xmlns:r="http://schemas.openxmlformats.org/officeDocument/2006/relationships" xmlns:p="http://schemas.openxmlformats.org/presentationml/2006/main" showMasterSp="0" showMasterPhAnim="0">
+<p:notes xmlns:r="http://schemas.openxmlformats.org/officeDocument/2006/relationships" xmlns:c="http://schemas.openxmlformats.org/drawingml/2006/chart" xmlns:a="http://schemas.openxmlformats.org/drawingml/2006/main" xmlns:dgm="http://schemas.openxmlformats.org/drawingml/2006/diagram" xmlns:dsp="http://schemas.microsoft.com/office/drawing/2008/diagram" xmlns:p="http://schemas.openxmlformats.org/presentationml/2006/main" showMasterSp="0" showMasterPhAnim="0">
   <p:cSld>
     <p:spTree>
       <p:nvGrpSpPr>
-        <p:cNvPr id="1" name="Shape 311"/>
+        <p:cNvPr id="1" name=""/>
         <p:cNvGrpSpPr/>
         <p:nvPr/>
       </p:nvGrpSpPr>
@@ -988,7 +926,7 @@
         <p:nvSpPr>
           <p:cNvPr id="312" name="Google Shape;312;g184d99d1a72_0_57:notes"/>
           <p:cNvSpPr>
-            <a:spLocks noGrp="1" noRot="1" noChangeAspect="1"/>
+            <a:spLocks noGrp="1" noRot="1" noChangeAspect="1" noTextEdit="1"/>
           </p:cNvSpPr>
           <p:nvPr>
             <p:ph type="sldImg" idx="2"/>
@@ -1002,8 +940,6 @@
           <a:custGeom>
             <a:avLst/>
             <a:gdLst/>
-            <a:ahLst/>
-            <a:cxnLst/>
             <a:rect l="l" t="t" r="r" b="b"/>
             <a:pathLst>
               <a:path w="120000" h="120000" extrusionOk="0">
@@ -1045,7 +981,7 @@
           </a:prstGeom>
         </p:spPr>
         <p:txBody>
-          <a:bodyPr spcFirstLastPara="1" wrap="square" lIns="91425" tIns="91425" rIns="91425" bIns="91425" anchor="t" anchorCtr="0">
+          <a:bodyPr wrap="square" lIns="91424" tIns="91424" rIns="91424" bIns="91424" anchor="t" anchorCtr="0">
             <a:noAutofit/>
           </a:bodyPr>
           <a:lstStyle/>
@@ -1058,25 +994,27 @@
                 <a:spcPts val="0"/>
               </a:spcAft>
               <a:buNone/>
+              <a:defRPr/>
             </a:pPr>
-            <a:endParaRPr/>
+            <a:r>
+              <a:rPr lang="ko-KR" altLang="en-US"/>
+              <a:t/>
+            </a:r>
+            <a:endParaRPr lang="ko-KR" altLang="en-US"/>
           </a:p>
         </p:txBody>
       </p:sp>
     </p:spTree>
   </p:cSld>
-  <p:clrMapOvr>
-    <a:masterClrMapping/>
-  </p:clrMapOvr>
 </p:notes>
 </file>
 
 <file path=ppt/notesSlides/notesSlide4.xml><?xml version="1.0" encoding="utf-8"?>
-<p:notes xmlns:a="http://schemas.openxmlformats.org/drawingml/2006/main" xmlns:r="http://schemas.openxmlformats.org/officeDocument/2006/relationships" xmlns:p="http://schemas.openxmlformats.org/presentationml/2006/main" showMasterSp="0" showMasterPhAnim="0">
+<p:notes xmlns:r="http://schemas.openxmlformats.org/officeDocument/2006/relationships" xmlns:c="http://schemas.openxmlformats.org/drawingml/2006/chart" xmlns:a="http://schemas.openxmlformats.org/drawingml/2006/main" xmlns:dgm="http://schemas.openxmlformats.org/drawingml/2006/diagram" xmlns:dsp="http://schemas.microsoft.com/office/drawing/2008/diagram" xmlns:p="http://schemas.openxmlformats.org/presentationml/2006/main" showMasterSp="0" showMasterPhAnim="0">
   <p:cSld>
     <p:spTree>
       <p:nvGrpSpPr>
-        <p:cNvPr id="1" name="Shape 364"/>
+        <p:cNvPr id="1" name=""/>
         <p:cNvGrpSpPr/>
         <p:nvPr/>
       </p:nvGrpSpPr>
@@ -1092,7 +1030,7 @@
         <p:nvSpPr>
           <p:cNvPr id="365" name="Google Shape;365;g54dda1946d_4_2730:notes"/>
           <p:cNvSpPr>
-            <a:spLocks noGrp="1" noRot="1" noChangeAspect="1"/>
+            <a:spLocks noGrp="1" noRot="1" noChangeAspect="1" noTextEdit="1"/>
           </p:cNvSpPr>
           <p:nvPr>
             <p:ph type="sldImg" idx="2"/>
@@ -1106,8 +1044,6 @@
           <a:custGeom>
             <a:avLst/>
             <a:gdLst/>
-            <a:ahLst/>
-            <a:cxnLst/>
             <a:rect l="l" t="t" r="r" b="b"/>
             <a:pathLst>
               <a:path w="120000" h="120000" extrusionOk="0">
@@ -1149,7 +1085,7 @@
           </a:prstGeom>
         </p:spPr>
         <p:txBody>
-          <a:bodyPr spcFirstLastPara="1" wrap="square" lIns="91425" tIns="91425" rIns="91425" bIns="91425" anchor="t" anchorCtr="0">
+          <a:bodyPr wrap="square" lIns="91424" tIns="91424" rIns="91424" bIns="91424" anchor="t" anchorCtr="0">
             <a:noAutofit/>
           </a:bodyPr>
           <a:lstStyle/>
@@ -1162,25 +1098,27 @@
                 <a:spcPts val="0"/>
               </a:spcAft>
               <a:buNone/>
+              <a:defRPr/>
             </a:pPr>
-            <a:endParaRPr/>
+            <a:r>
+              <a:rPr lang="ko-KR" altLang="en-US"/>
+              <a:t/>
+            </a:r>
+            <a:endParaRPr lang="ko-KR" altLang="en-US"/>
           </a:p>
         </p:txBody>
       </p:sp>
     </p:spTree>
   </p:cSld>
-  <p:clrMapOvr>
-    <a:masterClrMapping/>
-  </p:clrMapOvr>
 </p:notes>
 </file>
 
 <file path=ppt/notesSlides/notesSlide5.xml><?xml version="1.0" encoding="utf-8"?>
-<p:notes xmlns:a="http://schemas.openxmlformats.org/drawingml/2006/main" xmlns:r="http://schemas.openxmlformats.org/officeDocument/2006/relationships" xmlns:p="http://schemas.openxmlformats.org/presentationml/2006/main" showMasterSp="0" showMasterPhAnim="0">
+<p:notes xmlns:r="http://schemas.openxmlformats.org/officeDocument/2006/relationships" xmlns:c="http://schemas.openxmlformats.org/drawingml/2006/chart" xmlns:a="http://schemas.openxmlformats.org/drawingml/2006/main" xmlns:dgm="http://schemas.openxmlformats.org/drawingml/2006/diagram" xmlns:dsp="http://schemas.microsoft.com/office/drawing/2008/diagram" xmlns:p="http://schemas.openxmlformats.org/presentationml/2006/main" showMasterSp="0" showMasterPhAnim="0">
   <p:cSld>
     <p:spTree>
       <p:nvGrpSpPr>
-        <p:cNvPr id="1" name="Shape 227"/>
+        <p:cNvPr id="1" name=""/>
         <p:cNvGrpSpPr/>
         <p:nvPr/>
       </p:nvGrpSpPr>
@@ -1196,7 +1134,7 @@
         <p:nvSpPr>
           <p:cNvPr id="228" name="Google Shape;228;gd431007ba2_0_208:notes"/>
           <p:cNvSpPr>
-            <a:spLocks noGrp="1" noRot="1" noChangeAspect="1"/>
+            <a:spLocks noGrp="1" noRot="1" noChangeAspect="1" noTextEdit="1"/>
           </p:cNvSpPr>
           <p:nvPr>
             <p:ph type="sldImg" idx="2"/>
@@ -1210,8 +1148,6 @@
           <a:custGeom>
             <a:avLst/>
             <a:gdLst/>
-            <a:ahLst/>
-            <a:cxnLst/>
             <a:rect l="l" t="t" r="r" b="b"/>
             <a:pathLst>
               <a:path w="120000" h="120000" extrusionOk="0">
@@ -1253,7 +1189,7 @@
           </a:prstGeom>
         </p:spPr>
         <p:txBody>
-          <a:bodyPr spcFirstLastPara="1" wrap="square" lIns="91425" tIns="91425" rIns="91425" bIns="91425" anchor="t" anchorCtr="0">
+          <a:bodyPr wrap="square" lIns="91424" tIns="91424" rIns="91424" bIns="91424" anchor="t" anchorCtr="0">
             <a:noAutofit/>
           </a:bodyPr>
           <a:lstStyle/>
@@ -1266,25 +1202,27 @@
                 <a:spcPts val="0"/>
               </a:spcAft>
               <a:buNone/>
+              <a:defRPr/>
             </a:pPr>
-            <a:endParaRPr/>
+            <a:r>
+              <a:rPr lang="ko-KR" altLang="en-US"/>
+              <a:t/>
+            </a:r>
+            <a:endParaRPr lang="ko-KR" altLang="en-US"/>
           </a:p>
         </p:txBody>
       </p:sp>
     </p:spTree>
   </p:cSld>
-  <p:clrMapOvr>
-    <a:masterClrMapping/>
-  </p:clrMapOvr>
 </p:notes>
 </file>
 
 <file path=ppt/notesSlides/notesSlide6.xml><?xml version="1.0" encoding="utf-8"?>
-<p:notes xmlns:a="http://schemas.openxmlformats.org/drawingml/2006/main" xmlns:r="http://schemas.openxmlformats.org/officeDocument/2006/relationships" xmlns:p="http://schemas.openxmlformats.org/presentationml/2006/main" showMasterSp="0" showMasterPhAnim="0">
+<p:notes xmlns:r="http://schemas.openxmlformats.org/officeDocument/2006/relationships" xmlns:c="http://schemas.openxmlformats.org/drawingml/2006/chart" xmlns:a="http://schemas.openxmlformats.org/drawingml/2006/main" xmlns:dgm="http://schemas.openxmlformats.org/drawingml/2006/diagram" xmlns:dsp="http://schemas.microsoft.com/office/drawing/2008/diagram" xmlns:p="http://schemas.openxmlformats.org/presentationml/2006/main" showMasterSp="0" showMasterPhAnim="0">
   <p:cSld>
     <p:spTree>
       <p:nvGrpSpPr>
-        <p:cNvPr id="1" name="Shape 259"/>
+        <p:cNvPr id="1" name=""/>
         <p:cNvGrpSpPr/>
         <p:nvPr/>
       </p:nvGrpSpPr>
@@ -1300,7 +1238,7 @@
         <p:nvSpPr>
           <p:cNvPr id="260" name="Google Shape;260;g54dda1946d_6_322:notes"/>
           <p:cNvSpPr>
-            <a:spLocks noGrp="1" noRot="1" noChangeAspect="1"/>
+            <a:spLocks noGrp="1" noRot="1" noChangeAspect="1" noTextEdit="1"/>
           </p:cNvSpPr>
           <p:nvPr>
             <p:ph type="sldImg" idx="2"/>
@@ -1314,8 +1252,6 @@
           <a:custGeom>
             <a:avLst/>
             <a:gdLst/>
-            <a:ahLst/>
-            <a:cxnLst/>
             <a:rect l="l" t="t" r="r" b="b"/>
             <a:pathLst>
               <a:path w="120000" h="120000" extrusionOk="0">
@@ -1357,7 +1293,7 @@
           </a:prstGeom>
         </p:spPr>
         <p:txBody>
-          <a:bodyPr spcFirstLastPara="1" wrap="square" lIns="91425" tIns="91425" rIns="91425" bIns="91425" anchor="t" anchorCtr="0">
+          <a:bodyPr wrap="square" lIns="91424" tIns="91424" rIns="91424" bIns="91424" anchor="t" anchorCtr="0">
             <a:noAutofit/>
           </a:bodyPr>
           <a:lstStyle/>
@@ -1370,25 +1306,27 @@
                 <a:spcPts val="0"/>
               </a:spcAft>
               <a:buNone/>
+              <a:defRPr/>
             </a:pPr>
-            <a:endParaRPr/>
+            <a:r>
+              <a:rPr lang="ko-KR" altLang="en-US"/>
+              <a:t/>
+            </a:r>
+            <a:endParaRPr lang="ko-KR" altLang="en-US"/>
           </a:p>
         </p:txBody>
       </p:sp>
     </p:spTree>
   </p:cSld>
-  <p:clrMapOvr>
-    <a:masterClrMapping/>
-  </p:clrMapOvr>
 </p:notes>
 </file>
 
 <file path=ppt/notesSlides/notesSlide7.xml><?xml version="1.0" encoding="utf-8"?>
-<p:notes xmlns:a="http://schemas.openxmlformats.org/drawingml/2006/main" xmlns:r="http://schemas.openxmlformats.org/officeDocument/2006/relationships" xmlns:p="http://schemas.openxmlformats.org/presentationml/2006/main" showMasterSp="0" showMasterPhAnim="0">
+<p:notes xmlns:r="http://schemas.openxmlformats.org/officeDocument/2006/relationships" xmlns:c="http://schemas.openxmlformats.org/drawingml/2006/chart" xmlns:a="http://schemas.openxmlformats.org/drawingml/2006/main" xmlns:dgm="http://schemas.openxmlformats.org/drawingml/2006/diagram" xmlns:dsp="http://schemas.microsoft.com/office/drawing/2008/diagram" xmlns:p="http://schemas.openxmlformats.org/presentationml/2006/main" showMasterSp="0" showMasterPhAnim="0">
   <p:cSld>
     <p:spTree>
       <p:nvGrpSpPr>
-        <p:cNvPr id="1" name="Shape 286"/>
+        <p:cNvPr id="1" name=""/>
         <p:cNvGrpSpPr/>
         <p:nvPr/>
       </p:nvGrpSpPr>
@@ -1404,7 +1342,7 @@
         <p:nvSpPr>
           <p:cNvPr id="287" name="Google Shape;287;g184d99d1a72_0_15:notes"/>
           <p:cNvSpPr>
-            <a:spLocks noGrp="1" noRot="1" noChangeAspect="1"/>
+            <a:spLocks noGrp="1" noRot="1" noChangeAspect="1" noTextEdit="1"/>
           </p:cNvSpPr>
           <p:nvPr>
             <p:ph type="sldImg" idx="2"/>
@@ -1418,8 +1356,6 @@
           <a:custGeom>
             <a:avLst/>
             <a:gdLst/>
-            <a:ahLst/>
-            <a:cxnLst/>
             <a:rect l="l" t="t" r="r" b="b"/>
             <a:pathLst>
               <a:path w="120000" h="120000" extrusionOk="0">
@@ -1461,7 +1397,7 @@
           </a:prstGeom>
         </p:spPr>
         <p:txBody>
-          <a:bodyPr spcFirstLastPara="1" wrap="square" lIns="91425" tIns="91425" rIns="91425" bIns="91425" anchor="t" anchorCtr="0">
+          <a:bodyPr wrap="square" lIns="91424" tIns="91424" rIns="91424" bIns="91424" anchor="t" anchorCtr="0">
             <a:noAutofit/>
           </a:bodyPr>
           <a:lstStyle/>
@@ -1474,31 +1410,27 @@
                 <a:spcPts val="0"/>
               </a:spcAft>
               <a:buNone/>
+              <a:defRPr/>
             </a:pPr>
-            <a:endParaRPr/>
+            <a:r>
+              <a:rPr lang="ko-KR" altLang="en-US"/>
+              <a:t/>
+            </a:r>
+            <a:endParaRPr lang="ko-KR" altLang="en-US"/>
           </a:p>
         </p:txBody>
       </p:sp>
     </p:spTree>
   </p:cSld>
-  <p:clrMapOvr>
-    <a:masterClrMapping/>
-  </p:clrMapOvr>
 </p:notes>
 </file>
 
 <file path=ppt/notesSlides/notesSlide8.xml><?xml version="1.0" encoding="utf-8"?>
-<p:notes xmlns:a="http://schemas.openxmlformats.org/drawingml/2006/main" xmlns:r="http://schemas.openxmlformats.org/officeDocument/2006/relationships" xmlns:p="http://schemas.openxmlformats.org/presentationml/2006/main" showMasterSp="0" showMasterPhAnim="0">
+<p:notes xmlns:r="http://schemas.openxmlformats.org/officeDocument/2006/relationships" xmlns:c="http://schemas.openxmlformats.org/drawingml/2006/chart" xmlns:a="http://schemas.openxmlformats.org/drawingml/2006/main" xmlns:dgm="http://schemas.openxmlformats.org/drawingml/2006/diagram" xmlns:dsp="http://schemas.microsoft.com/office/drawing/2008/diagram" xmlns:p="http://schemas.openxmlformats.org/presentationml/2006/main" showMasterSp="0" showMasterPhAnim="0">
   <p:cSld>
     <p:spTree>
       <p:nvGrpSpPr>
-        <p:cNvPr id="1" name="Shape 286">
-          <a:extLst>
-            <a:ext uri="{FF2B5EF4-FFF2-40B4-BE49-F238E27FC236}">
-              <a16:creationId xmlns:a16="http://schemas.microsoft.com/office/drawing/2014/main" id="{DEF1A795-868A-23A5-B3CD-D1AD792F3E15}"/>
-            </a:ext>
-          </a:extLst>
-        </p:cNvPr>
+        <p:cNvPr id="1" name=""/>
         <p:cNvGrpSpPr/>
         <p:nvPr/>
       </p:nvGrpSpPr>
@@ -1512,15 +1444,9 @@
       </p:grpSpPr>
       <p:sp>
         <p:nvSpPr>
-          <p:cNvPr id="287" name="Google Shape;287;g184d99d1a72_0_15:notes">
-            <a:extLst>
-              <a:ext uri="{FF2B5EF4-FFF2-40B4-BE49-F238E27FC236}">
-                <a16:creationId xmlns:a16="http://schemas.microsoft.com/office/drawing/2014/main" id="{B312B4A2-33EE-CEB9-657F-1133C04E60A1}"/>
-              </a:ext>
-            </a:extLst>
-          </p:cNvPr>
+          <p:cNvPr id="287" name="Google Shape;287;g184d99d1a72_0_15:notes"/>
           <p:cNvSpPr>
-            <a:spLocks noGrp="1" noRot="1" noChangeAspect="1"/>
+            <a:spLocks noGrp="1" noRot="1" noChangeAspect="1" noTextEdit="1"/>
           </p:cNvSpPr>
           <p:nvPr>
             <p:ph type="sldImg" idx="2"/>
@@ -1534,8 +1460,6 @@
           <a:custGeom>
             <a:avLst/>
             <a:gdLst/>
-            <a:ahLst/>
-            <a:cxnLst/>
             <a:rect l="l" t="t" r="r" b="b"/>
             <a:pathLst>
               <a:path w="120000" h="120000" extrusionOk="0">
@@ -1559,13 +1483,7 @@
       </p:sp>
       <p:sp>
         <p:nvSpPr>
-          <p:cNvPr id="288" name="Google Shape;288;g184d99d1a72_0_15:notes">
-            <a:extLst>
-              <a:ext uri="{FF2B5EF4-FFF2-40B4-BE49-F238E27FC236}">
-                <a16:creationId xmlns:a16="http://schemas.microsoft.com/office/drawing/2014/main" id="{9865AD6C-7373-9E68-EA93-75976B64C1ED}"/>
-              </a:ext>
-            </a:extLst>
-          </p:cNvPr>
+          <p:cNvPr id="288" name="Google Shape;288;g184d99d1a72_0_15:notes"/>
           <p:cNvSpPr txBox="1">
             <a:spLocks noGrp="1"/>
           </p:cNvSpPr>
@@ -1583,7 +1501,7 @@
           </a:prstGeom>
         </p:spPr>
         <p:txBody>
-          <a:bodyPr spcFirstLastPara="1" wrap="square" lIns="91425" tIns="91425" rIns="91425" bIns="91425" anchor="t" anchorCtr="0">
+          <a:bodyPr wrap="square" lIns="91424" tIns="91424" rIns="91424" bIns="91424" anchor="t" anchorCtr="0">
             <a:noAutofit/>
           </a:bodyPr>
           <a:lstStyle/>
@@ -1596,30 +1514,27 @@
                 <a:spcPts val="0"/>
               </a:spcAft>
               <a:buNone/>
+              <a:defRPr/>
             </a:pPr>
-            <a:endParaRPr/>
+            <a:r>
+              <a:rPr lang="ko-KR" altLang="en-US"/>
+              <a:t/>
+            </a:r>
+            <a:endParaRPr lang="ko-KR" altLang="en-US"/>
           </a:p>
         </p:txBody>
       </p:sp>
     </p:spTree>
-    <p:extLst>
-      <p:ext uri="{BB962C8B-B14F-4D97-AF65-F5344CB8AC3E}">
-        <p14:creationId xmlns:p14="http://schemas.microsoft.com/office/powerpoint/2010/main" val="4022364003"/>
-      </p:ext>
-    </p:extLst>
   </p:cSld>
-  <p:clrMapOvr>
-    <a:masterClrMapping/>
-  </p:clrMapOvr>
 </p:notes>
 </file>
 
 <file path=ppt/notesSlides/notesSlide9.xml><?xml version="1.0" encoding="utf-8"?>
-<p:notes xmlns:a="http://schemas.openxmlformats.org/drawingml/2006/main" xmlns:r="http://schemas.openxmlformats.org/officeDocument/2006/relationships" xmlns:p="http://schemas.openxmlformats.org/presentationml/2006/main" showMasterSp="0" showMasterPhAnim="0">
+<p:notes xmlns:r="http://schemas.openxmlformats.org/officeDocument/2006/relationships" xmlns:c="http://schemas.openxmlformats.org/drawingml/2006/chart" xmlns:a="http://schemas.openxmlformats.org/drawingml/2006/main" xmlns:dgm="http://schemas.openxmlformats.org/drawingml/2006/diagram" xmlns:dsp="http://schemas.microsoft.com/office/drawing/2008/diagram" xmlns:p="http://schemas.openxmlformats.org/presentationml/2006/main" showMasterSp="0" showMasterPhAnim="0">
   <p:cSld>
     <p:spTree>
       <p:nvGrpSpPr>
-        <p:cNvPr id="1" name="Shape 564"/>
+        <p:cNvPr id="1" name=""/>
         <p:cNvGrpSpPr/>
         <p:nvPr/>
       </p:nvGrpSpPr>
@@ -1635,7 +1550,7 @@
         <p:nvSpPr>
           <p:cNvPr id="565" name="Google Shape;565;g1869d044d76_0_0:notes"/>
           <p:cNvSpPr>
-            <a:spLocks noGrp="1" noRot="1" noChangeAspect="1"/>
+            <a:spLocks noGrp="1" noRot="1" noChangeAspect="1" noTextEdit="1"/>
           </p:cNvSpPr>
           <p:nvPr>
             <p:ph type="sldImg" idx="2"/>
@@ -1649,8 +1564,6 @@
           <a:custGeom>
             <a:avLst/>
             <a:gdLst/>
-            <a:ahLst/>
-            <a:cxnLst/>
             <a:rect l="l" t="t" r="r" b="b"/>
             <a:pathLst>
               <a:path w="120000" h="120000" extrusionOk="0">
@@ -1692,7 +1605,7 @@
           </a:prstGeom>
         </p:spPr>
         <p:txBody>
-          <a:bodyPr spcFirstLastPara="1" wrap="square" lIns="91425" tIns="91425" rIns="91425" bIns="91425" anchor="t" anchorCtr="0">
+          <a:bodyPr wrap="square" lIns="91424" tIns="91424" rIns="91424" bIns="91424" anchor="t" anchorCtr="0">
             <a:noAutofit/>
           </a:bodyPr>
           <a:lstStyle/>
@@ -1705,16 +1618,18 @@
                 <a:spcPts val="0"/>
               </a:spcAft>
               <a:buNone/>
+              <a:defRPr/>
             </a:pPr>
-            <a:endParaRPr/>
+            <a:r>
+              <a:rPr lang="ko-KR" altLang="en-US"/>
+              <a:t/>
+            </a:r>
+            <a:endParaRPr lang="ko-KR" altLang="en-US"/>
           </a:p>
         </p:txBody>
       </p:sp>
     </p:spTree>
   </p:cSld>
-  <p:clrMapOvr>
-    <a:masterClrMapping/>
-  </p:clrMapOvr>
 </p:notes>
 </file>
 
@@ -13784,11 +13699,11 @@
 </file>
 
 <file path=ppt/slides/slide3.xml><?xml version="1.0" encoding="utf-8"?>
-<p:sld xmlns:a="http://schemas.openxmlformats.org/drawingml/2006/main" xmlns:r="http://schemas.openxmlformats.org/officeDocument/2006/relationships" xmlns:p="http://schemas.openxmlformats.org/presentationml/2006/main">
+<p:sld xmlns:r="http://schemas.openxmlformats.org/officeDocument/2006/relationships" xmlns:c="http://schemas.openxmlformats.org/drawingml/2006/chart" xmlns:a="http://schemas.openxmlformats.org/drawingml/2006/main" xmlns:dgm="http://schemas.openxmlformats.org/drawingml/2006/diagram" xmlns:dsp="http://schemas.microsoft.com/office/drawing/2008/diagram" xmlns:p="http://schemas.openxmlformats.org/presentationml/2006/main">
   <p:cSld>
     <p:spTree>
       <p:nvGrpSpPr>
-        <p:cNvPr id="1" name="Shape 314"/>
+        <p:cNvPr id="1" name=""/>
         <p:cNvGrpSpPr/>
         <p:nvPr/>
       </p:nvGrpSpPr>
@@ -13820,7 +13735,7 @@
           </a:prstGeom>
         </p:spPr>
         <p:txBody>
-          <a:bodyPr spcFirstLastPara="1" wrap="square" lIns="91425" tIns="91425" rIns="91425" bIns="91425" anchor="b" anchorCtr="0">
+          <a:bodyPr wrap="square" lIns="91424" tIns="91424" rIns="91424" bIns="91424" anchor="b" anchorCtr="0">
             <a:noAutofit/>
           </a:bodyPr>
           <a:lstStyle/>
@@ -13833,38 +13748,39 @@
                 <a:spcPts val="0"/>
               </a:spcAft>
               <a:buNone/>
+              <a:defRPr/>
             </a:pPr>
             <a:r>
-              <a:rPr lang="ko-KR" altLang="en-US" dirty="0" err="1">
-                <a:latin typeface="G마켓 산스 TTF Bold" panose="02000000000000000000" pitchFamily="2" charset="-127"/>
-                <a:ea typeface="G마켓 산스 TTF Bold" panose="02000000000000000000" pitchFamily="2" charset="-127"/>
+              <a:rPr lang="ko-KR" altLang="en-US">
+                <a:latin typeface="G마켓 산스 TTF Bold"/>
+                <a:ea typeface="G마켓 산스 TTF Bold"/>
               </a:rPr>
               <a:t>임현성</a:t>
             </a:r>
             <a:r>
-              <a:rPr lang="en-US" altLang="ko-KR" dirty="0">
-                <a:latin typeface="G마켓 산스 TTF Bold" panose="02000000000000000000" pitchFamily="2" charset="-127"/>
-                <a:ea typeface="G마켓 산스 TTF Bold" panose="02000000000000000000" pitchFamily="2" charset="-127"/>
+              <a:rPr lang="en-US" altLang="ko-KR">
+                <a:latin typeface="G마켓 산스 TTF Bold"/>
+                <a:ea typeface="G마켓 산스 TTF Bold"/>
               </a:rPr>
               <a:t>(</a:t>
             </a:r>
             <a:r>
-              <a:rPr lang="ko-KR" altLang="en-US" dirty="0" err="1">
-                <a:latin typeface="G마켓 산스 TTF Bold" panose="02000000000000000000" pitchFamily="2" charset="-127"/>
-                <a:ea typeface="G마켓 산스 TTF Bold" panose="02000000000000000000" pitchFamily="2" charset="-127"/>
+              <a:rPr lang="ko-KR" altLang="en-US">
+                <a:latin typeface="G마켓 산스 TTF Bold"/>
+                <a:ea typeface="G마켓 산스 TTF Bold"/>
               </a:rPr>
               <a:t>프론트엔드</a:t>
             </a:r>
             <a:r>
-              <a:rPr lang="en-US" altLang="ko-KR" dirty="0">
-                <a:latin typeface="G마켓 산스 TTF Bold" panose="02000000000000000000" pitchFamily="2" charset="-127"/>
-                <a:ea typeface="G마켓 산스 TTF Bold" panose="02000000000000000000" pitchFamily="2" charset="-127"/>
+              <a:rPr lang="en-US" altLang="ko-KR">
+                <a:latin typeface="G마켓 산스 TTF Bold"/>
+                <a:ea typeface="G마켓 산스 TTF Bold"/>
               </a:rPr>
               <a:t>)</a:t>
             </a:r>
-            <a:endParaRPr dirty="0">
-              <a:latin typeface="G마켓 산스 TTF Bold" panose="02000000000000000000" pitchFamily="2" charset="-127"/>
-              <a:ea typeface="G마켓 산스 TTF Bold" panose="02000000000000000000" pitchFamily="2" charset="-127"/>
+            <a:endParaRPr>
+              <a:latin typeface="G마켓 산스 TTF Bold"/>
+              <a:ea typeface="G마켓 산스 TTF Bold"/>
             </a:endParaRPr>
           </a:p>
         </p:txBody>
@@ -13876,7 +13792,7 @@
             <a:spLocks noGrp="1"/>
           </p:cNvSpPr>
           <p:nvPr>
-            <p:ph type="title"/>
+            <p:ph type="title" idx="0"/>
           </p:nvPr>
         </p:nvSpPr>
         <p:spPr>
@@ -13889,7 +13805,7 @@
           </a:prstGeom>
         </p:spPr>
         <p:txBody>
-          <a:bodyPr spcFirstLastPara="1" wrap="square" lIns="91425" tIns="91425" rIns="91425" bIns="91425" anchor="t" anchorCtr="0">
+          <a:bodyPr wrap="square" lIns="91424" tIns="91424" rIns="91424" bIns="91424" anchor="t" anchorCtr="0">
             <a:noAutofit/>
           </a:bodyPr>
           <a:lstStyle/>
@@ -13902,17 +13818,18 @@
                 <a:spcPts val="0"/>
               </a:spcAft>
               <a:buNone/>
+              <a:defRPr/>
             </a:pPr>
             <a:r>
-              <a:rPr lang="ko-KR" altLang="en-US" dirty="0">
-                <a:latin typeface="G마켓 산스 TTF Bold" panose="02000000000000000000" pitchFamily="2" charset="-127"/>
-                <a:ea typeface="G마켓 산스 TTF Bold" panose="02000000000000000000" pitchFamily="2" charset="-127"/>
+              <a:rPr lang="ko-KR" altLang="en-US">
+                <a:latin typeface="G마켓 산스 TTF Bold"/>
+                <a:ea typeface="G마켓 산스 TTF Bold"/>
               </a:rPr>
               <a:t>팀 구성</a:t>
             </a:r>
-            <a:endParaRPr dirty="0">
-              <a:latin typeface="G마켓 산스 TTF Bold" panose="02000000000000000000" pitchFamily="2" charset="-127"/>
-              <a:ea typeface="G마켓 산스 TTF Bold" panose="02000000000000000000" pitchFamily="2" charset="-127"/>
+            <a:endParaRPr>
+              <a:latin typeface="G마켓 산스 TTF Bold"/>
+              <a:ea typeface="G마켓 산스 TTF Bold"/>
             </a:endParaRPr>
           </a:p>
         </p:txBody>
@@ -13937,7 +13854,7 @@
           </a:prstGeom>
         </p:spPr>
         <p:txBody>
-          <a:bodyPr spcFirstLastPara="1" wrap="square" lIns="91425" tIns="91425" rIns="91425" bIns="91425" anchor="t" anchorCtr="0">
+          <a:bodyPr wrap="square" lIns="91424" tIns="91424" rIns="91424" bIns="91424" anchor="t" anchorCtr="0">
             <a:noAutofit/>
           </a:bodyPr>
           <a:lstStyle/>
@@ -13950,31 +13867,32 @@
                 <a:spcPts val="0"/>
               </a:spcAft>
               <a:buNone/>
+              <a:defRPr/>
             </a:pPr>
             <a:r>
-              <a:rPr lang="ko-KR" altLang="en-US" dirty="0">
-                <a:latin typeface="G마켓 산스 TTF Medium" panose="02000000000000000000" pitchFamily="2" charset="-127"/>
-                <a:ea typeface="G마켓 산스 TTF Medium" panose="02000000000000000000" pitchFamily="2" charset="-127"/>
+              <a:rPr lang="ko-KR" altLang="en-US">
+                <a:latin typeface="G마켓 산스 TTF Medium"/>
+                <a:ea typeface="G마켓 산스 TTF Medium"/>
               </a:rPr>
               <a:t>학번</a:t>
             </a:r>
             <a:r>
-              <a:rPr lang="en-US" altLang="ko-KR" dirty="0">
-                <a:latin typeface="G마켓 산스 TTF Medium" panose="02000000000000000000" pitchFamily="2" charset="-127"/>
-                <a:ea typeface="G마켓 산스 TTF Medium" panose="02000000000000000000" pitchFamily="2" charset="-127"/>
+              <a:rPr lang="en-US" altLang="ko-KR">
+                <a:latin typeface="G마켓 산스 TTF Medium"/>
+                <a:ea typeface="G마켓 산스 TTF Medium"/>
               </a:rPr>
               <a:t>: </a:t>
             </a:r>
             <a:r>
-              <a:rPr lang="en-US" dirty="0">
-                <a:latin typeface="G마켓 산스 TTF Medium" panose="02000000000000000000" pitchFamily="2" charset="-127"/>
-                <a:ea typeface="G마켓 산스 TTF Medium" panose="02000000000000000000" pitchFamily="2" charset="-127"/>
+              <a:rPr lang="en-US">
+                <a:latin typeface="G마켓 산스 TTF Medium"/>
+                <a:ea typeface="G마켓 산스 TTF Medium"/>
               </a:rPr>
               <a:t>202307012</a:t>
             </a:r>
-            <a:endParaRPr dirty="0">
-              <a:latin typeface="G마켓 산스 TTF Medium" panose="02000000000000000000" pitchFamily="2" charset="-127"/>
-              <a:ea typeface="G마켓 산스 TTF Medium" panose="02000000000000000000" pitchFamily="2" charset="-127"/>
+            <a:endParaRPr>
+              <a:latin typeface="G마켓 산스 TTF Medium"/>
+              <a:ea typeface="G마켓 산스 TTF Medium"/>
             </a:endParaRPr>
           </a:p>
         </p:txBody>
@@ -13999,7 +13917,7 @@
           </a:prstGeom>
         </p:spPr>
         <p:txBody>
-          <a:bodyPr spcFirstLastPara="1" wrap="square" lIns="91425" tIns="91425" rIns="91425" bIns="91425" anchor="t" anchorCtr="0">
+          <a:bodyPr wrap="square" lIns="91424" tIns="91424" rIns="91424" bIns="91424" anchor="t" anchorCtr="0">
             <a:noAutofit/>
           </a:bodyPr>
           <a:lstStyle/>
@@ -14012,31 +13930,53 @@
                 <a:spcPts val="0"/>
               </a:spcAft>
               <a:buNone/>
+              <a:defRPr/>
             </a:pPr>
             <a:r>
-              <a:rPr lang="ko-KR" altLang="en-US" dirty="0">
-                <a:latin typeface="G마켓 산스 TTF Medium" panose="02000000000000000000" pitchFamily="2" charset="-127"/>
-                <a:ea typeface="G마켓 산스 TTF Medium" panose="02000000000000000000" pitchFamily="2" charset="-127"/>
+              <a:rPr lang="ko-KR" altLang="en-US">
+                <a:latin typeface="G마켓 산스 TTF Medium"/>
+                <a:ea typeface="G마켓 산스 TTF Medium"/>
               </a:rPr>
               <a:t>학번</a:t>
             </a:r>
             <a:r>
-              <a:rPr lang="en-US" altLang="ko-KR" dirty="0">
-                <a:latin typeface="G마켓 산스 TTF Medium" panose="02000000000000000000" pitchFamily="2" charset="-127"/>
-                <a:ea typeface="G마켓 산스 TTF Medium" panose="02000000000000000000" pitchFamily="2" charset="-127"/>
+              <a:rPr lang="en-US" altLang="ko-KR">
+                <a:latin typeface="G마켓 산스 TTF Medium"/>
+                <a:ea typeface="G마켓 산스 TTF Medium"/>
               </a:rPr>
               <a:t>: </a:t>
             </a:r>
             <a:r>
-              <a:rPr lang="en-US" dirty="0">
-                <a:latin typeface="G마켓 산스 TTF Medium" panose="02000000000000000000" pitchFamily="2" charset="-127"/>
-                <a:ea typeface="G마켓 산스 TTF Medium" panose="02000000000000000000" pitchFamily="2" charset="-127"/>
+              <a:rPr lang="en-US">
+                <a:latin typeface="G마켓 산스 TTF Medium"/>
+                <a:ea typeface="G마켓 산스 TTF Medium"/>
               </a:rPr>
-              <a:t>202207022</a:t>
+              <a:t>202</a:t>
             </a:r>
-            <a:endParaRPr dirty="0">
-              <a:latin typeface="G마켓 산스 TTF Medium" panose="02000000000000000000" pitchFamily="2" charset="-127"/>
-              <a:ea typeface="G마켓 산스 TTF Medium" panose="02000000000000000000" pitchFamily="2" charset="-127"/>
+            <a:r>
+              <a:rPr lang="en-US" altLang="ko-KR">
+                <a:latin typeface="G마켓 산스 TTF Medium"/>
+                <a:ea typeface="G마켓 산스 TTF Medium"/>
+              </a:rPr>
+              <a:t>1</a:t>
+            </a:r>
+            <a:r>
+              <a:rPr lang="en-US">
+                <a:latin typeface="G마켓 산스 TTF Medium"/>
+                <a:ea typeface="G마켓 산스 TTF Medium"/>
+              </a:rPr>
+              <a:t>0702</a:t>
+            </a:r>
+            <a:r>
+              <a:rPr lang="en-US" altLang="ko-KR">
+                <a:latin typeface="G마켓 산스 TTF Medium"/>
+                <a:ea typeface="G마켓 산스 TTF Medium"/>
+              </a:rPr>
+              <a:t>8</a:t>
+            </a:r>
+            <a:endParaRPr lang="en-US" altLang="ko-KR">
+              <a:latin typeface="G마켓 산스 TTF Medium"/>
+              <a:ea typeface="G마켓 산스 TTF Medium"/>
             </a:endParaRPr>
           </a:p>
         </p:txBody>
@@ -14061,7 +14001,7 @@
           </a:prstGeom>
         </p:spPr>
         <p:txBody>
-          <a:bodyPr spcFirstLastPara="1" wrap="square" lIns="91425" tIns="91425" rIns="91425" bIns="91425" anchor="t" anchorCtr="0">
+          <a:bodyPr wrap="square" lIns="91424" tIns="91424" rIns="91424" bIns="91424" anchor="t" anchorCtr="0">
             <a:noAutofit/>
           </a:bodyPr>
           <a:lstStyle/>
@@ -14074,32 +14014,33 @@
                 <a:spcPts val="0"/>
               </a:spcAft>
               <a:buNone/>
+              <a:defRPr/>
             </a:pPr>
             <a:r>
-              <a:rPr lang="ko-KR" altLang="en-US" dirty="0">
-                <a:latin typeface="G마켓 산스 TTF Medium" panose="02000000000000000000" pitchFamily="2" charset="-127"/>
-                <a:ea typeface="G마켓 산스 TTF Medium" panose="02000000000000000000" pitchFamily="2" charset="-127"/>
+              <a:rPr lang="ko-KR" altLang="en-US">
+                <a:latin typeface="G마켓 산스 TTF Medium"/>
+                <a:ea typeface="G마켓 산스 TTF Medium"/>
               </a:rPr>
               <a:t>학번</a:t>
             </a:r>
             <a:r>
-              <a:rPr lang="en-US" altLang="ko-KR" dirty="0">
-                <a:latin typeface="G마켓 산스 TTF Medium" panose="02000000000000000000" pitchFamily="2" charset="-127"/>
-                <a:ea typeface="G마켓 산스 TTF Medium" panose="02000000000000000000" pitchFamily="2" charset="-127"/>
+              <a:rPr lang="en-US" altLang="ko-KR">
+                <a:latin typeface="G마켓 산스 TTF Medium"/>
+                <a:ea typeface="G마켓 산스 TTF Medium"/>
               </a:rPr>
               <a:t>: </a:t>
             </a:r>
             <a:r>
-              <a:rPr lang="en-US" altLang="ko-KR" b="0" i="0" dirty="0">
+              <a:rPr lang="en-US" altLang="ko-KR" b="0" i="0">
                 <a:effectLst/>
-                <a:latin typeface="G마켓 산스 TTF Medium" panose="02000000000000000000" pitchFamily="2" charset="-127"/>
-                <a:ea typeface="G마켓 산스 TTF Medium" panose="02000000000000000000" pitchFamily="2" charset="-127"/>
+                <a:latin typeface="G마켓 산스 TTF Medium"/>
+                <a:ea typeface="G마켓 산스 TTF Medium"/>
               </a:rPr>
               <a:t>202307032</a:t>
             </a:r>
-            <a:endParaRPr dirty="0">
-              <a:latin typeface="G마켓 산스 TTF Medium" panose="02000000000000000000" pitchFamily="2" charset="-127"/>
-              <a:ea typeface="G마켓 산스 TTF Medium" panose="02000000000000000000" pitchFamily="2" charset="-127"/>
+            <a:endParaRPr>
+              <a:latin typeface="G마켓 산스 TTF Medium"/>
+              <a:ea typeface="G마켓 산스 TTF Medium"/>
             </a:endParaRPr>
           </a:p>
         </p:txBody>
@@ -14124,7 +14065,7 @@
           </a:prstGeom>
         </p:spPr>
         <p:txBody>
-          <a:bodyPr spcFirstLastPara="1" wrap="square" lIns="91425" tIns="91425" rIns="91425" bIns="91425" anchor="t" anchorCtr="0">
+          <a:bodyPr wrap="square" lIns="91424" tIns="91424" rIns="91424" bIns="91424" anchor="t" anchorCtr="0">
             <a:noAutofit/>
           </a:bodyPr>
           <a:lstStyle/>
@@ -14137,26 +14078,27 @@
                 <a:spcPts val="0"/>
               </a:spcAft>
               <a:buNone/>
+              <a:defRPr/>
             </a:pPr>
             <a:r>
-              <a:rPr lang="ko-KR" altLang="en-US" b="0" i="0" dirty="0">
+              <a:rPr lang="ko-KR" altLang="en-US" b="0" i="0">
                 <a:effectLst/>
-                <a:latin typeface="G마켓 산스 TTF Medium" panose="02000000000000000000" pitchFamily="2" charset="-127"/>
-                <a:ea typeface="G마켓 산스 TTF Medium" panose="02000000000000000000" pitchFamily="2" charset="-127"/>
+                <a:latin typeface="G마켓 산스 TTF Medium"/>
+                <a:ea typeface="G마켓 산스 TTF Medium"/>
               </a:rPr>
               <a:t>학번</a:t>
             </a:r>
             <a:r>
-              <a:rPr lang="en-US" altLang="ko-KR" b="0" i="0" dirty="0">
+              <a:rPr lang="en-US" altLang="ko-KR" b="0" i="0">
                 <a:effectLst/>
-                <a:latin typeface="G마켓 산스 TTF Medium" panose="02000000000000000000" pitchFamily="2" charset="-127"/>
-                <a:ea typeface="G마켓 산스 TTF Medium" panose="02000000000000000000" pitchFamily="2" charset="-127"/>
+                <a:latin typeface="G마켓 산스 TTF Medium"/>
+                <a:ea typeface="G마켓 산스 TTF Medium"/>
               </a:rPr>
               <a:t>: 202307072</a:t>
             </a:r>
-            <a:endParaRPr dirty="0">
-              <a:latin typeface="G마켓 산스 TTF Medium" panose="02000000000000000000" pitchFamily="2" charset="-127"/>
-              <a:ea typeface="G마켓 산스 TTF Medium" panose="02000000000000000000" pitchFamily="2" charset="-127"/>
+            <a:endParaRPr>
+              <a:latin typeface="G마켓 산스 TTF Medium"/>
+              <a:ea typeface="G마켓 산스 TTF Medium"/>
             </a:endParaRPr>
           </a:p>
         </p:txBody>
@@ -14181,7 +14123,7 @@
           </a:prstGeom>
         </p:spPr>
         <p:txBody>
-          <a:bodyPr spcFirstLastPara="1" wrap="square" lIns="91425" tIns="91425" rIns="91425" bIns="91425" anchor="b" anchorCtr="0">
+          <a:bodyPr wrap="square" lIns="91424" tIns="91424" rIns="91424" bIns="91424" anchor="b" anchorCtr="0">
             <a:noAutofit/>
           </a:bodyPr>
           <a:lstStyle/>
@@ -14194,52 +14136,53 @@
                 <a:spcPts val="0"/>
               </a:spcAft>
               <a:buNone/>
+              <a:defRPr/>
             </a:pPr>
             <a:r>
-              <a:rPr lang="ko-KR" altLang="en-US" dirty="0">
-                <a:latin typeface="G마켓 산스 TTF Bold" panose="02000000000000000000" pitchFamily="2" charset="-127"/>
-                <a:ea typeface="G마켓 산스 TTF Bold" panose="02000000000000000000" pitchFamily="2" charset="-127"/>
+              <a:rPr lang="ko-KR" altLang="en-US">
+                <a:latin typeface="G마켓 산스 TTF Bold"/>
+                <a:ea typeface="G마켓 산스 TTF Bold"/>
               </a:rPr>
               <a:t>조용무</a:t>
             </a:r>
             <a:r>
-              <a:rPr lang="en-US" altLang="ko-KR" dirty="0">
-                <a:latin typeface="G마켓 산스 TTF Bold" panose="02000000000000000000" pitchFamily="2" charset="-127"/>
-                <a:ea typeface="G마켓 산스 TTF Bold" panose="02000000000000000000" pitchFamily="2" charset="-127"/>
+              <a:rPr lang="en-US" altLang="ko-KR">
+                <a:latin typeface="G마켓 산스 TTF Bold"/>
+                <a:ea typeface="G마켓 산스 TTF Bold"/>
               </a:rPr>
               <a:t>(</a:t>
             </a:r>
             <a:r>
-              <a:rPr lang="ko-KR" altLang="en-US" dirty="0">
-                <a:latin typeface="G마켓 산스 TTF Bold" panose="02000000000000000000" pitchFamily="2" charset="-127"/>
-                <a:ea typeface="G마켓 산스 TTF Bold" panose="02000000000000000000" pitchFamily="2" charset="-127"/>
+              <a:rPr lang="ko-KR" altLang="en-US">
+                <a:latin typeface="G마켓 산스 TTF Bold"/>
+                <a:ea typeface="G마켓 산스 TTF Bold"/>
               </a:rPr>
               <a:t>팀장 </a:t>
             </a:r>
             <a:r>
-              <a:rPr lang="en-US" altLang="ko-KR" dirty="0">
-                <a:latin typeface="G마켓 산스 TTF Bold" panose="02000000000000000000" pitchFamily="2" charset="-127"/>
-                <a:ea typeface="G마켓 산스 TTF Bold" panose="02000000000000000000" pitchFamily="2" charset="-127"/>
+              <a:rPr lang="en-US" altLang="ko-KR">
+                <a:latin typeface="G마켓 산스 TTF Bold"/>
+                <a:ea typeface="G마켓 산스 TTF Bold"/>
               </a:rPr>
               <a:t>/ </a:t>
             </a:r>
             <a:r>
-              <a:rPr lang="ko-KR" altLang="en-US" dirty="0" err="1">
-                <a:latin typeface="G마켓 산스 TTF Bold" panose="02000000000000000000" pitchFamily="2" charset="-127"/>
-                <a:ea typeface="G마켓 산스 TTF Bold" panose="02000000000000000000" pitchFamily="2" charset="-127"/>
+              <a:rPr lang="ko-KR" altLang="en-US">
+                <a:latin typeface="G마켓 산스 TTF Bold"/>
+                <a:ea typeface="G마켓 산스 TTF Bold"/>
               </a:rPr>
               <a:t>백엔드</a:t>
             </a:r>
             <a:r>
-              <a:rPr lang="en-US" altLang="ko-KR" dirty="0">
-                <a:latin typeface="G마켓 산스 TTF Bold" panose="02000000000000000000" pitchFamily="2" charset="-127"/>
-                <a:ea typeface="G마켓 산스 TTF Bold" panose="02000000000000000000" pitchFamily="2" charset="-127"/>
+              <a:rPr lang="en-US" altLang="ko-KR">
+                <a:latin typeface="G마켓 산스 TTF Bold"/>
+                <a:ea typeface="G마켓 산스 TTF Bold"/>
               </a:rPr>
               <a:t>)</a:t>
             </a:r>
-            <a:endParaRPr dirty="0">
-              <a:latin typeface="G마켓 산스 TTF Medium" panose="02000000000000000000" pitchFamily="2" charset="-127"/>
-              <a:ea typeface="G마켓 산스 TTF Medium" panose="02000000000000000000" pitchFamily="2" charset="-127"/>
+            <a:endParaRPr>
+              <a:latin typeface="G마켓 산스 TTF Medium"/>
+              <a:ea typeface="G마켓 산스 TTF Medium"/>
             </a:endParaRPr>
           </a:p>
         </p:txBody>
@@ -14264,7 +14207,7 @@
           </a:prstGeom>
         </p:spPr>
         <p:txBody>
-          <a:bodyPr spcFirstLastPara="1" wrap="square" lIns="91425" tIns="91425" rIns="91425" bIns="91425" anchor="b" anchorCtr="0">
+          <a:bodyPr wrap="square" lIns="91424" tIns="91424" rIns="91424" bIns="91424" anchor="b" anchorCtr="0">
             <a:noAutofit/>
           </a:bodyPr>
           <a:lstStyle/>
@@ -14277,38 +14220,39 @@
                 <a:spcPts val="0"/>
               </a:spcAft>
               <a:buNone/>
+              <a:defRPr/>
             </a:pPr>
             <a:r>
-              <a:rPr lang="ko-KR" altLang="en-US" dirty="0" err="1">
-                <a:latin typeface="G마켓 산스 TTF Bold" panose="02000000000000000000" pitchFamily="2" charset="-127"/>
-                <a:ea typeface="G마켓 산스 TTF Bold" panose="02000000000000000000" pitchFamily="2" charset="-127"/>
+              <a:rPr lang="ko-KR" altLang="en-US">
+                <a:latin typeface="G마켓 산스 TTF Bold"/>
+                <a:ea typeface="G마켓 산스 TTF Bold"/>
               </a:rPr>
               <a:t>오택현</a:t>
             </a:r>
             <a:r>
-              <a:rPr lang="en-US" altLang="ko-KR" dirty="0">
-                <a:latin typeface="G마켓 산스 TTF Bold" panose="02000000000000000000" pitchFamily="2" charset="-127"/>
-                <a:ea typeface="G마켓 산스 TTF Bold" panose="02000000000000000000" pitchFamily="2" charset="-127"/>
+              <a:rPr lang="en-US" altLang="ko-KR">
+                <a:latin typeface="G마켓 산스 TTF Bold"/>
+                <a:ea typeface="G마켓 산스 TTF Bold"/>
               </a:rPr>
               <a:t>(</a:t>
             </a:r>
             <a:r>
-              <a:rPr lang="ko-KR" altLang="en-US" dirty="0" err="1">
-                <a:latin typeface="G마켓 산스 TTF Bold" panose="02000000000000000000" pitchFamily="2" charset="-127"/>
-                <a:ea typeface="G마켓 산스 TTF Bold" panose="02000000000000000000" pitchFamily="2" charset="-127"/>
+              <a:rPr lang="ko-KR" altLang="en-US">
+                <a:latin typeface="G마켓 산스 TTF Bold"/>
+                <a:ea typeface="G마켓 산스 TTF Bold"/>
               </a:rPr>
               <a:t>백엔드</a:t>
             </a:r>
             <a:r>
-              <a:rPr lang="en-US" altLang="ko-KR" dirty="0">
-                <a:latin typeface="G마켓 산스 TTF Bold" panose="02000000000000000000" pitchFamily="2" charset="-127"/>
-                <a:ea typeface="G마켓 산스 TTF Bold" panose="02000000000000000000" pitchFamily="2" charset="-127"/>
+              <a:rPr lang="en-US" altLang="ko-KR">
+                <a:latin typeface="G마켓 산스 TTF Bold"/>
+                <a:ea typeface="G마켓 산스 TTF Bold"/>
               </a:rPr>
               <a:t>)</a:t>
             </a:r>
-            <a:endParaRPr dirty="0">
-              <a:latin typeface="G마켓 산스 TTF Bold" panose="02000000000000000000" pitchFamily="2" charset="-127"/>
-              <a:ea typeface="G마켓 산스 TTF Bold" panose="02000000000000000000" pitchFamily="2" charset="-127"/>
+            <a:endParaRPr>
+              <a:latin typeface="G마켓 산스 TTF Bold"/>
+              <a:ea typeface="G마켓 산스 TTF Bold"/>
             </a:endParaRPr>
           </a:p>
         </p:txBody>
@@ -14333,7 +14277,7 @@
           </a:prstGeom>
         </p:spPr>
         <p:txBody>
-          <a:bodyPr spcFirstLastPara="1" wrap="square" lIns="91425" tIns="91425" rIns="91425" bIns="91425" anchor="b" anchorCtr="0">
+          <a:bodyPr wrap="square" lIns="91424" tIns="91424" rIns="91424" bIns="91424" anchor="b" anchorCtr="0">
             <a:noAutofit/>
           </a:bodyPr>
           <a:lstStyle/>
@@ -14346,38 +14290,39 @@
                 <a:spcPts val="0"/>
               </a:spcAft>
               <a:buNone/>
+              <a:defRPr/>
             </a:pPr>
             <a:r>
-              <a:rPr lang="ko-KR" altLang="en-US" dirty="0" err="1">
-                <a:latin typeface="G마켓 산스 TTF Bold" panose="02000000000000000000" pitchFamily="2" charset="-127"/>
-                <a:ea typeface="G마켓 산스 TTF Bold" panose="02000000000000000000" pitchFamily="2" charset="-127"/>
+              <a:rPr lang="ko-KR" altLang="en-US">
+                <a:latin typeface="G마켓 산스 TTF Bold"/>
+                <a:ea typeface="G마켓 산스 TTF Bold"/>
               </a:rPr>
               <a:t>황자준</a:t>
             </a:r>
             <a:r>
-              <a:rPr lang="en-US" altLang="ko-KR" dirty="0">
-                <a:latin typeface="G마켓 산스 TTF Bold" panose="02000000000000000000" pitchFamily="2" charset="-127"/>
-                <a:ea typeface="G마켓 산스 TTF Bold" panose="02000000000000000000" pitchFamily="2" charset="-127"/>
+              <a:rPr lang="en-US" altLang="ko-KR">
+                <a:latin typeface="G마켓 산스 TTF Bold"/>
+                <a:ea typeface="G마켓 산스 TTF Bold"/>
               </a:rPr>
               <a:t>(</a:t>
             </a:r>
             <a:r>
-              <a:rPr lang="ko-KR" altLang="en-US" dirty="0" err="1">
-                <a:latin typeface="G마켓 산스 TTF Bold" panose="02000000000000000000" pitchFamily="2" charset="-127"/>
-                <a:ea typeface="G마켓 산스 TTF Bold" panose="02000000000000000000" pitchFamily="2" charset="-127"/>
+              <a:rPr lang="ko-KR" altLang="en-US">
+                <a:latin typeface="G마켓 산스 TTF Bold"/>
+                <a:ea typeface="G마켓 산스 TTF Bold"/>
               </a:rPr>
               <a:t>프론트엔드</a:t>
             </a:r>
             <a:r>
-              <a:rPr lang="en-US" altLang="ko-KR" dirty="0">
-                <a:latin typeface="G마켓 산스 TTF Bold" panose="02000000000000000000" pitchFamily="2" charset="-127"/>
-                <a:ea typeface="G마켓 산스 TTF Bold" panose="02000000000000000000" pitchFamily="2" charset="-127"/>
+              <a:rPr lang="en-US" altLang="ko-KR">
+                <a:latin typeface="G마켓 산스 TTF Bold"/>
+                <a:ea typeface="G마켓 산스 TTF Bold"/>
               </a:rPr>
               <a:t>)</a:t>
             </a:r>
-            <a:endParaRPr dirty="0">
-              <a:latin typeface="G마켓 산스 TTF Bold" panose="02000000000000000000" pitchFamily="2" charset="-127"/>
-              <a:ea typeface="G마켓 산스 TTF Bold" panose="02000000000000000000" pitchFamily="2" charset="-127"/>
+            <a:endParaRPr>
+              <a:latin typeface="G마켓 산스 TTF Bold"/>
+              <a:ea typeface="G마켓 산스 TTF Bold"/>
             </a:endParaRPr>
           </a:p>
         </p:txBody>
@@ -14403,8 +14348,6 @@
             </a:solidFill>
             <a:prstDash val="solid"/>
             <a:round/>
-            <a:headEnd type="none" w="med" len="med"/>
-            <a:tailEnd type="none" w="med" len="med"/>
           </a:ln>
         </p:spPr>
       </p:cxnSp>
@@ -14429,8 +14372,6 @@
             </a:solidFill>
             <a:prstDash val="solid"/>
             <a:round/>
-            <a:headEnd type="none" w="med" len="med"/>
-            <a:tailEnd type="none" w="med" len="med"/>
           </a:ln>
         </p:spPr>
       </p:cxnSp>
@@ -14455,8 +14396,6 @@
             </a:solidFill>
             <a:prstDash val="solid"/>
             <a:round/>
-            <a:headEnd type="none" w="med" len="med"/>
-            <a:tailEnd type="none" w="med" len="med"/>
           </a:ln>
         </p:spPr>
       </p:cxnSp>
@@ -14481,8 +14420,6 @@
             </a:solidFill>
             <a:prstDash val="solid"/>
             <a:round/>
-            <a:headEnd type="none" w="med" len="med"/>
-            <a:tailEnd type="none" w="med" len="med"/>
           </a:ln>
         </p:spPr>
       </p:cxnSp>
@@ -14493,7 +14430,7 @@
           <p:nvPr/>
         </p:nvGrpSpPr>
         <p:grpSpPr>
-          <a:xfrm>
+          <a:xfrm rot="0">
             <a:off x="4833961" y="3120681"/>
             <a:ext cx="376777" cy="376785"/>
             <a:chOff x="11210627" y="4097238"/>
@@ -14514,8 +14451,6 @@
             <a:custGeom>
               <a:avLst/>
               <a:gdLst/>
-              <a:ahLst/>
-              <a:cxnLst/>
               <a:rect l="l" t="t" r="r" b="b"/>
               <a:pathLst>
                 <a:path w="97510" h="97506" extrusionOk="0">
@@ -14578,7 +14513,7 @@
             </a:ln>
           </p:spPr>
           <p:txBody>
-            <a:bodyPr spcFirstLastPara="1" wrap="square" lIns="91425" tIns="45700" rIns="91425" bIns="45700" anchor="ctr" anchorCtr="0">
+            <a:bodyPr wrap="square" lIns="91424" tIns="45700" rIns="91424" bIns="45700" anchor="ctr" anchorCtr="0">
               <a:noAutofit/>
             </a:bodyPr>
             <a:lstStyle/>
@@ -14591,6 +14526,7 @@
                   <a:spcPts val="0"/>
                 </a:spcAft>
                 <a:buNone/>
+                <a:defRPr/>
               </a:pPr>
               <a:endParaRPr sz="1800">
                 <a:solidFill>
@@ -14618,8 +14554,6 @@
             <a:custGeom>
               <a:avLst/>
               <a:gdLst/>
-              <a:ahLst/>
-              <a:cxnLst/>
               <a:rect l="l" t="t" r="r" b="b"/>
               <a:pathLst>
                 <a:path w="97510" h="32501" extrusionOk="0">
@@ -14650,7 +14584,7 @@
             </a:ln>
           </p:spPr>
           <p:txBody>
-            <a:bodyPr spcFirstLastPara="1" wrap="square" lIns="91425" tIns="45700" rIns="91425" bIns="45700" anchor="ctr" anchorCtr="0">
+            <a:bodyPr wrap="square" lIns="91424" tIns="45700" rIns="91424" bIns="45700" anchor="ctr" anchorCtr="0">
               <a:noAutofit/>
             </a:bodyPr>
             <a:lstStyle/>
@@ -14663,6 +14597,7 @@
                   <a:spcPts val="0"/>
                 </a:spcAft>
                 <a:buNone/>
+                <a:defRPr/>
               </a:pPr>
               <a:endParaRPr sz="1800">
                 <a:solidFill>
@@ -14690,8 +14625,6 @@
             <a:custGeom>
               <a:avLst/>
               <a:gdLst/>
-              <a:ahLst/>
-              <a:cxnLst/>
               <a:rect l="l" t="t" r="r" b="b"/>
               <a:pathLst>
                 <a:path w="247617" h="182585" extrusionOk="0">
@@ -14754,7 +14687,7 @@
             </a:ln>
           </p:spPr>
           <p:txBody>
-            <a:bodyPr spcFirstLastPara="1" wrap="square" lIns="91425" tIns="45700" rIns="91425" bIns="45700" anchor="ctr" anchorCtr="0">
+            <a:bodyPr wrap="square" lIns="91424" tIns="45700" rIns="91424" bIns="45700" anchor="ctr" anchorCtr="0">
               <a:noAutofit/>
             </a:bodyPr>
             <a:lstStyle/>
@@ -14767,6 +14700,7 @@
                   <a:spcPts val="0"/>
                 </a:spcAft>
                 <a:buNone/>
+                <a:defRPr/>
               </a:pPr>
               <a:endParaRPr sz="1800">
                 <a:solidFill>
@@ -14794,8 +14728,6 @@
             <a:custGeom>
               <a:avLst/>
               <a:gdLst/>
-              <a:ahLst/>
-              <a:cxnLst/>
               <a:rect l="l" t="t" r="r" b="b"/>
               <a:pathLst>
                 <a:path w="554655" h="554667" extrusionOk="0">
@@ -15034,7 +14966,7 @@
             </a:ln>
           </p:spPr>
           <p:txBody>
-            <a:bodyPr spcFirstLastPara="1" wrap="square" lIns="91425" tIns="45700" rIns="91425" bIns="45700" anchor="ctr" anchorCtr="0">
+            <a:bodyPr wrap="square" lIns="91424" tIns="45700" rIns="91424" bIns="45700" anchor="ctr" anchorCtr="0">
               <a:noAutofit/>
             </a:bodyPr>
             <a:lstStyle/>
@@ -15047,6 +14979,7 @@
                   <a:spcPts val="0"/>
                 </a:spcAft>
                 <a:buNone/>
+                <a:defRPr/>
               </a:pPr>
               <a:endParaRPr sz="1800">
                 <a:solidFill>
@@ -15068,7 +15001,7 @@
           <p:nvPr/>
         </p:nvGrpSpPr>
         <p:grpSpPr>
-          <a:xfrm>
+          <a:xfrm rot="0">
             <a:off x="716635" y="3121425"/>
             <a:ext cx="376777" cy="376786"/>
             <a:chOff x="11210627" y="3203526"/>
@@ -15089,8 +15022,6 @@
             <a:custGeom>
               <a:avLst/>
               <a:gdLst/>
-              <a:ahLst/>
-              <a:cxnLst/>
               <a:rect l="l" t="t" r="r" b="b"/>
               <a:pathLst>
                 <a:path w="97510" h="32502" extrusionOk="0">
@@ -15121,7 +15052,7 @@
             </a:ln>
           </p:spPr>
           <p:txBody>
-            <a:bodyPr spcFirstLastPara="1" wrap="square" lIns="91425" tIns="45700" rIns="91425" bIns="45700" anchor="ctr" anchorCtr="0">
+            <a:bodyPr wrap="square" lIns="91424" tIns="45700" rIns="91424" bIns="45700" anchor="ctr" anchorCtr="0">
               <a:noAutofit/>
             </a:bodyPr>
             <a:lstStyle/>
@@ -15134,6 +15065,7 @@
                   <a:spcPts val="0"/>
                 </a:spcAft>
                 <a:buNone/>
+                <a:defRPr/>
               </a:pPr>
               <a:endParaRPr sz="1800">
                 <a:solidFill>
@@ -15161,8 +15093,6 @@
             <a:custGeom>
               <a:avLst/>
               <a:gdLst/>
-              <a:ahLst/>
-              <a:cxnLst/>
               <a:rect l="l" t="t" r="r" b="b"/>
               <a:pathLst>
                 <a:path w="97510" h="97490" extrusionOk="0">
@@ -15225,7 +15155,7 @@
             </a:ln>
           </p:spPr>
           <p:txBody>
-            <a:bodyPr spcFirstLastPara="1" wrap="square" lIns="91425" tIns="45700" rIns="91425" bIns="45700" anchor="ctr" anchorCtr="0">
+            <a:bodyPr wrap="square" lIns="91424" tIns="45700" rIns="91424" bIns="45700" anchor="ctr" anchorCtr="0">
               <a:noAutofit/>
             </a:bodyPr>
             <a:lstStyle/>
@@ -15238,6 +15168,7 @@
                   <a:spcPts val="0"/>
                 </a:spcAft>
                 <a:buNone/>
+                <a:defRPr/>
               </a:pPr>
               <a:endParaRPr sz="1800">
                 <a:solidFill>
@@ -15265,8 +15196,6 @@
             <a:custGeom>
               <a:avLst/>
               <a:gdLst/>
-              <a:ahLst/>
-              <a:cxnLst/>
               <a:rect l="l" t="t" r="r" b="b"/>
               <a:pathLst>
                 <a:path w="554655" h="554668" extrusionOk="0">
@@ -15470,7 +15399,7 @@
             </a:ln>
           </p:spPr>
           <p:txBody>
-            <a:bodyPr spcFirstLastPara="1" wrap="square" lIns="91425" tIns="45700" rIns="91425" bIns="45700" anchor="ctr" anchorCtr="0">
+            <a:bodyPr wrap="square" lIns="91424" tIns="45700" rIns="91424" bIns="45700" anchor="ctr" anchorCtr="0">
               <a:noAutofit/>
             </a:bodyPr>
             <a:lstStyle/>
@@ -15483,6 +15412,7 @@
                   <a:spcPts val="0"/>
                 </a:spcAft>
                 <a:buNone/>
+                <a:defRPr/>
               </a:pPr>
               <a:endParaRPr sz="1800">
                 <a:solidFill>
@@ -15504,7 +15434,7 @@
           <p:nvPr/>
         </p:nvGrpSpPr>
         <p:grpSpPr>
-          <a:xfrm>
+          <a:xfrm rot="0">
             <a:off x="4833961" y="1523680"/>
             <a:ext cx="376777" cy="242854"/>
             <a:chOff x="11210627" y="2423803"/>
@@ -15525,8 +15455,6 @@
             <a:custGeom>
               <a:avLst/>
               <a:gdLst/>
-              <a:ahLst/>
-              <a:cxnLst/>
               <a:rect l="l" t="t" r="r" b="b"/>
               <a:pathLst>
                 <a:path w="247616" h="182585" extrusionOk="0">
@@ -15589,7 +15517,7 @@
             </a:ln>
           </p:spPr>
           <p:txBody>
-            <a:bodyPr spcFirstLastPara="1" wrap="square" lIns="91425" tIns="45700" rIns="91425" bIns="45700" anchor="ctr" anchorCtr="0">
+            <a:bodyPr wrap="square" lIns="91424" tIns="45700" rIns="91424" bIns="45700" anchor="ctr" anchorCtr="0">
               <a:noAutofit/>
             </a:bodyPr>
             <a:lstStyle/>
@@ -15602,6 +15530,7 @@
                   <a:spcPts val="0"/>
                 </a:spcAft>
                 <a:buNone/>
+                <a:defRPr/>
               </a:pPr>
               <a:endParaRPr sz="1800">
                 <a:solidFill>
@@ -15629,8 +15558,6 @@
             <a:custGeom>
               <a:avLst/>
               <a:gdLst/>
-              <a:ahLst/>
-              <a:cxnLst/>
               <a:rect l="l" t="t" r="r" b="b"/>
               <a:pathLst>
                 <a:path w="554655" h="357506" extrusionOk="0">
@@ -15760,7 +15687,7 @@
             </a:ln>
           </p:spPr>
           <p:txBody>
-            <a:bodyPr spcFirstLastPara="1" wrap="square" lIns="91425" tIns="45700" rIns="91425" bIns="45700" anchor="ctr" anchorCtr="0">
+            <a:bodyPr wrap="square" lIns="91424" tIns="45700" rIns="91424" bIns="45700" anchor="ctr" anchorCtr="0">
               <a:noAutofit/>
             </a:bodyPr>
             <a:lstStyle/>
@@ -15773,6 +15700,7 @@
                   <a:spcPts val="0"/>
                 </a:spcAft>
                 <a:buNone/>
+                <a:defRPr/>
               </a:pPr>
               <a:endParaRPr sz="1800">
                 <a:solidFill>
@@ -15794,7 +15722,7 @@
           <p:nvPr/>
         </p:nvGrpSpPr>
         <p:grpSpPr>
-          <a:xfrm>
+          <a:xfrm rot="0">
             <a:off x="716635" y="1457450"/>
             <a:ext cx="376777" cy="376791"/>
             <a:chOff x="11210627" y="1431515"/>
@@ -15815,8 +15743,6 @@
             <a:custGeom>
               <a:avLst/>
               <a:gdLst/>
-              <a:ahLst/>
-              <a:cxnLst/>
               <a:rect l="l" t="t" r="r" b="b"/>
               <a:pathLst>
                 <a:path w="97510" h="32502" extrusionOk="0">
@@ -15847,7 +15773,7 @@
             </a:ln>
           </p:spPr>
           <p:txBody>
-            <a:bodyPr spcFirstLastPara="1" wrap="square" lIns="91425" tIns="45700" rIns="91425" bIns="45700" anchor="ctr" anchorCtr="0">
+            <a:bodyPr wrap="square" lIns="91424" tIns="45700" rIns="91424" bIns="45700" anchor="ctr" anchorCtr="0">
               <a:noAutofit/>
             </a:bodyPr>
             <a:lstStyle/>
@@ -15860,6 +15786,7 @@
                   <a:spcPts val="0"/>
                 </a:spcAft>
                 <a:buNone/>
+                <a:defRPr/>
               </a:pPr>
               <a:endParaRPr sz="1800">
                 <a:solidFill>
@@ -15887,8 +15814,6 @@
             <a:custGeom>
               <a:avLst/>
               <a:gdLst/>
-              <a:ahLst/>
-              <a:cxnLst/>
               <a:rect l="l" t="t" r="r" b="b"/>
               <a:pathLst>
                 <a:path w="97510" h="32501" extrusionOk="0">
@@ -15919,7 +15844,7 @@
             </a:ln>
           </p:spPr>
           <p:txBody>
-            <a:bodyPr spcFirstLastPara="1" wrap="square" lIns="91425" tIns="45700" rIns="91425" bIns="45700" anchor="ctr" anchorCtr="0">
+            <a:bodyPr wrap="square" lIns="91424" tIns="45700" rIns="91424" bIns="45700" anchor="ctr" anchorCtr="0">
               <a:noAutofit/>
             </a:bodyPr>
             <a:lstStyle/>
@@ -15932,6 +15857,7 @@
                   <a:spcPts val="0"/>
                 </a:spcAft>
                 <a:buNone/>
+                <a:defRPr/>
               </a:pPr>
               <a:endParaRPr sz="1800">
                 <a:solidFill>
@@ -15959,8 +15885,6 @@
             <a:custGeom>
               <a:avLst/>
               <a:gdLst/>
-              <a:ahLst/>
-              <a:cxnLst/>
               <a:rect l="l" t="t" r="r" b="b"/>
               <a:pathLst>
                 <a:path w="554655" h="554675" extrusionOk="0">
@@ -16162,7 +16086,7 @@
             </a:ln>
           </p:spPr>
           <p:txBody>
-            <a:bodyPr spcFirstLastPara="1" wrap="square" lIns="91425" tIns="45700" rIns="91425" bIns="45700" anchor="ctr" anchorCtr="0">
+            <a:bodyPr wrap="square" lIns="91424" tIns="45700" rIns="91424" bIns="45700" anchor="ctr" anchorCtr="0">
               <a:noAutofit/>
             </a:bodyPr>
             <a:lstStyle/>
@@ -16175,6 +16099,7 @@
                   <a:spcPts val="0"/>
                 </a:spcAft>
                 <a:buNone/>
+                <a:defRPr/>
               </a:pPr>
               <a:endParaRPr sz="1800">
                 <a:solidFill>
@@ -16194,6 +16119,14 @@
   <p:clrMapOvr>
     <a:masterClrMapping/>
   </p:clrMapOvr>
+  <mc:AlternateContent xmlns:mc="http://schemas.openxmlformats.org/markup-compatibility/2006">
+    <mc:Choice xmlns:p14="http://schemas.microsoft.com/office/powerpoint/2010/main" Requires="p14">
+      <p:transition xmlns:mc="http://schemas.openxmlformats.org/markup-compatibility/2006" xmlns:p14="http://schemas.microsoft.com/office/powerpoint/2010/main" mc:Ignorable="p14" p14:dur="500"/>
+    </mc:Choice>
+    <mc:Fallback>
+      <p:transition/>
+    </mc:Fallback>
+  </mc:AlternateContent>
 </p:sld>
 </file>
 
@@ -28930,44 +28863,44 @@
 </file>
 
 <file path=ppt/theme/theme1.xml><?xml version="1.0" encoding="utf-8"?>
-<a:theme xmlns:a="http://schemas.openxmlformats.org/drawingml/2006/main" name="Brand Key Pitch Deck by Slidesgo">
+<a:theme xmlns:r="http://schemas.openxmlformats.org/officeDocument/2006/relationships" xmlns:c="http://schemas.openxmlformats.org/drawingml/2006/chart" xmlns:dgm="http://schemas.openxmlformats.org/drawingml/2006/diagram" xmlns:dsp="http://schemas.microsoft.com/office/drawing/2008/diagram" xmlns:a="http://schemas.openxmlformats.org/drawingml/2006/main" xmlns:pic="http://schemas.openxmlformats.org/drawingml/2006/picture" xmlns:wp="http://schemas.openxmlformats.org/drawingml/2006/wordprocessingDrawing" xmlns:xdr="http://schemas.openxmlformats.org/drawingml/2006/spreadsheetDrawing" name="Brand Key Pitch Deck by Slidesgo">
   <a:themeElements>
     <a:clrScheme name="Simple Light">
       <a:dk1>
         <a:srgbClr val="424651"/>
       </a:dk1>
       <a:lt1>
-        <a:srgbClr val="EAEFF4"/>
+        <a:srgbClr val="eaeff4"/>
       </a:lt1>
       <a:dk2>
-        <a:srgbClr val="A3ABB7"/>
+        <a:srgbClr val="a3abb7"/>
       </a:dk2>
       <a:lt2>
-        <a:srgbClr val="518CDE"/>
+        <a:srgbClr val="518cde"/>
       </a:lt2>
       <a:accent1>
-        <a:srgbClr val="595BD1"/>
+        <a:srgbClr val="595bd1"/>
       </a:accent1>
       <a:accent2>
-        <a:srgbClr val="FFFFFF"/>
+        <a:srgbClr val="ffffff"/>
       </a:accent2>
       <a:accent3>
-        <a:srgbClr val="FFFFFF"/>
+        <a:srgbClr val="ffffff"/>
       </a:accent3>
       <a:accent4>
-        <a:srgbClr val="FFFFFF"/>
+        <a:srgbClr val="ffffff"/>
       </a:accent4>
       <a:accent5>
-        <a:srgbClr val="FFFFFF"/>
+        <a:srgbClr val="ffffff"/>
       </a:accent5>
       <a:accent6>
-        <a:srgbClr val="FFFFFF"/>
+        <a:srgbClr val="ffffff"/>
       </a:accent6>
       <a:hlink>
         <a:srgbClr val="424651"/>
       </a:hlink>
       <a:folHlink>
-        <a:srgbClr val="0097A7"/>
+        <a:srgbClr val="0097a7"/>
       </a:folHlink>
     </a:clrScheme>
     <a:fontScheme name="Office">
@@ -28975,9 +28908,9 @@
         <a:latin typeface="Arial"/>
         <a:ea typeface=""/>
         <a:cs typeface=""/>
-        <a:font script="Jpan" typeface="ＭＳ Ｐゴシック"/>
+        <a:font script="Jpan" typeface="MS PGothic"/>
         <a:font script="Hang" typeface="맑은 고딕"/>
-        <a:font script="Hans" typeface="宋体"/>
+        <a:font script="Hans" typeface="SimSun"/>
         <a:font script="Hant" typeface="新細明體"/>
         <a:font script="Arab" typeface="Times New Roman"/>
         <a:font script="Hebr" typeface="Times New Roman"/>
@@ -29010,9 +28943,9 @@
         <a:latin typeface="Arial"/>
         <a:ea typeface=""/>
         <a:cs typeface=""/>
-        <a:font script="Jpan" typeface="ＭＳ Ｐゴシック"/>
+        <a:font script="Jpan" typeface="MS PGothic"/>
         <a:font script="Hang" typeface="맑은 고딕"/>
-        <a:font script="Hans" typeface="宋体"/>
+        <a:font script="Hans" typeface="SimSun"/>
         <a:font script="Hant" typeface="新細明體"/>
         <a:font script="Arab" typeface="Arial"/>
         <a:font script="Hebr" typeface="Arial"/>
@@ -29205,50 +29138,48 @@
       </a:bgFillStyleLst>
     </a:fmtScheme>
   </a:themeElements>
-  <a:objectDefaults/>
-  <a:extraClrSchemeLst/>
 </a:theme>
 </file>
 
 <file path=ppt/theme/theme2.xml><?xml version="1.0" encoding="utf-8"?>
-<a:theme xmlns:a="http://schemas.openxmlformats.org/drawingml/2006/main">
+<a:theme xmlns:r="http://schemas.openxmlformats.org/officeDocument/2006/relationships" xmlns:c="http://schemas.openxmlformats.org/drawingml/2006/chart" xmlns:dgm="http://schemas.openxmlformats.org/drawingml/2006/diagram" xmlns:dsp="http://schemas.microsoft.com/office/drawing/2008/diagram" xmlns:a="http://schemas.openxmlformats.org/drawingml/2006/main" xmlns:pic="http://schemas.openxmlformats.org/drawingml/2006/picture" xmlns:wp="http://schemas.openxmlformats.org/drawingml/2006/wordprocessingDrawing" xmlns:xdr="http://schemas.openxmlformats.org/drawingml/2006/spreadsheetDrawing" name="">
   <a:themeElements>
     <a:clrScheme name="Default">
       <a:dk1>
         <a:srgbClr val="000000"/>
       </a:dk1>
       <a:lt1>
-        <a:srgbClr val="FFFFFF"/>
+        <a:srgbClr val="ffffff"/>
       </a:lt1>
       <a:dk2>
         <a:srgbClr val="158158"/>
       </a:dk2>
       <a:lt2>
-        <a:srgbClr val="F3F3F3"/>
+        <a:srgbClr val="f3f3f3"/>
       </a:lt2>
       <a:accent1>
-        <a:srgbClr val="058DC7"/>
+        <a:srgbClr val="058dc7"/>
       </a:accent1>
       <a:accent2>
-        <a:srgbClr val="50B432"/>
+        <a:srgbClr val="50b432"/>
       </a:accent2>
       <a:accent3>
-        <a:srgbClr val="ED561B"/>
+        <a:srgbClr val="ed561b"/>
       </a:accent3>
       <a:accent4>
-        <a:srgbClr val="EDEF00"/>
+        <a:srgbClr val="edef00"/>
       </a:accent4>
       <a:accent5>
-        <a:srgbClr val="24CBE5"/>
+        <a:srgbClr val="24cbe5"/>
       </a:accent5>
       <a:accent6>
-        <a:srgbClr val="64E572"/>
+        <a:srgbClr val="64e572"/>
       </a:accent6>
       <a:hlink>
-        <a:srgbClr val="2200CC"/>
+        <a:srgbClr val="2200cc"/>
       </a:hlink>
       <a:folHlink>
-        <a:srgbClr val="551A8B"/>
+        <a:srgbClr val="551a8b"/>
       </a:folHlink>
     </a:clrScheme>
     <a:fontScheme name="Office">
@@ -29256,9 +29187,9 @@
         <a:latin typeface="Arial"/>
         <a:ea typeface=""/>
         <a:cs typeface=""/>
-        <a:font script="Jpan" typeface="ＭＳ Ｐゴシック"/>
+        <a:font script="Jpan" typeface="MS PGothic"/>
         <a:font script="Hang" typeface="맑은 고딕"/>
-        <a:font script="Hans" typeface="宋体"/>
+        <a:font script="Hans" typeface="SimSun"/>
         <a:font script="Hant" typeface="新細明體"/>
         <a:font script="Arab" typeface="Times New Roman"/>
         <a:font script="Hebr" typeface="Times New Roman"/>
@@ -29291,9 +29222,9 @@
         <a:latin typeface="Arial"/>
         <a:ea typeface=""/>
         <a:cs typeface=""/>
-        <a:font script="Jpan" typeface="ＭＳ Ｐゴシック"/>
+        <a:font script="Jpan" typeface="MS PGothic"/>
         <a:font script="Hang" typeface="맑은 고딕"/>
-        <a:font script="Hans" typeface="宋体"/>
+        <a:font script="Hans" typeface="SimSun"/>
         <a:font script="Hant" typeface="新細明體"/>
         <a:font script="Arab" typeface="Arial"/>
         <a:font script="Hebr" typeface="Arial"/>
@@ -29486,7 +29417,5 @@
       </a:bgFillStyleLst>
     </a:fmtScheme>
   </a:themeElements>
-  <a:objectDefaults/>
-  <a:extraClrSchemeLst/>
 </a:theme>
 </file>
--- a/LOCH.pptx
+++ b/LOCH.pptx
@@ -1,25 +1,76 @@
 
 <file path=ppt/presentation.xml><?xml version="1.0" encoding="utf-8"?>
-<p:presentation xmlns:r="http://schemas.openxmlformats.org/officeDocument/2006/relationships" xmlns:c="http://schemas.openxmlformats.org/drawingml/2006/chart" xmlns:a="http://schemas.openxmlformats.org/drawingml/2006/main" xmlns:dgm="http://schemas.openxmlformats.org/drawingml/2006/diagram" xmlns:dsp="http://schemas.microsoft.com/office/drawing/2008/diagram" xmlns:p="http://schemas.openxmlformats.org/presentationml/2006/main" strictFirstAndLastChars="0" embedTrueTypeFonts="1" saveSubsetFonts="1" autoCompressPictures="0">
+<p:presentation xmlns:a="http://schemas.openxmlformats.org/drawingml/2006/main" xmlns:r="http://schemas.openxmlformats.org/officeDocument/2006/relationships" xmlns:p="http://schemas.openxmlformats.org/presentationml/2006/main" strictFirstAndLastChars="0" embedTrueTypeFonts="1" saveSubsetFonts="1" autoCompressPictures="0">
   <p:sldMasterIdLst>
-    <p:sldMasterId id="2147483676" r:id="rId1"/>
+    <p:sldMasterId id="2147483678" r:id="rId1"/>
   </p:sldMasterIdLst>
   <p:notesMasterIdLst>
-    <p:notesMasterId r:id="rId2"/>
+    <p:notesMasterId r:id="rId12"/>
   </p:notesMasterIdLst>
   <p:sldIdLst>
-    <p:sldId id="256" r:id="rId3"/>
-    <p:sldId id="257" r:id="rId4"/>
-    <p:sldId id="258" r:id="rId5"/>
-    <p:sldId id="259" r:id="rId6"/>
-    <p:sldId id="260" r:id="rId7"/>
-    <p:sldId id="261" r:id="rId8"/>
-    <p:sldId id="262" r:id="rId9"/>
-    <p:sldId id="263" r:id="rId10"/>
-    <p:sldId id="264" r:id="rId11"/>
+    <p:sldId id="256" r:id="rId2"/>
+    <p:sldId id="258" r:id="rId3"/>
+    <p:sldId id="263" r:id="rId4"/>
+    <p:sldId id="265" r:id="rId5"/>
+    <p:sldId id="257" r:id="rId6"/>
+    <p:sldId id="259" r:id="rId7"/>
+    <p:sldId id="262" r:id="rId8"/>
+    <p:sldId id="297" r:id="rId9"/>
+    <p:sldId id="273" r:id="rId10"/>
+    <p:sldId id="298" r:id="rId11"/>
   </p:sldIdLst>
   <p:sldSz cx="9144000" cy="5143500" type="screen16x9"/>
   <p:notesSz cx="6858000" cy="9144000"/>
+  <p:embeddedFontLst>
+    <p:embeddedFont>
+      <p:font typeface="G마켓 산스 TTF Bold" panose="02000000000000000000" pitchFamily="2" charset="-127"/>
+      <p:bold r:id="rId13"/>
+    </p:embeddedFont>
+    <p:embeddedFont>
+      <p:font typeface="G마켓 산스 TTF Light" panose="02000000000000000000" pitchFamily="2" charset="-127"/>
+      <p:regular r:id="rId14"/>
+    </p:embeddedFont>
+    <p:embeddedFont>
+      <p:font typeface="G마켓 산스 TTF Medium" panose="02000000000000000000" pitchFamily="2" charset="-127"/>
+      <p:regular r:id="rId15"/>
+    </p:embeddedFont>
+    <p:embeddedFont>
+      <p:font typeface="Manrope" panose="020B0600000101010101" charset="0"/>
+      <p:regular r:id="rId16"/>
+      <p:bold r:id="rId17"/>
+    </p:embeddedFont>
+    <p:embeddedFont>
+      <p:font typeface="Nunito Light" pitchFamily="2" charset="0"/>
+      <p:regular r:id="rId18"/>
+      <p:italic r:id="rId19"/>
+    </p:embeddedFont>
+    <p:embeddedFont>
+      <p:font typeface="PT Sans" panose="020B0503020203020204" pitchFamily="34" charset="0"/>
+      <p:regular r:id="rId20"/>
+      <p:bold r:id="rId21"/>
+      <p:italic r:id="rId22"/>
+      <p:boldItalic r:id="rId23"/>
+    </p:embeddedFont>
+    <p:embeddedFont>
+      <p:font typeface="Raleway" pitchFamily="2" charset="0"/>
+      <p:regular r:id="rId24"/>
+      <p:bold r:id="rId25"/>
+      <p:italic r:id="rId26"/>
+      <p:boldItalic r:id="rId27"/>
+    </p:embeddedFont>
+    <p:embeddedFont>
+      <p:font typeface="Roboto" panose="02000000000000000000" pitchFamily="2" charset="0"/>
+      <p:regular r:id="rId28"/>
+      <p:bold r:id="rId29"/>
+      <p:italic r:id="rId30"/>
+      <p:boldItalic r:id="rId31"/>
+    </p:embeddedFont>
+    <p:embeddedFont>
+      <p:font typeface="Roboto Light" panose="02000000000000000000" pitchFamily="2" charset="0"/>
+      <p:regular r:id="rId32"/>
+      <p:italic r:id="rId33"/>
+    </p:embeddedFont>
+  </p:embeddedFontLst>
   <p:defaultTextStyle>
     <a:defPPr marR="0" lvl="0" algn="l" rtl="0">
       <a:lnSpc>
@@ -249,11 +300,27 @@
       </a:defRPr>
     </a:lvl9pPr>
   </p:defaultTextStyle>
+  <p:extLst>
+    <p:ext uri="{EFAFB233-063F-42B5-8137-9DF3F51BA10A}">
+      <p15:sldGuideLst xmlns:p15="http://schemas.microsoft.com/office/powerpoint/2012/main">
+        <p15:guide id="1" orient="horz" pos="1620">
+          <p15:clr>
+            <a:srgbClr val="747775"/>
+          </p15:clr>
+        </p15:guide>
+        <p15:guide id="2" pos="2880">
+          <p15:clr>
+            <a:srgbClr val="747775"/>
+          </p15:clr>
+        </p15:guide>
+      </p15:sldGuideLst>
+    </p:ext>
+  </p:extLst>
 </p:presentation>
 </file>
 
 <file path=ppt/notesMasters/notesMaster1.xml><?xml version="1.0" encoding="utf-8"?>
-<p:notesMaster xmlns:r="http://schemas.openxmlformats.org/officeDocument/2006/relationships" xmlns:c="http://schemas.openxmlformats.org/drawingml/2006/chart" xmlns:a="http://schemas.openxmlformats.org/drawingml/2006/main" xmlns:dgm="http://schemas.openxmlformats.org/drawingml/2006/diagram" xmlns:dsp="http://schemas.microsoft.com/office/drawing/2008/diagram" xmlns:p="http://schemas.openxmlformats.org/presentationml/2006/main">
+<p:notesMaster xmlns:a="http://schemas.openxmlformats.org/drawingml/2006/main" xmlns:r="http://schemas.openxmlformats.org/officeDocument/2006/relationships" xmlns:p="http://schemas.openxmlformats.org/presentationml/2006/main">
   <p:cSld>
     <p:bg>
       <p:bgRef idx="1001">
@@ -262,7 +329,7 @@
     </p:bg>
     <p:spTree>
       <p:nvGrpSpPr>
-        <p:cNvPr id="1" name=""/>
+        <p:cNvPr id="1" name="Shape 2"/>
         <p:cNvGrpSpPr/>
         <p:nvPr/>
       </p:nvGrpSpPr>
@@ -278,7 +345,7 @@
         <p:nvSpPr>
           <p:cNvPr id="3" name="Google Shape;3;n"/>
           <p:cNvSpPr>
-            <a:spLocks noGrp="1" noRot="1" noChangeAspect="1" noTextEdit="1"/>
+            <a:spLocks noGrp="1" noRot="1" noChangeAspect="1"/>
           </p:cNvSpPr>
           <p:nvPr>
             <p:ph type="sldImg" idx="2"/>
@@ -292,6 +359,8 @@
           <a:custGeom>
             <a:avLst/>
             <a:gdLst/>
+            <a:ahLst/>
+            <a:cxnLst/>
             <a:rect l="l" t="t" r="r" b="b"/>
             <a:pathLst>
               <a:path w="120000" h="120000" extrusionOk="0">
@@ -318,6 +387,8 @@
             </a:solidFill>
             <a:prstDash val="solid"/>
             <a:round/>
+            <a:headEnd type="none" w="sm" len="sm"/>
+            <a:tailEnd type="none" w="sm" len="sm"/>
           </a:ln>
         </p:spPr>
       </p:sp>
@@ -345,7 +416,7 @@
           </a:ln>
         </p:spPr>
         <p:txBody>
-          <a:bodyPr wrap="square" lIns="91424" tIns="91424" rIns="91424" bIns="91424" anchor="t" anchorCtr="0">
+          <a:bodyPr spcFirstLastPara="1" wrap="square" lIns="91425" tIns="91425" rIns="91425" bIns="91425" anchor="t" anchorCtr="0">
             <a:noAutofit/>
           </a:bodyPr>
           <a:lstStyle>
@@ -450,21 +521,13 @@
             </a:lvl9pPr>
           </a:lstStyle>
           <a:p>
-            <a:pPr lvl="0">
-              <a:defRPr/>
-            </a:pPr>
-            <a:r>
-              <a:rPr lang="ko-KR" altLang="en-US"/>
-              <a:t/>
-            </a:r>
-            <a:endParaRPr lang="ko-KR" altLang="en-US"/>
+            <a:endParaRPr/>
           </a:p>
         </p:txBody>
       </p:sp>
     </p:spTree>
   </p:cSld>
   <p:clrMap bg1="lt1" tx1="dk1" bg2="dk2" tx2="lt2" accent1="accent1" accent2="accent2" accent3="accent3" accent4="accent4" accent5="accent5" accent6="accent6" hlink="hlink" folHlink="folHlink"/>
-  <p:hf hdr="0" ftr="0" dt="0"/>
   <p:notesStyle>
     <a:defPPr marR="0" lvl="0" algn="l" rtl="0">
       <a:lnSpc>
@@ -698,11 +761,11 @@
 </file>
 
 <file path=ppt/notesSlides/notesSlide1.xml><?xml version="1.0" encoding="utf-8"?>
-<p:notes xmlns:r="http://schemas.openxmlformats.org/officeDocument/2006/relationships" xmlns:c="http://schemas.openxmlformats.org/drawingml/2006/chart" xmlns:a="http://schemas.openxmlformats.org/drawingml/2006/main" xmlns:dgm="http://schemas.openxmlformats.org/drawingml/2006/diagram" xmlns:dsp="http://schemas.microsoft.com/office/drawing/2008/diagram" xmlns:p="http://schemas.openxmlformats.org/presentationml/2006/main" showMasterSp="0" showMasterPhAnim="0">
+<p:notes xmlns:a="http://schemas.openxmlformats.org/drawingml/2006/main" xmlns:r="http://schemas.openxmlformats.org/officeDocument/2006/relationships" xmlns:p="http://schemas.openxmlformats.org/presentationml/2006/main" showMasterSp="0" showMasterPhAnim="0">
   <p:cSld>
     <p:spTree>
       <p:nvGrpSpPr>
-        <p:cNvPr id="1" name=""/>
+        <p:cNvPr id="1" name="Shape 219"/>
         <p:cNvGrpSpPr/>
         <p:nvPr/>
       </p:nvGrpSpPr>
@@ -718,7 +781,7 @@
         <p:nvSpPr>
           <p:cNvPr id="220" name="Google Shape;220;g24fdd1721c6_1_0:notes"/>
           <p:cNvSpPr>
-            <a:spLocks noGrp="1" noRot="1" noChangeAspect="1" noTextEdit="1"/>
+            <a:spLocks noGrp="1" noRot="1" noChangeAspect="1"/>
           </p:cNvSpPr>
           <p:nvPr>
             <p:ph type="sldImg" idx="2"/>
@@ -732,6 +795,8 @@
           <a:custGeom>
             <a:avLst/>
             <a:gdLst/>
+            <a:ahLst/>
+            <a:cxnLst/>
             <a:rect l="l" t="t" r="r" b="b"/>
             <a:pathLst>
               <a:path w="120000" h="120000" extrusionOk="0">
@@ -773,7 +838,7 @@
           </a:prstGeom>
         </p:spPr>
         <p:txBody>
-          <a:bodyPr wrap="square" lIns="91424" tIns="91424" rIns="91424" bIns="91424" anchor="t" anchorCtr="0">
+          <a:bodyPr spcFirstLastPara="1" wrap="square" lIns="91425" tIns="91425" rIns="91425" bIns="91425" anchor="t" anchorCtr="0">
             <a:noAutofit/>
           </a:bodyPr>
           <a:lstStyle/>
@@ -786,27 +851,152 @@
                 <a:spcPts val="0"/>
               </a:spcAft>
               <a:buNone/>
-              <a:defRPr/>
             </a:pPr>
-            <a:r>
-              <a:rPr lang="ko-KR" altLang="en-US"/>
-              <a:t/>
-            </a:r>
-            <a:endParaRPr lang="ko-KR" altLang="en-US"/>
+            <a:endParaRPr/>
           </a:p>
         </p:txBody>
       </p:sp>
     </p:spTree>
   </p:cSld>
+  <p:clrMapOvr>
+    <a:masterClrMapping/>
+  </p:clrMapOvr>
+</p:notes>
+</file>
+
+<file path=ppt/notesSlides/notesSlide10.xml><?xml version="1.0" encoding="utf-8"?>
+<p:notes xmlns:a="http://schemas.openxmlformats.org/drawingml/2006/main" xmlns:r="http://schemas.openxmlformats.org/officeDocument/2006/relationships" xmlns:p="http://schemas.openxmlformats.org/presentationml/2006/main" showMasterSp="0" showMasterPhAnim="0">
+  <p:cSld>
+    <p:spTree>
+      <p:nvGrpSpPr>
+        <p:cNvPr id="1" name="Shape 219">
+          <a:extLst>
+            <a:ext uri="{FF2B5EF4-FFF2-40B4-BE49-F238E27FC236}">
+              <a16:creationId xmlns:a16="http://schemas.microsoft.com/office/drawing/2014/main" id="{58766AC8-9FE1-1A5B-362F-EF9594535B07}"/>
+            </a:ext>
+          </a:extLst>
+        </p:cNvPr>
+        <p:cNvGrpSpPr/>
+        <p:nvPr/>
+      </p:nvGrpSpPr>
+      <p:grpSpPr>
+        <a:xfrm>
+          <a:off x="0" y="0"/>
+          <a:ext cx="0" cy="0"/>
+          <a:chOff x="0" y="0"/>
+          <a:chExt cx="0" cy="0"/>
+        </a:xfrm>
+      </p:grpSpPr>
+      <p:sp>
+        <p:nvSpPr>
+          <p:cNvPr id="220" name="Google Shape;220;g24fdd1721c6_1_0:notes">
+            <a:extLst>
+              <a:ext uri="{FF2B5EF4-FFF2-40B4-BE49-F238E27FC236}">
+                <a16:creationId xmlns:a16="http://schemas.microsoft.com/office/drawing/2014/main" id="{BD7F5931-5B23-A415-4284-06E60C67D9B8}"/>
+              </a:ext>
+            </a:extLst>
+          </p:cNvPr>
+          <p:cNvSpPr>
+            <a:spLocks noGrp="1" noRot="1" noChangeAspect="1"/>
+          </p:cNvSpPr>
+          <p:nvPr>
+            <p:ph type="sldImg" idx="2"/>
+          </p:nvPr>
+        </p:nvSpPr>
+        <p:spPr>
+          <a:xfrm>
+            <a:off x="381000" y="685800"/>
+            <a:ext cx="6096000" cy="3429000"/>
+          </a:xfrm>
+          <a:custGeom>
+            <a:avLst/>
+            <a:gdLst/>
+            <a:ahLst/>
+            <a:cxnLst/>
+            <a:rect l="l" t="t" r="r" b="b"/>
+            <a:pathLst>
+              <a:path w="120000" h="120000" extrusionOk="0">
+                <a:moveTo>
+                  <a:pt x="0" y="0"/>
+                </a:moveTo>
+                <a:lnTo>
+                  <a:pt x="120000" y="0"/>
+                </a:lnTo>
+                <a:lnTo>
+                  <a:pt x="120000" y="120000"/>
+                </a:lnTo>
+                <a:lnTo>
+                  <a:pt x="0" y="120000"/>
+                </a:lnTo>
+                <a:close/>
+              </a:path>
+            </a:pathLst>
+          </a:custGeom>
+        </p:spPr>
+      </p:sp>
+      <p:sp>
+        <p:nvSpPr>
+          <p:cNvPr id="221" name="Google Shape;221;g24fdd1721c6_1_0:notes">
+            <a:extLst>
+              <a:ext uri="{FF2B5EF4-FFF2-40B4-BE49-F238E27FC236}">
+                <a16:creationId xmlns:a16="http://schemas.microsoft.com/office/drawing/2014/main" id="{6F15BCA0-B65E-F4BB-A140-9A5D53F80FE0}"/>
+              </a:ext>
+            </a:extLst>
+          </p:cNvPr>
+          <p:cNvSpPr txBox="1">
+            <a:spLocks noGrp="1"/>
+          </p:cNvSpPr>
+          <p:nvPr>
+            <p:ph type="body" idx="1"/>
+          </p:nvPr>
+        </p:nvSpPr>
+        <p:spPr>
+          <a:xfrm>
+            <a:off x="685800" y="4343400"/>
+            <a:ext cx="5486400" cy="4114800"/>
+          </a:xfrm>
+          <a:prstGeom prst="rect">
+            <a:avLst/>
+          </a:prstGeom>
+        </p:spPr>
+        <p:txBody>
+          <a:bodyPr spcFirstLastPara="1" wrap="square" lIns="91425" tIns="91425" rIns="91425" bIns="91425" anchor="t" anchorCtr="0">
+            <a:noAutofit/>
+          </a:bodyPr>
+          <a:lstStyle/>
+          <a:p>
+            <a:pPr marL="0" lvl="0" indent="0" algn="l" rtl="0">
+              <a:spcBef>
+                <a:spcPts val="0"/>
+              </a:spcBef>
+              <a:spcAft>
+                <a:spcPts val="0"/>
+              </a:spcAft>
+              <a:buNone/>
+            </a:pPr>
+            <a:endParaRPr/>
+          </a:p>
+        </p:txBody>
+      </p:sp>
+    </p:spTree>
+    <p:extLst>
+      <p:ext uri="{BB962C8B-B14F-4D97-AF65-F5344CB8AC3E}">
+        <p14:creationId xmlns:p14="http://schemas.microsoft.com/office/powerpoint/2010/main" val="2774921477"/>
+      </p:ext>
+    </p:extLst>
+  </p:cSld>
+  <p:clrMapOvr>
+    <a:masterClrMapping/>
+  </p:clrMapOvr>
 </p:notes>
 </file>
 
 <file path=ppt/notesSlides/notesSlide2.xml><?xml version="1.0" encoding="utf-8"?>
-<p:notes xmlns:r="http://schemas.openxmlformats.org/officeDocument/2006/relationships" xmlns:c="http://schemas.openxmlformats.org/drawingml/2006/chart" xmlns:a="http://schemas.openxmlformats.org/drawingml/2006/main" xmlns:dgm="http://schemas.openxmlformats.org/drawingml/2006/diagram" xmlns:dsp="http://schemas.microsoft.com/office/drawing/2008/diagram" xmlns:p="http://schemas.openxmlformats.org/presentationml/2006/main" showMasterSp="0" showMasterPhAnim="0">
+<p:notes xmlns:a="http://schemas.openxmlformats.org/drawingml/2006/main" xmlns:r="http://schemas.openxmlformats.org/officeDocument/2006/relationships" xmlns:p="http://schemas.openxmlformats.org/presentationml/2006/main" showMasterSp="0" showMasterPhAnim="0">
   <p:cSld>
     <p:spTree>
       <p:nvGrpSpPr>
-        <p:cNvPr id="1" name=""/>
+        <p:cNvPr id="1" name="Shape 236"/>
         <p:cNvGrpSpPr/>
         <p:nvPr/>
       </p:nvGrpSpPr>
@@ -822,7 +1012,7 @@
         <p:nvSpPr>
           <p:cNvPr id="237" name="Google Shape;237;gd431007ba2_0_215:notes"/>
           <p:cNvSpPr>
-            <a:spLocks noGrp="1" noRot="1" noChangeAspect="1" noTextEdit="1"/>
+            <a:spLocks noGrp="1" noRot="1" noChangeAspect="1"/>
           </p:cNvSpPr>
           <p:nvPr>
             <p:ph type="sldImg" idx="2"/>
@@ -836,6 +1026,8 @@
           <a:custGeom>
             <a:avLst/>
             <a:gdLst/>
+            <a:ahLst/>
+            <a:cxnLst/>
             <a:rect l="l" t="t" r="r" b="b"/>
             <a:pathLst>
               <a:path w="120000" h="120000" extrusionOk="0">
@@ -877,7 +1069,7 @@
           </a:prstGeom>
         </p:spPr>
         <p:txBody>
-          <a:bodyPr wrap="square" lIns="91424" tIns="91424" rIns="91424" bIns="91424" anchor="t" anchorCtr="0">
+          <a:bodyPr spcFirstLastPara="1" wrap="square" lIns="91425" tIns="91425" rIns="91425" bIns="91425" anchor="t" anchorCtr="0">
             <a:noAutofit/>
           </a:bodyPr>
           <a:lstStyle/>
@@ -890,27 +1082,25 @@
                 <a:spcPts val="0"/>
               </a:spcAft>
               <a:buNone/>
-              <a:defRPr/>
             </a:pPr>
-            <a:r>
-              <a:rPr lang="ko-KR" altLang="en-US"/>
-              <a:t/>
-            </a:r>
-            <a:endParaRPr lang="ko-KR" altLang="en-US"/>
+            <a:endParaRPr/>
           </a:p>
         </p:txBody>
       </p:sp>
     </p:spTree>
   </p:cSld>
+  <p:clrMapOvr>
+    <a:masterClrMapping/>
+  </p:clrMapOvr>
 </p:notes>
 </file>
 
 <file path=ppt/notesSlides/notesSlide3.xml><?xml version="1.0" encoding="utf-8"?>
-<p:notes xmlns:r="http://schemas.openxmlformats.org/officeDocument/2006/relationships" xmlns:c="http://schemas.openxmlformats.org/drawingml/2006/chart" xmlns:a="http://schemas.openxmlformats.org/drawingml/2006/main" xmlns:dgm="http://schemas.openxmlformats.org/drawingml/2006/diagram" xmlns:dsp="http://schemas.microsoft.com/office/drawing/2008/diagram" xmlns:p="http://schemas.openxmlformats.org/presentationml/2006/main" showMasterSp="0" showMasterPhAnim="0">
+<p:notes xmlns:a="http://schemas.openxmlformats.org/drawingml/2006/main" xmlns:r="http://schemas.openxmlformats.org/officeDocument/2006/relationships" xmlns:p="http://schemas.openxmlformats.org/presentationml/2006/main" showMasterSp="0" showMasterPhAnim="0">
   <p:cSld>
     <p:spTree>
       <p:nvGrpSpPr>
-        <p:cNvPr id="1" name=""/>
+        <p:cNvPr id="1" name="Shape 311"/>
         <p:cNvGrpSpPr/>
         <p:nvPr/>
       </p:nvGrpSpPr>
@@ -926,7 +1116,7 @@
         <p:nvSpPr>
           <p:cNvPr id="312" name="Google Shape;312;g184d99d1a72_0_57:notes"/>
           <p:cNvSpPr>
-            <a:spLocks noGrp="1" noRot="1" noChangeAspect="1" noTextEdit="1"/>
+            <a:spLocks noGrp="1" noRot="1" noChangeAspect="1"/>
           </p:cNvSpPr>
           <p:nvPr>
             <p:ph type="sldImg" idx="2"/>
@@ -940,6 +1130,8 @@
           <a:custGeom>
             <a:avLst/>
             <a:gdLst/>
+            <a:ahLst/>
+            <a:cxnLst/>
             <a:rect l="l" t="t" r="r" b="b"/>
             <a:pathLst>
               <a:path w="120000" h="120000" extrusionOk="0">
@@ -981,7 +1173,7 @@
           </a:prstGeom>
         </p:spPr>
         <p:txBody>
-          <a:bodyPr wrap="square" lIns="91424" tIns="91424" rIns="91424" bIns="91424" anchor="t" anchorCtr="0">
+          <a:bodyPr spcFirstLastPara="1" wrap="square" lIns="91425" tIns="91425" rIns="91425" bIns="91425" anchor="t" anchorCtr="0">
             <a:noAutofit/>
           </a:bodyPr>
           <a:lstStyle/>
@@ -994,27 +1186,25 @@
                 <a:spcPts val="0"/>
               </a:spcAft>
               <a:buNone/>
-              <a:defRPr/>
             </a:pPr>
-            <a:r>
-              <a:rPr lang="ko-KR" altLang="en-US"/>
-              <a:t/>
-            </a:r>
-            <a:endParaRPr lang="ko-KR" altLang="en-US"/>
+            <a:endParaRPr/>
           </a:p>
         </p:txBody>
       </p:sp>
     </p:spTree>
   </p:cSld>
+  <p:clrMapOvr>
+    <a:masterClrMapping/>
+  </p:clrMapOvr>
 </p:notes>
 </file>
 
 <file path=ppt/notesSlides/notesSlide4.xml><?xml version="1.0" encoding="utf-8"?>
-<p:notes xmlns:r="http://schemas.openxmlformats.org/officeDocument/2006/relationships" xmlns:c="http://schemas.openxmlformats.org/drawingml/2006/chart" xmlns:a="http://schemas.openxmlformats.org/drawingml/2006/main" xmlns:dgm="http://schemas.openxmlformats.org/drawingml/2006/diagram" xmlns:dsp="http://schemas.microsoft.com/office/drawing/2008/diagram" xmlns:p="http://schemas.openxmlformats.org/presentationml/2006/main" showMasterSp="0" showMasterPhAnim="0">
+<p:notes xmlns:a="http://schemas.openxmlformats.org/drawingml/2006/main" xmlns:r="http://schemas.openxmlformats.org/officeDocument/2006/relationships" xmlns:p="http://schemas.openxmlformats.org/presentationml/2006/main" showMasterSp="0" showMasterPhAnim="0">
   <p:cSld>
     <p:spTree>
       <p:nvGrpSpPr>
-        <p:cNvPr id="1" name=""/>
+        <p:cNvPr id="1" name="Shape 364"/>
         <p:cNvGrpSpPr/>
         <p:nvPr/>
       </p:nvGrpSpPr>
@@ -1030,7 +1220,7 @@
         <p:nvSpPr>
           <p:cNvPr id="365" name="Google Shape;365;g54dda1946d_4_2730:notes"/>
           <p:cNvSpPr>
-            <a:spLocks noGrp="1" noRot="1" noChangeAspect="1" noTextEdit="1"/>
+            <a:spLocks noGrp="1" noRot="1" noChangeAspect="1"/>
           </p:cNvSpPr>
           <p:nvPr>
             <p:ph type="sldImg" idx="2"/>
@@ -1044,6 +1234,8 @@
           <a:custGeom>
             <a:avLst/>
             <a:gdLst/>
+            <a:ahLst/>
+            <a:cxnLst/>
             <a:rect l="l" t="t" r="r" b="b"/>
             <a:pathLst>
               <a:path w="120000" h="120000" extrusionOk="0">
@@ -1085,7 +1277,7 @@
           </a:prstGeom>
         </p:spPr>
         <p:txBody>
-          <a:bodyPr wrap="square" lIns="91424" tIns="91424" rIns="91424" bIns="91424" anchor="t" anchorCtr="0">
+          <a:bodyPr spcFirstLastPara="1" wrap="square" lIns="91425" tIns="91425" rIns="91425" bIns="91425" anchor="t" anchorCtr="0">
             <a:noAutofit/>
           </a:bodyPr>
           <a:lstStyle/>
@@ -1098,27 +1290,25 @@
                 <a:spcPts val="0"/>
               </a:spcAft>
               <a:buNone/>
-              <a:defRPr/>
             </a:pPr>
-            <a:r>
-              <a:rPr lang="ko-KR" altLang="en-US"/>
-              <a:t/>
-            </a:r>
-            <a:endParaRPr lang="ko-KR" altLang="en-US"/>
+            <a:endParaRPr/>
           </a:p>
         </p:txBody>
       </p:sp>
     </p:spTree>
   </p:cSld>
+  <p:clrMapOvr>
+    <a:masterClrMapping/>
+  </p:clrMapOvr>
 </p:notes>
 </file>
 
 <file path=ppt/notesSlides/notesSlide5.xml><?xml version="1.0" encoding="utf-8"?>
-<p:notes xmlns:r="http://schemas.openxmlformats.org/officeDocument/2006/relationships" xmlns:c="http://schemas.openxmlformats.org/drawingml/2006/chart" xmlns:a="http://schemas.openxmlformats.org/drawingml/2006/main" xmlns:dgm="http://schemas.openxmlformats.org/drawingml/2006/diagram" xmlns:dsp="http://schemas.microsoft.com/office/drawing/2008/diagram" xmlns:p="http://schemas.openxmlformats.org/presentationml/2006/main" showMasterSp="0" showMasterPhAnim="0">
+<p:notes xmlns:a="http://schemas.openxmlformats.org/drawingml/2006/main" xmlns:r="http://schemas.openxmlformats.org/officeDocument/2006/relationships" xmlns:p="http://schemas.openxmlformats.org/presentationml/2006/main" showMasterSp="0" showMasterPhAnim="0">
   <p:cSld>
     <p:spTree>
       <p:nvGrpSpPr>
-        <p:cNvPr id="1" name=""/>
+        <p:cNvPr id="1" name="Shape 227"/>
         <p:cNvGrpSpPr/>
         <p:nvPr/>
       </p:nvGrpSpPr>
@@ -1134,7 +1324,7 @@
         <p:nvSpPr>
           <p:cNvPr id="228" name="Google Shape;228;gd431007ba2_0_208:notes"/>
           <p:cNvSpPr>
-            <a:spLocks noGrp="1" noRot="1" noChangeAspect="1" noTextEdit="1"/>
+            <a:spLocks noGrp="1" noRot="1" noChangeAspect="1"/>
           </p:cNvSpPr>
           <p:nvPr>
             <p:ph type="sldImg" idx="2"/>
@@ -1148,6 +1338,8 @@
           <a:custGeom>
             <a:avLst/>
             <a:gdLst/>
+            <a:ahLst/>
+            <a:cxnLst/>
             <a:rect l="l" t="t" r="r" b="b"/>
             <a:pathLst>
               <a:path w="120000" h="120000" extrusionOk="0">
@@ -1189,7 +1381,7 @@
           </a:prstGeom>
         </p:spPr>
         <p:txBody>
-          <a:bodyPr wrap="square" lIns="91424" tIns="91424" rIns="91424" bIns="91424" anchor="t" anchorCtr="0">
+          <a:bodyPr spcFirstLastPara="1" wrap="square" lIns="91425" tIns="91425" rIns="91425" bIns="91425" anchor="t" anchorCtr="0">
             <a:noAutofit/>
           </a:bodyPr>
           <a:lstStyle/>
@@ -1202,27 +1394,25 @@
                 <a:spcPts val="0"/>
               </a:spcAft>
               <a:buNone/>
-              <a:defRPr/>
             </a:pPr>
-            <a:r>
-              <a:rPr lang="ko-KR" altLang="en-US"/>
-              <a:t/>
-            </a:r>
-            <a:endParaRPr lang="ko-KR" altLang="en-US"/>
+            <a:endParaRPr/>
           </a:p>
         </p:txBody>
       </p:sp>
     </p:spTree>
   </p:cSld>
+  <p:clrMapOvr>
+    <a:masterClrMapping/>
+  </p:clrMapOvr>
 </p:notes>
 </file>
 
 <file path=ppt/notesSlides/notesSlide6.xml><?xml version="1.0" encoding="utf-8"?>
-<p:notes xmlns:r="http://schemas.openxmlformats.org/officeDocument/2006/relationships" xmlns:c="http://schemas.openxmlformats.org/drawingml/2006/chart" xmlns:a="http://schemas.openxmlformats.org/drawingml/2006/main" xmlns:dgm="http://schemas.openxmlformats.org/drawingml/2006/diagram" xmlns:dsp="http://schemas.microsoft.com/office/drawing/2008/diagram" xmlns:p="http://schemas.openxmlformats.org/presentationml/2006/main" showMasterSp="0" showMasterPhAnim="0">
+<p:notes xmlns:a="http://schemas.openxmlformats.org/drawingml/2006/main" xmlns:r="http://schemas.openxmlformats.org/officeDocument/2006/relationships" xmlns:p="http://schemas.openxmlformats.org/presentationml/2006/main" showMasterSp="0" showMasterPhAnim="0">
   <p:cSld>
     <p:spTree>
       <p:nvGrpSpPr>
-        <p:cNvPr id="1" name=""/>
+        <p:cNvPr id="1" name="Shape 259"/>
         <p:cNvGrpSpPr/>
         <p:nvPr/>
       </p:nvGrpSpPr>
@@ -1238,7 +1428,7 @@
         <p:nvSpPr>
           <p:cNvPr id="260" name="Google Shape;260;g54dda1946d_6_322:notes"/>
           <p:cNvSpPr>
-            <a:spLocks noGrp="1" noRot="1" noChangeAspect="1" noTextEdit="1"/>
+            <a:spLocks noGrp="1" noRot="1" noChangeAspect="1"/>
           </p:cNvSpPr>
           <p:nvPr>
             <p:ph type="sldImg" idx="2"/>
@@ -1252,6 +1442,8 @@
           <a:custGeom>
             <a:avLst/>
             <a:gdLst/>
+            <a:ahLst/>
+            <a:cxnLst/>
             <a:rect l="l" t="t" r="r" b="b"/>
             <a:pathLst>
               <a:path w="120000" h="120000" extrusionOk="0">
@@ -1293,7 +1485,7 @@
           </a:prstGeom>
         </p:spPr>
         <p:txBody>
-          <a:bodyPr wrap="square" lIns="91424" tIns="91424" rIns="91424" bIns="91424" anchor="t" anchorCtr="0">
+          <a:bodyPr spcFirstLastPara="1" wrap="square" lIns="91425" tIns="91425" rIns="91425" bIns="91425" anchor="t" anchorCtr="0">
             <a:noAutofit/>
           </a:bodyPr>
           <a:lstStyle/>
@@ -1306,27 +1498,25 @@
                 <a:spcPts val="0"/>
               </a:spcAft>
               <a:buNone/>
-              <a:defRPr/>
             </a:pPr>
-            <a:r>
-              <a:rPr lang="ko-KR" altLang="en-US"/>
-              <a:t/>
-            </a:r>
-            <a:endParaRPr lang="ko-KR" altLang="en-US"/>
+            <a:endParaRPr/>
           </a:p>
         </p:txBody>
       </p:sp>
     </p:spTree>
   </p:cSld>
+  <p:clrMapOvr>
+    <a:masterClrMapping/>
+  </p:clrMapOvr>
 </p:notes>
 </file>
 
 <file path=ppt/notesSlides/notesSlide7.xml><?xml version="1.0" encoding="utf-8"?>
-<p:notes xmlns:r="http://schemas.openxmlformats.org/officeDocument/2006/relationships" xmlns:c="http://schemas.openxmlformats.org/drawingml/2006/chart" xmlns:a="http://schemas.openxmlformats.org/drawingml/2006/main" xmlns:dgm="http://schemas.openxmlformats.org/drawingml/2006/diagram" xmlns:dsp="http://schemas.microsoft.com/office/drawing/2008/diagram" xmlns:p="http://schemas.openxmlformats.org/presentationml/2006/main" showMasterSp="0" showMasterPhAnim="0">
+<p:notes xmlns:a="http://schemas.openxmlformats.org/drawingml/2006/main" xmlns:r="http://schemas.openxmlformats.org/officeDocument/2006/relationships" xmlns:p="http://schemas.openxmlformats.org/presentationml/2006/main" showMasterSp="0" showMasterPhAnim="0">
   <p:cSld>
     <p:spTree>
       <p:nvGrpSpPr>
-        <p:cNvPr id="1" name=""/>
+        <p:cNvPr id="1" name="Shape 286"/>
         <p:cNvGrpSpPr/>
         <p:nvPr/>
       </p:nvGrpSpPr>
@@ -1342,7 +1532,7 @@
         <p:nvSpPr>
           <p:cNvPr id="287" name="Google Shape;287;g184d99d1a72_0_15:notes"/>
           <p:cNvSpPr>
-            <a:spLocks noGrp="1" noRot="1" noChangeAspect="1" noTextEdit="1"/>
+            <a:spLocks noGrp="1" noRot="1" noChangeAspect="1"/>
           </p:cNvSpPr>
           <p:nvPr>
             <p:ph type="sldImg" idx="2"/>
@@ -1356,6 +1546,8 @@
           <a:custGeom>
             <a:avLst/>
             <a:gdLst/>
+            <a:ahLst/>
+            <a:cxnLst/>
             <a:rect l="l" t="t" r="r" b="b"/>
             <a:pathLst>
               <a:path w="120000" h="120000" extrusionOk="0">
@@ -1397,7 +1589,7 @@
           </a:prstGeom>
         </p:spPr>
         <p:txBody>
-          <a:bodyPr wrap="square" lIns="91424" tIns="91424" rIns="91424" bIns="91424" anchor="t" anchorCtr="0">
+          <a:bodyPr spcFirstLastPara="1" wrap="square" lIns="91425" tIns="91425" rIns="91425" bIns="91425" anchor="t" anchorCtr="0">
             <a:noAutofit/>
           </a:bodyPr>
           <a:lstStyle/>
@@ -1410,27 +1602,31 @@
                 <a:spcPts val="0"/>
               </a:spcAft>
               <a:buNone/>
-              <a:defRPr/>
             </a:pPr>
-            <a:r>
-              <a:rPr lang="ko-KR" altLang="en-US"/>
-              <a:t/>
-            </a:r>
-            <a:endParaRPr lang="ko-KR" altLang="en-US"/>
+            <a:endParaRPr/>
           </a:p>
         </p:txBody>
       </p:sp>
     </p:spTree>
   </p:cSld>
+  <p:clrMapOvr>
+    <a:masterClrMapping/>
+  </p:clrMapOvr>
 </p:notes>
 </file>
 
 <file path=ppt/notesSlides/notesSlide8.xml><?xml version="1.0" encoding="utf-8"?>
-<p:notes xmlns:r="http://schemas.openxmlformats.org/officeDocument/2006/relationships" xmlns:c="http://schemas.openxmlformats.org/drawingml/2006/chart" xmlns:a="http://schemas.openxmlformats.org/drawingml/2006/main" xmlns:dgm="http://schemas.openxmlformats.org/drawingml/2006/diagram" xmlns:dsp="http://schemas.microsoft.com/office/drawing/2008/diagram" xmlns:p="http://schemas.openxmlformats.org/presentationml/2006/main" showMasterSp="0" showMasterPhAnim="0">
+<p:notes xmlns:a="http://schemas.openxmlformats.org/drawingml/2006/main" xmlns:r="http://schemas.openxmlformats.org/officeDocument/2006/relationships" xmlns:p="http://schemas.openxmlformats.org/presentationml/2006/main" showMasterSp="0" showMasterPhAnim="0">
   <p:cSld>
     <p:spTree>
       <p:nvGrpSpPr>
-        <p:cNvPr id="1" name=""/>
+        <p:cNvPr id="1" name="Shape 286">
+          <a:extLst>
+            <a:ext uri="{FF2B5EF4-FFF2-40B4-BE49-F238E27FC236}">
+              <a16:creationId xmlns:a16="http://schemas.microsoft.com/office/drawing/2014/main" id="{DEF1A795-868A-23A5-B3CD-D1AD792F3E15}"/>
+            </a:ext>
+          </a:extLst>
+        </p:cNvPr>
         <p:cNvGrpSpPr/>
         <p:nvPr/>
       </p:nvGrpSpPr>
@@ -1444,9 +1640,15 @@
       </p:grpSpPr>
       <p:sp>
         <p:nvSpPr>
-          <p:cNvPr id="287" name="Google Shape;287;g184d99d1a72_0_15:notes"/>
+          <p:cNvPr id="287" name="Google Shape;287;g184d99d1a72_0_15:notes">
+            <a:extLst>
+              <a:ext uri="{FF2B5EF4-FFF2-40B4-BE49-F238E27FC236}">
+                <a16:creationId xmlns:a16="http://schemas.microsoft.com/office/drawing/2014/main" id="{B312B4A2-33EE-CEB9-657F-1133C04E60A1}"/>
+              </a:ext>
+            </a:extLst>
+          </p:cNvPr>
           <p:cNvSpPr>
-            <a:spLocks noGrp="1" noRot="1" noChangeAspect="1" noTextEdit="1"/>
+            <a:spLocks noGrp="1" noRot="1" noChangeAspect="1"/>
           </p:cNvSpPr>
           <p:nvPr>
             <p:ph type="sldImg" idx="2"/>
@@ -1460,6 +1662,8 @@
           <a:custGeom>
             <a:avLst/>
             <a:gdLst/>
+            <a:ahLst/>
+            <a:cxnLst/>
             <a:rect l="l" t="t" r="r" b="b"/>
             <a:pathLst>
               <a:path w="120000" h="120000" extrusionOk="0">
@@ -1483,7 +1687,13 @@
       </p:sp>
       <p:sp>
         <p:nvSpPr>
-          <p:cNvPr id="288" name="Google Shape;288;g184d99d1a72_0_15:notes"/>
+          <p:cNvPr id="288" name="Google Shape;288;g184d99d1a72_0_15:notes">
+            <a:extLst>
+              <a:ext uri="{FF2B5EF4-FFF2-40B4-BE49-F238E27FC236}">
+                <a16:creationId xmlns:a16="http://schemas.microsoft.com/office/drawing/2014/main" id="{9865AD6C-7373-9E68-EA93-75976B64C1ED}"/>
+              </a:ext>
+            </a:extLst>
+          </p:cNvPr>
           <p:cNvSpPr txBox="1">
             <a:spLocks noGrp="1"/>
           </p:cNvSpPr>
@@ -1501,7 +1711,7 @@
           </a:prstGeom>
         </p:spPr>
         <p:txBody>
-          <a:bodyPr wrap="square" lIns="91424" tIns="91424" rIns="91424" bIns="91424" anchor="t" anchorCtr="0">
+          <a:bodyPr spcFirstLastPara="1" wrap="square" lIns="91425" tIns="91425" rIns="91425" bIns="91425" anchor="t" anchorCtr="0">
             <a:noAutofit/>
           </a:bodyPr>
           <a:lstStyle/>
@@ -1514,27 +1724,30 @@
                 <a:spcPts val="0"/>
               </a:spcAft>
               <a:buNone/>
-              <a:defRPr/>
             </a:pPr>
-            <a:r>
-              <a:rPr lang="ko-KR" altLang="en-US"/>
-              <a:t/>
-            </a:r>
-            <a:endParaRPr lang="ko-KR" altLang="en-US"/>
+            <a:endParaRPr/>
           </a:p>
         </p:txBody>
       </p:sp>
     </p:spTree>
+    <p:extLst>
+      <p:ext uri="{BB962C8B-B14F-4D97-AF65-F5344CB8AC3E}">
+        <p14:creationId xmlns:p14="http://schemas.microsoft.com/office/powerpoint/2010/main" val="4022364003"/>
+      </p:ext>
+    </p:extLst>
   </p:cSld>
+  <p:clrMapOvr>
+    <a:masterClrMapping/>
+  </p:clrMapOvr>
 </p:notes>
 </file>
 
 <file path=ppt/notesSlides/notesSlide9.xml><?xml version="1.0" encoding="utf-8"?>
-<p:notes xmlns:r="http://schemas.openxmlformats.org/officeDocument/2006/relationships" xmlns:c="http://schemas.openxmlformats.org/drawingml/2006/chart" xmlns:a="http://schemas.openxmlformats.org/drawingml/2006/main" xmlns:dgm="http://schemas.openxmlformats.org/drawingml/2006/diagram" xmlns:dsp="http://schemas.microsoft.com/office/drawing/2008/diagram" xmlns:p="http://schemas.openxmlformats.org/presentationml/2006/main" showMasterSp="0" showMasterPhAnim="0">
+<p:notes xmlns:a="http://schemas.openxmlformats.org/drawingml/2006/main" xmlns:r="http://schemas.openxmlformats.org/officeDocument/2006/relationships" xmlns:p="http://schemas.openxmlformats.org/presentationml/2006/main" showMasterSp="0" showMasterPhAnim="0">
   <p:cSld>
     <p:spTree>
       <p:nvGrpSpPr>
-        <p:cNvPr id="1" name=""/>
+        <p:cNvPr id="1" name="Shape 564"/>
         <p:cNvGrpSpPr/>
         <p:nvPr/>
       </p:nvGrpSpPr>
@@ -1550,7 +1763,7 @@
         <p:nvSpPr>
           <p:cNvPr id="565" name="Google Shape;565;g1869d044d76_0_0:notes"/>
           <p:cNvSpPr>
-            <a:spLocks noGrp="1" noRot="1" noChangeAspect="1" noTextEdit="1"/>
+            <a:spLocks noGrp="1" noRot="1" noChangeAspect="1"/>
           </p:cNvSpPr>
           <p:nvPr>
             <p:ph type="sldImg" idx="2"/>
@@ -1564,6 +1777,8 @@
           <a:custGeom>
             <a:avLst/>
             <a:gdLst/>
+            <a:ahLst/>
+            <a:cxnLst/>
             <a:rect l="l" t="t" r="r" b="b"/>
             <a:pathLst>
               <a:path w="120000" h="120000" extrusionOk="0">
@@ -1605,7 +1820,7 @@
           </a:prstGeom>
         </p:spPr>
         <p:txBody>
-          <a:bodyPr wrap="square" lIns="91424" tIns="91424" rIns="91424" bIns="91424" anchor="t" anchorCtr="0">
+          <a:bodyPr spcFirstLastPara="1" wrap="square" lIns="91425" tIns="91425" rIns="91425" bIns="91425" anchor="t" anchorCtr="0">
             <a:noAutofit/>
           </a:bodyPr>
           <a:lstStyle/>
@@ -1618,18 +1833,16 @@
                 <a:spcPts val="0"/>
               </a:spcAft>
               <a:buNone/>
-              <a:defRPr/>
             </a:pPr>
-            <a:r>
-              <a:rPr lang="ko-KR" altLang="en-US"/>
-              <a:t/>
-            </a:r>
-            <a:endParaRPr lang="ko-KR" altLang="en-US"/>
+            <a:endParaRPr/>
           </a:p>
         </p:txBody>
       </p:sp>
     </p:spTree>
   </p:cSld>
+  <p:clrMapOvr>
+    <a:masterClrMapping/>
+  </p:clrMapOvr>
 </p:notes>
 </file>
 
@@ -12879,6 +13092,485 @@
 </p:sld>
 </file>
 
+<file path=ppt/slides/slide10.xml><?xml version="1.0" encoding="utf-8"?>
+<p:sld xmlns:a="http://schemas.openxmlformats.org/drawingml/2006/main" xmlns:r="http://schemas.openxmlformats.org/officeDocument/2006/relationships" xmlns:p="http://schemas.openxmlformats.org/presentationml/2006/main">
+  <p:cSld>
+    <p:spTree>
+      <p:nvGrpSpPr>
+        <p:cNvPr id="1" name="Shape 222">
+          <a:extLst>
+            <a:ext uri="{FF2B5EF4-FFF2-40B4-BE49-F238E27FC236}">
+              <a16:creationId xmlns:a16="http://schemas.microsoft.com/office/drawing/2014/main" id="{EA594E37-4B46-89D7-8AB1-423CF4C9D1F0}"/>
+            </a:ext>
+          </a:extLst>
+        </p:cNvPr>
+        <p:cNvGrpSpPr/>
+        <p:nvPr/>
+      </p:nvGrpSpPr>
+      <p:grpSpPr>
+        <a:xfrm>
+          <a:off x="0" y="0"/>
+          <a:ext cx="0" cy="0"/>
+          <a:chOff x="0" y="0"/>
+          <a:chExt cx="0" cy="0"/>
+        </a:xfrm>
+      </p:grpSpPr>
+      <p:sp>
+        <p:nvSpPr>
+          <p:cNvPr id="223" name="Google Shape;223;p33">
+            <a:extLst>
+              <a:ext uri="{FF2B5EF4-FFF2-40B4-BE49-F238E27FC236}">
+                <a16:creationId xmlns:a16="http://schemas.microsoft.com/office/drawing/2014/main" id="{04D1EADA-E2CD-A955-D166-194223D21BFE}"/>
+              </a:ext>
+            </a:extLst>
+          </p:cNvPr>
+          <p:cNvSpPr txBox="1">
+            <a:spLocks noGrp="1"/>
+          </p:cNvSpPr>
+          <p:nvPr>
+            <p:ph type="ctrTitle"/>
+          </p:nvPr>
+        </p:nvSpPr>
+        <p:spPr>
+          <a:xfrm>
+            <a:off x="2169750" y="2216323"/>
+            <a:ext cx="4804500" cy="710853"/>
+          </a:xfrm>
+          <a:prstGeom prst="rect">
+            <a:avLst/>
+          </a:prstGeom>
+        </p:spPr>
+        <p:txBody>
+          <a:bodyPr spcFirstLastPara="1" wrap="square" lIns="91425" tIns="91425" rIns="91425" bIns="91425" anchor="b" anchorCtr="0">
+            <a:noAutofit/>
+          </a:bodyPr>
+          <a:lstStyle/>
+          <a:p>
+            <a:pPr marL="0" lvl="0" indent="0" algn="ctr" rtl="0">
+              <a:spcBef>
+                <a:spcPts val="0"/>
+              </a:spcBef>
+              <a:spcAft>
+                <a:spcPts val="0"/>
+              </a:spcAft>
+              <a:buNone/>
+            </a:pPr>
+            <a:r>
+              <a:rPr lang="ko-KR" altLang="en-US" sz="3000">
+                <a:latin typeface="G마켓 산스 TTF Bold" panose="02000000000000000000" pitchFamily="2" charset="-127"/>
+                <a:ea typeface="G마켓 산스 TTF Bold" panose="02000000000000000000" pitchFamily="2" charset="-127"/>
+                <a:cs typeface="맑은 고딕 Semilight" panose="020B0502040204020203" pitchFamily="50" charset="-127"/>
+              </a:rPr>
+              <a:t>감사합니다</a:t>
+            </a:r>
+            <a:endParaRPr lang="ko-KR" altLang="en-US" dirty="0">
+              <a:latin typeface="G마켓 산스 TTF Bold" panose="02000000000000000000" pitchFamily="2" charset="-127"/>
+              <a:ea typeface="G마켓 산스 TTF Bold" panose="02000000000000000000" pitchFamily="2" charset="-127"/>
+              <a:cs typeface="맑은 고딕 Semilight" panose="020B0502040204020203" pitchFamily="50" charset="-127"/>
+            </a:endParaRPr>
+          </a:p>
+        </p:txBody>
+      </p:sp>
+      <p:sp>
+        <p:nvSpPr>
+          <p:cNvPr id="224" name="Google Shape;224;p33">
+            <a:extLst>
+              <a:ext uri="{FF2B5EF4-FFF2-40B4-BE49-F238E27FC236}">
+                <a16:creationId xmlns:a16="http://schemas.microsoft.com/office/drawing/2014/main" id="{C51FB5DB-F296-BEEF-D388-051BA6110977}"/>
+              </a:ext>
+            </a:extLst>
+          </p:cNvPr>
+          <p:cNvSpPr txBox="1">
+            <a:spLocks noGrp="1"/>
+          </p:cNvSpPr>
+          <p:nvPr>
+            <p:ph type="subTitle" idx="1"/>
+          </p:nvPr>
+        </p:nvSpPr>
+        <p:spPr>
+          <a:xfrm>
+            <a:off x="1018025" y="539500"/>
+            <a:ext cx="2016000" cy="577800"/>
+          </a:xfrm>
+          <a:prstGeom prst="rect">
+            <a:avLst/>
+          </a:prstGeom>
+        </p:spPr>
+        <p:txBody>
+          <a:bodyPr spcFirstLastPara="1" wrap="square" lIns="91425" tIns="91425" rIns="91425" bIns="91425" anchor="t" anchorCtr="0">
+            <a:noAutofit/>
+          </a:bodyPr>
+          <a:lstStyle/>
+          <a:p>
+            <a:pPr marL="0" lvl="0" indent="0" algn="l" rtl="0">
+              <a:spcBef>
+                <a:spcPts val="0"/>
+              </a:spcBef>
+              <a:spcAft>
+                <a:spcPts val="0"/>
+              </a:spcAft>
+              <a:buNone/>
+            </a:pPr>
+            <a:r>
+              <a:rPr lang="en-US" sz="2000" dirty="0">
+                <a:latin typeface="G마켓 산스 TTF Medium" panose="02000000000000000000" pitchFamily="2" charset="-127"/>
+                <a:ea typeface="G마켓 산스 TTF Medium" panose="02000000000000000000" pitchFamily="2" charset="-127"/>
+              </a:rPr>
+              <a:t>LOCH</a:t>
+            </a:r>
+            <a:endParaRPr sz="2000" dirty="0">
+              <a:latin typeface="G마켓 산스 TTF Medium" panose="02000000000000000000" pitchFamily="2" charset="-127"/>
+              <a:ea typeface="G마켓 산스 TTF Medium" panose="02000000000000000000" pitchFamily="2" charset="-127"/>
+            </a:endParaRPr>
+          </a:p>
+        </p:txBody>
+      </p:sp>
+      <p:sp>
+        <p:nvSpPr>
+          <p:cNvPr id="225" name="Google Shape;225;p33">
+            <a:extLst>
+              <a:ext uri="{FF2B5EF4-FFF2-40B4-BE49-F238E27FC236}">
+                <a16:creationId xmlns:a16="http://schemas.microsoft.com/office/drawing/2014/main" id="{0F7AB42D-1654-2D51-59D6-DE36799B20A0}"/>
+              </a:ext>
+            </a:extLst>
+          </p:cNvPr>
+          <p:cNvSpPr txBox="1"/>
+          <p:nvPr/>
+        </p:nvSpPr>
+        <p:spPr>
+          <a:xfrm>
+            <a:off x="-1570" y="4354872"/>
+            <a:ext cx="3035595" cy="498255"/>
+          </a:xfrm>
+          <a:prstGeom prst="rect">
+            <a:avLst/>
+          </a:prstGeom>
+          <a:noFill/>
+          <a:ln>
+            <a:noFill/>
+          </a:ln>
+        </p:spPr>
+        <p:txBody>
+          <a:bodyPr spcFirstLastPara="1" wrap="square" lIns="91425" tIns="91425" rIns="91425" bIns="91425" anchor="ctr" anchorCtr="0">
+            <a:noAutofit/>
+          </a:bodyPr>
+          <a:lstStyle/>
+          <a:p>
+            <a:pPr marL="0" lvl="0" indent="0" algn="l" rtl="0">
+              <a:spcBef>
+                <a:spcPts val="0"/>
+              </a:spcBef>
+              <a:spcAft>
+                <a:spcPts val="0"/>
+              </a:spcAft>
+              <a:buNone/>
+            </a:pPr>
+            <a:r>
+              <a:rPr lang="en-US" altLang="ko-KR" sz="1000" dirty="0">
+                <a:solidFill>
+                  <a:schemeClr val="dk1"/>
+                </a:solidFill>
+                <a:latin typeface="G마켓 산스 TTF Medium" panose="02000000000000000000" pitchFamily="2" charset="-127"/>
+                <a:ea typeface="G마켓 산스 TTF Medium" panose="02000000000000000000" pitchFamily="2" charset="-127"/>
+                <a:cs typeface="Roboto"/>
+                <a:sym typeface="Roboto"/>
+              </a:rPr>
+              <a:t>https://github.com/choyongmoo/LOCH-</a:t>
+            </a:r>
+            <a:endParaRPr sz="1000" dirty="0">
+              <a:solidFill>
+                <a:schemeClr val="dk1"/>
+              </a:solidFill>
+              <a:latin typeface="G마켓 산스 TTF Medium" panose="02000000000000000000" pitchFamily="2" charset="-127"/>
+              <a:ea typeface="G마켓 산스 TTF Medium" panose="02000000000000000000" pitchFamily="2" charset="-127"/>
+              <a:cs typeface="Roboto"/>
+              <a:sym typeface="Roboto"/>
+            </a:endParaRPr>
+          </a:p>
+        </p:txBody>
+      </p:sp>
+      <p:sp>
+        <p:nvSpPr>
+          <p:cNvPr id="226" name="Google Shape;226;p33">
+            <a:extLst>
+              <a:ext uri="{FF2B5EF4-FFF2-40B4-BE49-F238E27FC236}">
+                <a16:creationId xmlns:a16="http://schemas.microsoft.com/office/drawing/2014/main" id="{5937F793-E83F-260C-A9AA-DE3DA80D1657}"/>
+              </a:ext>
+            </a:extLst>
+          </p:cNvPr>
+          <p:cNvSpPr/>
+          <p:nvPr/>
+        </p:nvSpPr>
+        <p:spPr>
+          <a:xfrm>
+            <a:off x="1423239" y="1877733"/>
+            <a:ext cx="1386715" cy="1388034"/>
+          </a:xfrm>
+          <a:custGeom>
+            <a:avLst/>
+            <a:gdLst/>
+            <a:ahLst/>
+            <a:cxnLst/>
+            <a:rect l="l" t="t" r="r" b="b"/>
+            <a:pathLst>
+              <a:path w="554686" h="554659" extrusionOk="0">
+                <a:moveTo>
+                  <a:pt x="544331" y="201978"/>
+                </a:moveTo>
+                <a:cubicBezTo>
+                  <a:pt x="317892" y="1652"/>
+                  <a:pt x="324028" y="6896"/>
+                  <a:pt x="319870" y="3211"/>
+                </a:cubicBezTo>
+                <a:cubicBezTo>
+                  <a:pt x="317124" y="2916"/>
+                  <a:pt x="300212" y="0"/>
+                  <a:pt x="277344" y="0"/>
+                </a:cubicBezTo>
+                <a:cubicBezTo>
+                  <a:pt x="124631" y="0"/>
+                  <a:pt x="0" y="124632"/>
+                  <a:pt x="0" y="277330"/>
+                </a:cubicBezTo>
+                <a:cubicBezTo>
+                  <a:pt x="0" y="431012"/>
+                  <a:pt x="125888" y="554660"/>
+                  <a:pt x="277344" y="554660"/>
+                </a:cubicBezTo>
+                <a:cubicBezTo>
+                  <a:pt x="430056" y="554660"/>
+                  <a:pt x="554687" y="430027"/>
+                  <a:pt x="554687" y="277330"/>
+                </a:cubicBezTo>
+                <a:cubicBezTo>
+                  <a:pt x="554695" y="235457"/>
+                  <a:pt x="544936" y="204995"/>
+                  <a:pt x="544331" y="201978"/>
+                </a:cubicBezTo>
+                <a:lnTo>
+                  <a:pt x="544331" y="201978"/>
+                </a:lnTo>
+                <a:close/>
+                <a:moveTo>
+                  <a:pt x="424688" y="277337"/>
+                </a:moveTo>
+                <a:cubicBezTo>
+                  <a:pt x="424688" y="306992"/>
+                  <a:pt x="415876" y="334623"/>
+                  <a:pt x="400733" y="357762"/>
+                </a:cubicBezTo>
+                <a:lnTo>
+                  <a:pt x="326099" y="208502"/>
+                </a:lnTo>
+                <a:lnTo>
+                  <a:pt x="293595" y="273497"/>
+                </a:lnTo>
+                <a:lnTo>
+                  <a:pt x="244840" y="175999"/>
+                </a:lnTo>
+                <a:lnTo>
+                  <a:pt x="153954" y="357762"/>
+                </a:lnTo>
+                <a:cubicBezTo>
+                  <a:pt x="138819" y="334623"/>
+                  <a:pt x="129999" y="306992"/>
+                  <a:pt x="129999" y="277337"/>
+                </a:cubicBezTo>
+                <a:cubicBezTo>
+                  <a:pt x="129999" y="196098"/>
+                  <a:pt x="196092" y="130008"/>
+                  <a:pt x="277336" y="130008"/>
+                </a:cubicBezTo>
+                <a:cubicBezTo>
+                  <a:pt x="297404" y="130008"/>
+                  <a:pt x="316774" y="133972"/>
+                  <a:pt x="334989" y="141806"/>
+                </a:cubicBezTo>
+                <a:cubicBezTo>
+                  <a:pt x="353296" y="166614"/>
+                  <a:pt x="376848" y="187340"/>
+                  <a:pt x="403968" y="202303"/>
+                </a:cubicBezTo>
+                <a:cubicBezTo>
+                  <a:pt x="417528" y="224923"/>
+                  <a:pt x="424688" y="250777"/>
+                  <a:pt x="424688" y="277337"/>
+                </a:cubicBezTo>
+                <a:close/>
+                <a:moveTo>
+                  <a:pt x="326099" y="281177"/>
+                </a:moveTo>
+                <a:lnTo>
+                  <a:pt x="348557" y="326090"/>
+                </a:lnTo>
+                <a:lnTo>
+                  <a:pt x="303641" y="326090"/>
+                </a:lnTo>
+                <a:lnTo>
+                  <a:pt x="326099" y="281177"/>
+                </a:lnTo>
+                <a:close/>
+                <a:moveTo>
+                  <a:pt x="267305" y="326090"/>
+                </a:moveTo>
+                <a:lnTo>
+                  <a:pt x="206138" y="326090"/>
+                </a:lnTo>
+                <a:lnTo>
+                  <a:pt x="244848" y="248675"/>
+                </a:lnTo>
+                <a:lnTo>
+                  <a:pt x="275427" y="309839"/>
+                </a:lnTo>
+                <a:lnTo>
+                  <a:pt x="267305" y="326090"/>
+                </a:lnTo>
+                <a:close/>
+                <a:moveTo>
+                  <a:pt x="400190" y="358585"/>
+                </a:moveTo>
+                <a:cubicBezTo>
+                  <a:pt x="373784" y="398378"/>
+                  <a:pt x="328581" y="424667"/>
+                  <a:pt x="277344" y="424667"/>
+                </a:cubicBezTo>
+                <a:cubicBezTo>
+                  <a:pt x="226106" y="424667"/>
+                  <a:pt x="180903" y="398378"/>
+                  <a:pt x="154497" y="358585"/>
+                </a:cubicBezTo>
+                <a:lnTo>
+                  <a:pt x="400190" y="358585"/>
+                </a:lnTo>
+                <a:close/>
+                <a:moveTo>
+                  <a:pt x="330614" y="56215"/>
+                </a:moveTo>
+                <a:cubicBezTo>
+                  <a:pt x="372364" y="93216"/>
+                  <a:pt x="445726" y="158135"/>
+                  <a:pt x="487562" y="195151"/>
+                </a:cubicBezTo>
+                <a:cubicBezTo>
+                  <a:pt x="410655" y="187239"/>
+                  <a:pt x="347595" y="130279"/>
+                  <a:pt x="330614" y="56215"/>
+                </a:cubicBezTo>
+                <a:close/>
+                <a:moveTo>
+                  <a:pt x="277351" y="522173"/>
+                </a:moveTo>
+                <a:cubicBezTo>
+                  <a:pt x="144629" y="522173"/>
+                  <a:pt x="32504" y="413761"/>
+                  <a:pt x="32504" y="277337"/>
+                </a:cubicBezTo>
+                <a:cubicBezTo>
+                  <a:pt x="32504" y="142334"/>
+                  <a:pt x="142341" y="32502"/>
+                  <a:pt x="277351" y="32502"/>
+                </a:cubicBezTo>
+                <a:cubicBezTo>
+                  <a:pt x="282999" y="32502"/>
+                  <a:pt x="288646" y="32719"/>
+                  <a:pt x="294286" y="33107"/>
+                </a:cubicBezTo>
+                <a:cubicBezTo>
+                  <a:pt x="296179" y="56937"/>
+                  <a:pt x="302043" y="79688"/>
+                  <a:pt x="311228" y="100694"/>
+                </a:cubicBezTo>
+                <a:cubicBezTo>
+                  <a:pt x="300158" y="98576"/>
+                  <a:pt x="288848" y="97506"/>
+                  <a:pt x="277351" y="97506"/>
+                </a:cubicBezTo>
+                <a:cubicBezTo>
+                  <a:pt x="178529" y="97506"/>
+                  <a:pt x="97511" y="178536"/>
+                  <a:pt x="97511" y="277337"/>
+                </a:cubicBezTo>
+                <a:cubicBezTo>
+                  <a:pt x="97511" y="376162"/>
+                  <a:pt x="178545" y="457169"/>
+                  <a:pt x="277351" y="457169"/>
+                </a:cubicBezTo>
+                <a:cubicBezTo>
+                  <a:pt x="376181" y="457169"/>
+                  <a:pt x="457192" y="376139"/>
+                  <a:pt x="457192" y="277337"/>
+                </a:cubicBezTo>
+                <a:cubicBezTo>
+                  <a:pt x="457192" y="257852"/>
+                  <a:pt x="454026" y="238668"/>
+                  <a:pt x="447929" y="220463"/>
+                </a:cubicBezTo>
+                <a:cubicBezTo>
+                  <a:pt x="470185" y="226831"/>
+                  <a:pt x="493357" y="229531"/>
+                  <a:pt x="517242" y="228266"/>
+                </a:cubicBezTo>
+                <a:cubicBezTo>
+                  <a:pt x="520523" y="244339"/>
+                  <a:pt x="522199" y="260784"/>
+                  <a:pt x="522199" y="277337"/>
+                </a:cubicBezTo>
+                <a:cubicBezTo>
+                  <a:pt x="522191" y="412341"/>
+                  <a:pt x="412354" y="522173"/>
+                  <a:pt x="277351" y="522173"/>
+                </a:cubicBezTo>
+                <a:close/>
+              </a:path>
+            </a:pathLst>
+          </a:custGeom>
+          <a:solidFill>
+            <a:schemeClr val="accent1"/>
+          </a:solidFill>
+          <a:ln>
+            <a:noFill/>
+          </a:ln>
+        </p:spPr>
+        <p:txBody>
+          <a:bodyPr spcFirstLastPara="1" wrap="square" lIns="91425" tIns="45700" rIns="91425" bIns="45700" anchor="ctr" anchorCtr="0">
+            <a:noAutofit/>
+          </a:bodyPr>
+          <a:lstStyle/>
+          <a:p>
+            <a:pPr marL="0" marR="0" lvl="0" indent="0" algn="l" rtl="0">
+              <a:spcBef>
+                <a:spcPts val="0"/>
+              </a:spcBef>
+              <a:spcAft>
+                <a:spcPts val="0"/>
+              </a:spcAft>
+              <a:buNone/>
+            </a:pPr>
+            <a:endParaRPr sz="1800">
+              <a:solidFill>
+                <a:srgbClr val="000000"/>
+              </a:solidFill>
+              <a:latin typeface="Calibri"/>
+              <a:ea typeface="Calibri"/>
+              <a:cs typeface="Calibri"/>
+              <a:sym typeface="Calibri"/>
+            </a:endParaRPr>
+          </a:p>
+        </p:txBody>
+      </p:sp>
+    </p:spTree>
+    <p:extLst>
+      <p:ext uri="{BB962C8B-B14F-4D97-AF65-F5344CB8AC3E}">
+        <p14:creationId xmlns:p14="http://schemas.microsoft.com/office/powerpoint/2010/main" val="594635916"/>
+      </p:ext>
+    </p:extLst>
+  </p:cSld>
+  <p:clrMapOvr>
+    <a:masterClrMapping/>
+  </p:clrMapOvr>
+</p:sld>
+</file>
+
 <file path=ppt/slides/slide2.xml><?xml version="1.0" encoding="utf-8"?>
 <p:sld xmlns:a="http://schemas.openxmlformats.org/drawingml/2006/main" xmlns:r="http://schemas.openxmlformats.org/officeDocument/2006/relationships" xmlns:p="http://schemas.openxmlformats.org/presentationml/2006/main">
   <p:cSld>
@@ -13699,11 +14391,11 @@
 </file>
 
 <file path=ppt/slides/slide3.xml><?xml version="1.0" encoding="utf-8"?>
-<p:sld xmlns:r="http://schemas.openxmlformats.org/officeDocument/2006/relationships" xmlns:c="http://schemas.openxmlformats.org/drawingml/2006/chart" xmlns:a="http://schemas.openxmlformats.org/drawingml/2006/main" xmlns:dgm="http://schemas.openxmlformats.org/drawingml/2006/diagram" xmlns:dsp="http://schemas.microsoft.com/office/drawing/2008/diagram" xmlns:p="http://schemas.openxmlformats.org/presentationml/2006/main">
+<p:sld xmlns:a="http://schemas.openxmlformats.org/drawingml/2006/main" xmlns:r="http://schemas.openxmlformats.org/officeDocument/2006/relationships" xmlns:p="http://schemas.openxmlformats.org/presentationml/2006/main">
   <p:cSld>
     <p:spTree>
       <p:nvGrpSpPr>
-        <p:cNvPr id="1" name=""/>
+        <p:cNvPr id="1" name="Shape 314"/>
         <p:cNvGrpSpPr/>
         <p:nvPr/>
       </p:nvGrpSpPr>
@@ -13735,7 +14427,7 @@
           </a:prstGeom>
         </p:spPr>
         <p:txBody>
-          <a:bodyPr wrap="square" lIns="91424" tIns="91424" rIns="91424" bIns="91424" anchor="b" anchorCtr="0">
+          <a:bodyPr spcFirstLastPara="1" wrap="square" lIns="91425" tIns="91425" rIns="91425" bIns="91425" anchor="b" anchorCtr="0">
             <a:noAutofit/>
           </a:bodyPr>
           <a:lstStyle/>
@@ -13748,39 +14440,38 @@
                 <a:spcPts val="0"/>
               </a:spcAft>
               <a:buNone/>
-              <a:defRPr/>
             </a:pPr>
             <a:r>
-              <a:rPr lang="ko-KR" altLang="en-US">
-                <a:latin typeface="G마켓 산스 TTF Bold"/>
-                <a:ea typeface="G마켓 산스 TTF Bold"/>
+              <a:rPr lang="ko-KR" altLang="en-US" dirty="0" err="1">
+                <a:latin typeface="G마켓 산스 TTF Bold" panose="02000000000000000000" pitchFamily="2" charset="-127"/>
+                <a:ea typeface="G마켓 산스 TTF Bold" panose="02000000000000000000" pitchFamily="2" charset="-127"/>
               </a:rPr>
               <a:t>임현성</a:t>
             </a:r>
             <a:r>
-              <a:rPr lang="en-US" altLang="ko-KR">
-                <a:latin typeface="G마켓 산스 TTF Bold"/>
-                <a:ea typeface="G마켓 산스 TTF Bold"/>
+              <a:rPr lang="en-US" altLang="ko-KR" dirty="0">
+                <a:latin typeface="G마켓 산스 TTF Bold" panose="02000000000000000000" pitchFamily="2" charset="-127"/>
+                <a:ea typeface="G마켓 산스 TTF Bold" panose="02000000000000000000" pitchFamily="2" charset="-127"/>
               </a:rPr>
               <a:t>(</a:t>
             </a:r>
             <a:r>
-              <a:rPr lang="ko-KR" altLang="en-US">
-                <a:latin typeface="G마켓 산스 TTF Bold"/>
-                <a:ea typeface="G마켓 산스 TTF Bold"/>
+              <a:rPr lang="ko-KR" altLang="en-US" dirty="0" err="1">
+                <a:latin typeface="G마켓 산스 TTF Bold" panose="02000000000000000000" pitchFamily="2" charset="-127"/>
+                <a:ea typeface="G마켓 산스 TTF Bold" panose="02000000000000000000" pitchFamily="2" charset="-127"/>
               </a:rPr>
               <a:t>프론트엔드</a:t>
             </a:r>
             <a:r>
-              <a:rPr lang="en-US" altLang="ko-KR">
-                <a:latin typeface="G마켓 산스 TTF Bold"/>
-                <a:ea typeface="G마켓 산스 TTF Bold"/>
+              <a:rPr lang="en-US" altLang="ko-KR" dirty="0">
+                <a:latin typeface="G마켓 산스 TTF Bold" panose="02000000000000000000" pitchFamily="2" charset="-127"/>
+                <a:ea typeface="G마켓 산스 TTF Bold" panose="02000000000000000000" pitchFamily="2" charset="-127"/>
               </a:rPr>
               <a:t>)</a:t>
             </a:r>
-            <a:endParaRPr>
-              <a:latin typeface="G마켓 산스 TTF Bold"/>
-              <a:ea typeface="G마켓 산스 TTF Bold"/>
+            <a:endParaRPr dirty="0">
+              <a:latin typeface="G마켓 산스 TTF Bold" panose="02000000000000000000" pitchFamily="2" charset="-127"/>
+              <a:ea typeface="G마켓 산스 TTF Bold" panose="02000000000000000000" pitchFamily="2" charset="-127"/>
             </a:endParaRPr>
           </a:p>
         </p:txBody>
@@ -13792,7 +14483,7 @@
             <a:spLocks noGrp="1"/>
           </p:cNvSpPr>
           <p:nvPr>
-            <p:ph type="title" idx="0"/>
+            <p:ph type="title"/>
           </p:nvPr>
         </p:nvSpPr>
         <p:spPr>
@@ -13805,7 +14496,7 @@
           </a:prstGeom>
         </p:spPr>
         <p:txBody>
-          <a:bodyPr wrap="square" lIns="91424" tIns="91424" rIns="91424" bIns="91424" anchor="t" anchorCtr="0">
+          <a:bodyPr spcFirstLastPara="1" wrap="square" lIns="91425" tIns="91425" rIns="91425" bIns="91425" anchor="t" anchorCtr="0">
             <a:noAutofit/>
           </a:bodyPr>
           <a:lstStyle/>
@@ -13818,18 +14509,17 @@
                 <a:spcPts val="0"/>
               </a:spcAft>
               <a:buNone/>
-              <a:defRPr/>
             </a:pPr>
             <a:r>
-              <a:rPr lang="ko-KR" altLang="en-US">
-                <a:latin typeface="G마켓 산스 TTF Bold"/>
-                <a:ea typeface="G마켓 산스 TTF Bold"/>
+              <a:rPr lang="ko-KR" altLang="en-US" dirty="0">
+                <a:latin typeface="G마켓 산스 TTF Bold" panose="02000000000000000000" pitchFamily="2" charset="-127"/>
+                <a:ea typeface="G마켓 산스 TTF Bold" panose="02000000000000000000" pitchFamily="2" charset="-127"/>
               </a:rPr>
               <a:t>팀 구성</a:t>
             </a:r>
-            <a:endParaRPr>
-              <a:latin typeface="G마켓 산스 TTF Bold"/>
-              <a:ea typeface="G마켓 산스 TTF Bold"/>
+            <a:endParaRPr dirty="0">
+              <a:latin typeface="G마켓 산스 TTF Bold" panose="02000000000000000000" pitchFamily="2" charset="-127"/>
+              <a:ea typeface="G마켓 산스 TTF Bold" panose="02000000000000000000" pitchFamily="2" charset="-127"/>
             </a:endParaRPr>
           </a:p>
         </p:txBody>
@@ -13854,7 +14544,7 @@
           </a:prstGeom>
         </p:spPr>
         <p:txBody>
-          <a:bodyPr wrap="square" lIns="91424" tIns="91424" rIns="91424" bIns="91424" anchor="t" anchorCtr="0">
+          <a:bodyPr spcFirstLastPara="1" wrap="square" lIns="91425" tIns="91425" rIns="91425" bIns="91425" anchor="t" anchorCtr="0">
             <a:noAutofit/>
           </a:bodyPr>
           <a:lstStyle/>
@@ -13867,32 +14557,31 @@
                 <a:spcPts val="0"/>
               </a:spcAft>
               <a:buNone/>
-              <a:defRPr/>
             </a:pPr>
             <a:r>
-              <a:rPr lang="ko-KR" altLang="en-US">
-                <a:latin typeface="G마켓 산스 TTF Medium"/>
-                <a:ea typeface="G마켓 산스 TTF Medium"/>
+              <a:rPr lang="ko-KR" altLang="en-US" dirty="0">
+                <a:latin typeface="G마켓 산스 TTF Medium" panose="02000000000000000000" pitchFamily="2" charset="-127"/>
+                <a:ea typeface="G마켓 산스 TTF Medium" panose="02000000000000000000" pitchFamily="2" charset="-127"/>
               </a:rPr>
               <a:t>학번</a:t>
             </a:r>
             <a:r>
-              <a:rPr lang="en-US" altLang="ko-KR">
-                <a:latin typeface="G마켓 산스 TTF Medium"/>
-                <a:ea typeface="G마켓 산스 TTF Medium"/>
+              <a:rPr lang="en-US" altLang="ko-KR" dirty="0">
+                <a:latin typeface="G마켓 산스 TTF Medium" panose="02000000000000000000" pitchFamily="2" charset="-127"/>
+                <a:ea typeface="G마켓 산스 TTF Medium" panose="02000000000000000000" pitchFamily="2" charset="-127"/>
               </a:rPr>
               <a:t>: </a:t>
             </a:r>
             <a:r>
-              <a:rPr lang="en-US">
-                <a:latin typeface="G마켓 산스 TTF Medium"/>
-                <a:ea typeface="G마켓 산스 TTF Medium"/>
+              <a:rPr lang="en-US" dirty="0">
+                <a:latin typeface="G마켓 산스 TTF Medium" panose="02000000000000000000" pitchFamily="2" charset="-127"/>
+                <a:ea typeface="G마켓 산스 TTF Medium" panose="02000000000000000000" pitchFamily="2" charset="-127"/>
               </a:rPr>
               <a:t>202307012</a:t>
             </a:r>
-            <a:endParaRPr>
-              <a:latin typeface="G마켓 산스 TTF Medium"/>
-              <a:ea typeface="G마켓 산스 TTF Medium"/>
+            <a:endParaRPr dirty="0">
+              <a:latin typeface="G마켓 산스 TTF Medium" panose="02000000000000000000" pitchFamily="2" charset="-127"/>
+              <a:ea typeface="G마켓 산스 TTF Medium" panose="02000000000000000000" pitchFamily="2" charset="-127"/>
             </a:endParaRPr>
           </a:p>
         </p:txBody>
@@ -13917,7 +14606,7 @@
           </a:prstGeom>
         </p:spPr>
         <p:txBody>
-          <a:bodyPr wrap="square" lIns="91424" tIns="91424" rIns="91424" bIns="91424" anchor="t" anchorCtr="0">
+          <a:bodyPr spcFirstLastPara="1" wrap="square" lIns="91425" tIns="91425" rIns="91425" bIns="91425" anchor="t" anchorCtr="0">
             <a:noAutofit/>
           </a:bodyPr>
           <a:lstStyle/>
@@ -13930,53 +14619,31 @@
                 <a:spcPts val="0"/>
               </a:spcAft>
               <a:buNone/>
-              <a:defRPr/>
             </a:pPr>
             <a:r>
-              <a:rPr lang="ko-KR" altLang="en-US">
-                <a:latin typeface="G마켓 산스 TTF Medium"/>
-                <a:ea typeface="G마켓 산스 TTF Medium"/>
+              <a:rPr lang="ko-KR" altLang="en-US" dirty="0">
+                <a:latin typeface="G마켓 산스 TTF Medium" panose="02000000000000000000" pitchFamily="2" charset="-127"/>
+                <a:ea typeface="G마켓 산스 TTF Medium" panose="02000000000000000000" pitchFamily="2" charset="-127"/>
               </a:rPr>
               <a:t>학번</a:t>
             </a:r>
             <a:r>
-              <a:rPr lang="en-US" altLang="ko-KR">
-                <a:latin typeface="G마켓 산스 TTF Medium"/>
-                <a:ea typeface="G마켓 산스 TTF Medium"/>
+              <a:rPr lang="en-US" altLang="ko-KR" dirty="0">
+                <a:latin typeface="G마켓 산스 TTF Medium" panose="02000000000000000000" pitchFamily="2" charset="-127"/>
+                <a:ea typeface="G마켓 산스 TTF Medium" panose="02000000000000000000" pitchFamily="2" charset="-127"/>
               </a:rPr>
               <a:t>: </a:t>
             </a:r>
             <a:r>
-              <a:rPr lang="en-US">
-                <a:latin typeface="G마켓 산스 TTF Medium"/>
-                <a:ea typeface="G마켓 산스 TTF Medium"/>
+              <a:rPr lang="en-US" dirty="0">
+                <a:latin typeface="G마켓 산스 TTF Medium" panose="02000000000000000000" pitchFamily="2" charset="-127"/>
+                <a:ea typeface="G마켓 산스 TTF Medium" panose="02000000000000000000" pitchFamily="2" charset="-127"/>
               </a:rPr>
-              <a:t>202</a:t>
+              <a:t>202107028</a:t>
             </a:r>
-            <a:r>
-              <a:rPr lang="en-US" altLang="ko-KR">
-                <a:latin typeface="G마켓 산스 TTF Medium"/>
-                <a:ea typeface="G마켓 산스 TTF Medium"/>
-              </a:rPr>
-              <a:t>1</a:t>
-            </a:r>
-            <a:r>
-              <a:rPr lang="en-US">
-                <a:latin typeface="G마켓 산스 TTF Medium"/>
-                <a:ea typeface="G마켓 산스 TTF Medium"/>
-              </a:rPr>
-              <a:t>0702</a:t>
-            </a:r>
-            <a:r>
-              <a:rPr lang="en-US" altLang="ko-KR">
-                <a:latin typeface="G마켓 산스 TTF Medium"/>
-                <a:ea typeface="G마켓 산스 TTF Medium"/>
-              </a:rPr>
-              <a:t>8</a:t>
-            </a:r>
-            <a:endParaRPr lang="en-US" altLang="ko-KR">
-              <a:latin typeface="G마켓 산스 TTF Medium"/>
-              <a:ea typeface="G마켓 산스 TTF Medium"/>
+            <a:endParaRPr dirty="0">
+              <a:latin typeface="G마켓 산스 TTF Medium" panose="02000000000000000000" pitchFamily="2" charset="-127"/>
+              <a:ea typeface="G마켓 산스 TTF Medium" panose="02000000000000000000" pitchFamily="2" charset="-127"/>
             </a:endParaRPr>
           </a:p>
         </p:txBody>
@@ -14001,7 +14668,7 @@
           </a:prstGeom>
         </p:spPr>
         <p:txBody>
-          <a:bodyPr wrap="square" lIns="91424" tIns="91424" rIns="91424" bIns="91424" anchor="t" anchorCtr="0">
+          <a:bodyPr spcFirstLastPara="1" wrap="square" lIns="91425" tIns="91425" rIns="91425" bIns="91425" anchor="t" anchorCtr="0">
             <a:noAutofit/>
           </a:bodyPr>
           <a:lstStyle/>
@@ -14014,33 +14681,32 @@
                 <a:spcPts val="0"/>
               </a:spcAft>
               <a:buNone/>
-              <a:defRPr/>
             </a:pPr>
             <a:r>
-              <a:rPr lang="ko-KR" altLang="en-US">
-                <a:latin typeface="G마켓 산스 TTF Medium"/>
-                <a:ea typeface="G마켓 산스 TTF Medium"/>
+              <a:rPr lang="ko-KR" altLang="en-US" dirty="0">
+                <a:latin typeface="G마켓 산스 TTF Medium" panose="02000000000000000000" pitchFamily="2" charset="-127"/>
+                <a:ea typeface="G마켓 산스 TTF Medium" panose="02000000000000000000" pitchFamily="2" charset="-127"/>
               </a:rPr>
               <a:t>학번</a:t>
             </a:r>
             <a:r>
-              <a:rPr lang="en-US" altLang="ko-KR">
-                <a:latin typeface="G마켓 산스 TTF Medium"/>
-                <a:ea typeface="G마켓 산스 TTF Medium"/>
+              <a:rPr lang="en-US" altLang="ko-KR" dirty="0">
+                <a:latin typeface="G마켓 산스 TTF Medium" panose="02000000000000000000" pitchFamily="2" charset="-127"/>
+                <a:ea typeface="G마켓 산스 TTF Medium" panose="02000000000000000000" pitchFamily="2" charset="-127"/>
               </a:rPr>
               <a:t>: </a:t>
             </a:r>
             <a:r>
-              <a:rPr lang="en-US" altLang="ko-KR" b="0" i="0">
+              <a:rPr lang="en-US" altLang="ko-KR" b="0" i="0" dirty="0">
                 <a:effectLst/>
-                <a:latin typeface="G마켓 산스 TTF Medium"/>
-                <a:ea typeface="G마켓 산스 TTF Medium"/>
+                <a:latin typeface="G마켓 산스 TTF Medium" panose="02000000000000000000" pitchFamily="2" charset="-127"/>
+                <a:ea typeface="G마켓 산스 TTF Medium" panose="02000000000000000000" pitchFamily="2" charset="-127"/>
               </a:rPr>
               <a:t>202307032</a:t>
             </a:r>
-            <a:endParaRPr>
-              <a:latin typeface="G마켓 산스 TTF Medium"/>
-              <a:ea typeface="G마켓 산스 TTF Medium"/>
+            <a:endParaRPr dirty="0">
+              <a:latin typeface="G마켓 산스 TTF Medium" panose="02000000000000000000" pitchFamily="2" charset="-127"/>
+              <a:ea typeface="G마켓 산스 TTF Medium" panose="02000000000000000000" pitchFamily="2" charset="-127"/>
             </a:endParaRPr>
           </a:p>
         </p:txBody>
@@ -14065,7 +14731,7 @@
           </a:prstGeom>
         </p:spPr>
         <p:txBody>
-          <a:bodyPr wrap="square" lIns="91424" tIns="91424" rIns="91424" bIns="91424" anchor="t" anchorCtr="0">
+          <a:bodyPr spcFirstLastPara="1" wrap="square" lIns="91425" tIns="91425" rIns="91425" bIns="91425" anchor="t" anchorCtr="0">
             <a:noAutofit/>
           </a:bodyPr>
           <a:lstStyle/>
@@ -14078,27 +14744,26 @@
                 <a:spcPts val="0"/>
               </a:spcAft>
               <a:buNone/>
-              <a:defRPr/>
             </a:pPr>
             <a:r>
-              <a:rPr lang="ko-KR" altLang="en-US" b="0" i="0">
+              <a:rPr lang="ko-KR" altLang="en-US" b="0" i="0" dirty="0">
                 <a:effectLst/>
-                <a:latin typeface="G마켓 산스 TTF Medium"/>
-                <a:ea typeface="G마켓 산스 TTF Medium"/>
+                <a:latin typeface="G마켓 산스 TTF Medium" panose="02000000000000000000" pitchFamily="2" charset="-127"/>
+                <a:ea typeface="G마켓 산스 TTF Medium" panose="02000000000000000000" pitchFamily="2" charset="-127"/>
               </a:rPr>
               <a:t>학번</a:t>
             </a:r>
             <a:r>
-              <a:rPr lang="en-US" altLang="ko-KR" b="0" i="0">
+              <a:rPr lang="en-US" altLang="ko-KR" b="0" i="0" dirty="0">
                 <a:effectLst/>
-                <a:latin typeface="G마켓 산스 TTF Medium"/>
-                <a:ea typeface="G마켓 산스 TTF Medium"/>
+                <a:latin typeface="G마켓 산스 TTF Medium" panose="02000000000000000000" pitchFamily="2" charset="-127"/>
+                <a:ea typeface="G마켓 산스 TTF Medium" panose="02000000000000000000" pitchFamily="2" charset="-127"/>
               </a:rPr>
               <a:t>: 202307072</a:t>
             </a:r>
-            <a:endParaRPr>
-              <a:latin typeface="G마켓 산스 TTF Medium"/>
-              <a:ea typeface="G마켓 산스 TTF Medium"/>
+            <a:endParaRPr dirty="0">
+              <a:latin typeface="G마켓 산스 TTF Medium" panose="02000000000000000000" pitchFamily="2" charset="-127"/>
+              <a:ea typeface="G마켓 산스 TTF Medium" panose="02000000000000000000" pitchFamily="2" charset="-127"/>
             </a:endParaRPr>
           </a:p>
         </p:txBody>
@@ -14123,7 +14788,7 @@
           </a:prstGeom>
         </p:spPr>
         <p:txBody>
-          <a:bodyPr wrap="square" lIns="91424" tIns="91424" rIns="91424" bIns="91424" anchor="b" anchorCtr="0">
+          <a:bodyPr spcFirstLastPara="1" wrap="square" lIns="91425" tIns="91425" rIns="91425" bIns="91425" anchor="b" anchorCtr="0">
             <a:noAutofit/>
           </a:bodyPr>
           <a:lstStyle/>
@@ -14136,53 +14801,52 @@
                 <a:spcPts val="0"/>
               </a:spcAft>
               <a:buNone/>
-              <a:defRPr/>
             </a:pPr>
             <a:r>
-              <a:rPr lang="ko-KR" altLang="en-US">
-                <a:latin typeface="G마켓 산스 TTF Bold"/>
-                <a:ea typeface="G마켓 산스 TTF Bold"/>
+              <a:rPr lang="ko-KR" altLang="en-US" dirty="0">
+                <a:latin typeface="G마켓 산스 TTF Bold" panose="02000000000000000000" pitchFamily="2" charset="-127"/>
+                <a:ea typeface="G마켓 산스 TTF Bold" panose="02000000000000000000" pitchFamily="2" charset="-127"/>
               </a:rPr>
               <a:t>조용무</a:t>
             </a:r>
             <a:r>
-              <a:rPr lang="en-US" altLang="ko-KR">
-                <a:latin typeface="G마켓 산스 TTF Bold"/>
-                <a:ea typeface="G마켓 산스 TTF Bold"/>
+              <a:rPr lang="en-US" altLang="ko-KR" dirty="0">
+                <a:latin typeface="G마켓 산스 TTF Bold" panose="02000000000000000000" pitchFamily="2" charset="-127"/>
+                <a:ea typeface="G마켓 산스 TTF Bold" panose="02000000000000000000" pitchFamily="2" charset="-127"/>
               </a:rPr>
               <a:t>(</a:t>
             </a:r>
             <a:r>
-              <a:rPr lang="ko-KR" altLang="en-US">
-                <a:latin typeface="G마켓 산스 TTF Bold"/>
-                <a:ea typeface="G마켓 산스 TTF Bold"/>
+              <a:rPr lang="ko-KR" altLang="en-US" dirty="0">
+                <a:latin typeface="G마켓 산스 TTF Bold" panose="02000000000000000000" pitchFamily="2" charset="-127"/>
+                <a:ea typeface="G마켓 산스 TTF Bold" panose="02000000000000000000" pitchFamily="2" charset="-127"/>
               </a:rPr>
               <a:t>팀장 </a:t>
             </a:r>
             <a:r>
-              <a:rPr lang="en-US" altLang="ko-KR">
-                <a:latin typeface="G마켓 산스 TTF Bold"/>
-                <a:ea typeface="G마켓 산스 TTF Bold"/>
+              <a:rPr lang="en-US" altLang="ko-KR" dirty="0">
+                <a:latin typeface="G마켓 산스 TTF Bold" panose="02000000000000000000" pitchFamily="2" charset="-127"/>
+                <a:ea typeface="G마켓 산스 TTF Bold" panose="02000000000000000000" pitchFamily="2" charset="-127"/>
               </a:rPr>
               <a:t>/ </a:t>
             </a:r>
             <a:r>
-              <a:rPr lang="ko-KR" altLang="en-US">
-                <a:latin typeface="G마켓 산스 TTF Bold"/>
-                <a:ea typeface="G마켓 산스 TTF Bold"/>
+              <a:rPr lang="ko-KR" altLang="en-US" dirty="0" err="1">
+                <a:latin typeface="G마켓 산스 TTF Bold" panose="02000000000000000000" pitchFamily="2" charset="-127"/>
+                <a:ea typeface="G마켓 산스 TTF Bold" panose="02000000000000000000" pitchFamily="2" charset="-127"/>
               </a:rPr>
               <a:t>백엔드</a:t>
             </a:r>
             <a:r>
-              <a:rPr lang="en-US" altLang="ko-KR">
-                <a:latin typeface="G마켓 산스 TTF Bold"/>
-                <a:ea typeface="G마켓 산스 TTF Bold"/>
+              <a:rPr lang="en-US" altLang="ko-KR" dirty="0">
+                <a:latin typeface="G마켓 산스 TTF Bold" panose="02000000000000000000" pitchFamily="2" charset="-127"/>
+                <a:ea typeface="G마켓 산스 TTF Bold" panose="02000000000000000000" pitchFamily="2" charset="-127"/>
               </a:rPr>
               <a:t>)</a:t>
             </a:r>
-            <a:endParaRPr>
-              <a:latin typeface="G마켓 산스 TTF Medium"/>
-              <a:ea typeface="G마켓 산스 TTF Medium"/>
+            <a:endParaRPr dirty="0">
+              <a:latin typeface="G마켓 산스 TTF Medium" panose="02000000000000000000" pitchFamily="2" charset="-127"/>
+              <a:ea typeface="G마켓 산스 TTF Medium" panose="02000000000000000000" pitchFamily="2" charset="-127"/>
             </a:endParaRPr>
           </a:p>
         </p:txBody>
@@ -14207,7 +14871,7 @@
           </a:prstGeom>
         </p:spPr>
         <p:txBody>
-          <a:bodyPr wrap="square" lIns="91424" tIns="91424" rIns="91424" bIns="91424" anchor="b" anchorCtr="0">
+          <a:bodyPr spcFirstLastPara="1" wrap="square" lIns="91425" tIns="91425" rIns="91425" bIns="91425" anchor="b" anchorCtr="0">
             <a:noAutofit/>
           </a:bodyPr>
           <a:lstStyle/>
@@ -14220,39 +14884,38 @@
                 <a:spcPts val="0"/>
               </a:spcAft>
               <a:buNone/>
-              <a:defRPr/>
             </a:pPr>
             <a:r>
-              <a:rPr lang="ko-KR" altLang="en-US">
-                <a:latin typeface="G마켓 산스 TTF Bold"/>
-                <a:ea typeface="G마켓 산스 TTF Bold"/>
+              <a:rPr lang="ko-KR" altLang="en-US" dirty="0" err="1">
+                <a:latin typeface="G마켓 산스 TTF Bold" panose="02000000000000000000" pitchFamily="2" charset="-127"/>
+                <a:ea typeface="G마켓 산스 TTF Bold" panose="02000000000000000000" pitchFamily="2" charset="-127"/>
               </a:rPr>
               <a:t>오택현</a:t>
             </a:r>
             <a:r>
-              <a:rPr lang="en-US" altLang="ko-KR">
-                <a:latin typeface="G마켓 산스 TTF Bold"/>
-                <a:ea typeface="G마켓 산스 TTF Bold"/>
+              <a:rPr lang="en-US" altLang="ko-KR" dirty="0">
+                <a:latin typeface="G마켓 산스 TTF Bold" panose="02000000000000000000" pitchFamily="2" charset="-127"/>
+                <a:ea typeface="G마켓 산스 TTF Bold" panose="02000000000000000000" pitchFamily="2" charset="-127"/>
               </a:rPr>
               <a:t>(</a:t>
             </a:r>
             <a:r>
-              <a:rPr lang="ko-KR" altLang="en-US">
-                <a:latin typeface="G마켓 산스 TTF Bold"/>
-                <a:ea typeface="G마켓 산스 TTF Bold"/>
+              <a:rPr lang="ko-KR" altLang="en-US" dirty="0" err="1">
+                <a:latin typeface="G마켓 산스 TTF Bold" panose="02000000000000000000" pitchFamily="2" charset="-127"/>
+                <a:ea typeface="G마켓 산스 TTF Bold" panose="02000000000000000000" pitchFamily="2" charset="-127"/>
               </a:rPr>
               <a:t>백엔드</a:t>
             </a:r>
             <a:r>
-              <a:rPr lang="en-US" altLang="ko-KR">
-                <a:latin typeface="G마켓 산스 TTF Bold"/>
-                <a:ea typeface="G마켓 산스 TTF Bold"/>
+              <a:rPr lang="en-US" altLang="ko-KR" dirty="0">
+                <a:latin typeface="G마켓 산스 TTF Bold" panose="02000000000000000000" pitchFamily="2" charset="-127"/>
+                <a:ea typeface="G마켓 산스 TTF Bold" panose="02000000000000000000" pitchFamily="2" charset="-127"/>
               </a:rPr>
               <a:t>)</a:t>
             </a:r>
-            <a:endParaRPr>
-              <a:latin typeface="G마켓 산스 TTF Bold"/>
-              <a:ea typeface="G마켓 산스 TTF Bold"/>
+            <a:endParaRPr dirty="0">
+              <a:latin typeface="G마켓 산스 TTF Bold" panose="02000000000000000000" pitchFamily="2" charset="-127"/>
+              <a:ea typeface="G마켓 산스 TTF Bold" panose="02000000000000000000" pitchFamily="2" charset="-127"/>
             </a:endParaRPr>
           </a:p>
         </p:txBody>
@@ -14277,7 +14940,7 @@
           </a:prstGeom>
         </p:spPr>
         <p:txBody>
-          <a:bodyPr wrap="square" lIns="91424" tIns="91424" rIns="91424" bIns="91424" anchor="b" anchorCtr="0">
+          <a:bodyPr spcFirstLastPara="1" wrap="square" lIns="91425" tIns="91425" rIns="91425" bIns="91425" anchor="b" anchorCtr="0">
             <a:noAutofit/>
           </a:bodyPr>
           <a:lstStyle/>
@@ -14290,39 +14953,38 @@
                 <a:spcPts val="0"/>
               </a:spcAft>
               <a:buNone/>
-              <a:defRPr/>
             </a:pPr>
             <a:r>
-              <a:rPr lang="ko-KR" altLang="en-US">
-                <a:latin typeface="G마켓 산스 TTF Bold"/>
-                <a:ea typeface="G마켓 산스 TTF Bold"/>
+              <a:rPr lang="ko-KR" altLang="en-US" dirty="0" err="1">
+                <a:latin typeface="G마켓 산스 TTF Bold" panose="02000000000000000000" pitchFamily="2" charset="-127"/>
+                <a:ea typeface="G마켓 산스 TTF Bold" panose="02000000000000000000" pitchFamily="2" charset="-127"/>
               </a:rPr>
               <a:t>황자준</a:t>
             </a:r>
             <a:r>
-              <a:rPr lang="en-US" altLang="ko-KR">
-                <a:latin typeface="G마켓 산스 TTF Bold"/>
-                <a:ea typeface="G마켓 산스 TTF Bold"/>
+              <a:rPr lang="en-US" altLang="ko-KR" dirty="0">
+                <a:latin typeface="G마켓 산스 TTF Bold" panose="02000000000000000000" pitchFamily="2" charset="-127"/>
+                <a:ea typeface="G마켓 산스 TTF Bold" panose="02000000000000000000" pitchFamily="2" charset="-127"/>
               </a:rPr>
               <a:t>(</a:t>
             </a:r>
             <a:r>
-              <a:rPr lang="ko-KR" altLang="en-US">
-                <a:latin typeface="G마켓 산스 TTF Bold"/>
-                <a:ea typeface="G마켓 산스 TTF Bold"/>
+              <a:rPr lang="ko-KR" altLang="en-US" dirty="0" err="1">
+                <a:latin typeface="G마켓 산스 TTF Bold" panose="02000000000000000000" pitchFamily="2" charset="-127"/>
+                <a:ea typeface="G마켓 산스 TTF Bold" panose="02000000000000000000" pitchFamily="2" charset="-127"/>
               </a:rPr>
               <a:t>프론트엔드</a:t>
             </a:r>
             <a:r>
-              <a:rPr lang="en-US" altLang="ko-KR">
-                <a:latin typeface="G마켓 산스 TTF Bold"/>
-                <a:ea typeface="G마켓 산스 TTF Bold"/>
+              <a:rPr lang="en-US" altLang="ko-KR" dirty="0">
+                <a:latin typeface="G마켓 산스 TTF Bold" panose="02000000000000000000" pitchFamily="2" charset="-127"/>
+                <a:ea typeface="G마켓 산스 TTF Bold" panose="02000000000000000000" pitchFamily="2" charset="-127"/>
               </a:rPr>
               <a:t>)</a:t>
             </a:r>
-            <a:endParaRPr>
-              <a:latin typeface="G마켓 산스 TTF Bold"/>
-              <a:ea typeface="G마켓 산스 TTF Bold"/>
+            <a:endParaRPr dirty="0">
+              <a:latin typeface="G마켓 산스 TTF Bold" panose="02000000000000000000" pitchFamily="2" charset="-127"/>
+              <a:ea typeface="G마켓 산스 TTF Bold" panose="02000000000000000000" pitchFamily="2" charset="-127"/>
             </a:endParaRPr>
           </a:p>
         </p:txBody>
@@ -14348,6 +15010,8 @@
             </a:solidFill>
             <a:prstDash val="solid"/>
             <a:round/>
+            <a:headEnd type="none" w="med" len="med"/>
+            <a:tailEnd type="none" w="med" len="med"/>
           </a:ln>
         </p:spPr>
       </p:cxnSp>
@@ -14372,6 +15036,8 @@
             </a:solidFill>
             <a:prstDash val="solid"/>
             <a:round/>
+            <a:headEnd type="none" w="med" len="med"/>
+            <a:tailEnd type="none" w="med" len="med"/>
           </a:ln>
         </p:spPr>
       </p:cxnSp>
@@ -14396,6 +15062,8 @@
             </a:solidFill>
             <a:prstDash val="solid"/>
             <a:round/>
+            <a:headEnd type="none" w="med" len="med"/>
+            <a:tailEnd type="none" w="med" len="med"/>
           </a:ln>
         </p:spPr>
       </p:cxnSp>
@@ -14420,6 +15088,8 @@
             </a:solidFill>
             <a:prstDash val="solid"/>
             <a:round/>
+            <a:headEnd type="none" w="med" len="med"/>
+            <a:tailEnd type="none" w="med" len="med"/>
           </a:ln>
         </p:spPr>
       </p:cxnSp>
@@ -14430,7 +15100,7 @@
           <p:nvPr/>
         </p:nvGrpSpPr>
         <p:grpSpPr>
-          <a:xfrm rot="0">
+          <a:xfrm>
             <a:off x="4833961" y="3120681"/>
             <a:ext cx="376777" cy="376785"/>
             <a:chOff x="11210627" y="4097238"/>
@@ -14451,6 +15121,8 @@
             <a:custGeom>
               <a:avLst/>
               <a:gdLst/>
+              <a:ahLst/>
+              <a:cxnLst/>
               <a:rect l="l" t="t" r="r" b="b"/>
               <a:pathLst>
                 <a:path w="97510" h="97506" extrusionOk="0">
@@ -14513,7 +15185,7 @@
             </a:ln>
           </p:spPr>
           <p:txBody>
-            <a:bodyPr wrap="square" lIns="91424" tIns="45700" rIns="91424" bIns="45700" anchor="ctr" anchorCtr="0">
+            <a:bodyPr spcFirstLastPara="1" wrap="square" lIns="91425" tIns="45700" rIns="91425" bIns="45700" anchor="ctr" anchorCtr="0">
               <a:noAutofit/>
             </a:bodyPr>
             <a:lstStyle/>
@@ -14526,7 +15198,6 @@
                   <a:spcPts val="0"/>
                 </a:spcAft>
                 <a:buNone/>
-                <a:defRPr/>
               </a:pPr>
               <a:endParaRPr sz="1800">
                 <a:solidFill>
@@ -14554,6 +15225,8 @@
             <a:custGeom>
               <a:avLst/>
               <a:gdLst/>
+              <a:ahLst/>
+              <a:cxnLst/>
               <a:rect l="l" t="t" r="r" b="b"/>
               <a:pathLst>
                 <a:path w="97510" h="32501" extrusionOk="0">
@@ -14584,7 +15257,7 @@
             </a:ln>
           </p:spPr>
           <p:txBody>
-            <a:bodyPr wrap="square" lIns="91424" tIns="45700" rIns="91424" bIns="45700" anchor="ctr" anchorCtr="0">
+            <a:bodyPr spcFirstLastPara="1" wrap="square" lIns="91425" tIns="45700" rIns="91425" bIns="45700" anchor="ctr" anchorCtr="0">
               <a:noAutofit/>
             </a:bodyPr>
             <a:lstStyle/>
@@ -14597,7 +15270,6 @@
                   <a:spcPts val="0"/>
                 </a:spcAft>
                 <a:buNone/>
-                <a:defRPr/>
               </a:pPr>
               <a:endParaRPr sz="1800">
                 <a:solidFill>
@@ -14625,6 +15297,8 @@
             <a:custGeom>
               <a:avLst/>
               <a:gdLst/>
+              <a:ahLst/>
+              <a:cxnLst/>
               <a:rect l="l" t="t" r="r" b="b"/>
               <a:pathLst>
                 <a:path w="247617" h="182585" extrusionOk="0">
@@ -14687,7 +15361,7 @@
             </a:ln>
           </p:spPr>
           <p:txBody>
-            <a:bodyPr wrap="square" lIns="91424" tIns="45700" rIns="91424" bIns="45700" anchor="ctr" anchorCtr="0">
+            <a:bodyPr spcFirstLastPara="1" wrap="square" lIns="91425" tIns="45700" rIns="91425" bIns="45700" anchor="ctr" anchorCtr="0">
               <a:noAutofit/>
             </a:bodyPr>
             <a:lstStyle/>
@@ -14700,7 +15374,6 @@
                   <a:spcPts val="0"/>
                 </a:spcAft>
                 <a:buNone/>
-                <a:defRPr/>
               </a:pPr>
               <a:endParaRPr sz="1800">
                 <a:solidFill>
@@ -14728,6 +15401,8 @@
             <a:custGeom>
               <a:avLst/>
               <a:gdLst/>
+              <a:ahLst/>
+              <a:cxnLst/>
               <a:rect l="l" t="t" r="r" b="b"/>
               <a:pathLst>
                 <a:path w="554655" h="554667" extrusionOk="0">
@@ -14966,7 +15641,7 @@
             </a:ln>
           </p:spPr>
           <p:txBody>
-            <a:bodyPr wrap="square" lIns="91424" tIns="45700" rIns="91424" bIns="45700" anchor="ctr" anchorCtr="0">
+            <a:bodyPr spcFirstLastPara="1" wrap="square" lIns="91425" tIns="45700" rIns="91425" bIns="45700" anchor="ctr" anchorCtr="0">
               <a:noAutofit/>
             </a:bodyPr>
             <a:lstStyle/>
@@ -14979,7 +15654,6 @@
                   <a:spcPts val="0"/>
                 </a:spcAft>
                 <a:buNone/>
-                <a:defRPr/>
               </a:pPr>
               <a:endParaRPr sz="1800">
                 <a:solidFill>
@@ -15001,7 +15675,7 @@
           <p:nvPr/>
         </p:nvGrpSpPr>
         <p:grpSpPr>
-          <a:xfrm rot="0">
+          <a:xfrm>
             <a:off x="716635" y="3121425"/>
             <a:ext cx="376777" cy="376786"/>
             <a:chOff x="11210627" y="3203526"/>
@@ -15022,6 +15696,8 @@
             <a:custGeom>
               <a:avLst/>
               <a:gdLst/>
+              <a:ahLst/>
+              <a:cxnLst/>
               <a:rect l="l" t="t" r="r" b="b"/>
               <a:pathLst>
                 <a:path w="97510" h="32502" extrusionOk="0">
@@ -15052,7 +15728,7 @@
             </a:ln>
           </p:spPr>
           <p:txBody>
-            <a:bodyPr wrap="square" lIns="91424" tIns="45700" rIns="91424" bIns="45700" anchor="ctr" anchorCtr="0">
+            <a:bodyPr spcFirstLastPara="1" wrap="square" lIns="91425" tIns="45700" rIns="91425" bIns="45700" anchor="ctr" anchorCtr="0">
               <a:noAutofit/>
             </a:bodyPr>
             <a:lstStyle/>
@@ -15065,7 +15741,6 @@
                   <a:spcPts val="0"/>
                 </a:spcAft>
                 <a:buNone/>
-                <a:defRPr/>
               </a:pPr>
               <a:endParaRPr sz="1800">
                 <a:solidFill>
@@ -15093,6 +15768,8 @@
             <a:custGeom>
               <a:avLst/>
               <a:gdLst/>
+              <a:ahLst/>
+              <a:cxnLst/>
               <a:rect l="l" t="t" r="r" b="b"/>
               <a:pathLst>
                 <a:path w="97510" h="97490" extrusionOk="0">
@@ -15155,7 +15832,7 @@
             </a:ln>
           </p:spPr>
           <p:txBody>
-            <a:bodyPr wrap="square" lIns="91424" tIns="45700" rIns="91424" bIns="45700" anchor="ctr" anchorCtr="0">
+            <a:bodyPr spcFirstLastPara="1" wrap="square" lIns="91425" tIns="45700" rIns="91425" bIns="45700" anchor="ctr" anchorCtr="0">
               <a:noAutofit/>
             </a:bodyPr>
             <a:lstStyle/>
@@ -15168,7 +15845,6 @@
                   <a:spcPts val="0"/>
                 </a:spcAft>
                 <a:buNone/>
-                <a:defRPr/>
               </a:pPr>
               <a:endParaRPr sz="1800">
                 <a:solidFill>
@@ -15196,6 +15872,8 @@
             <a:custGeom>
               <a:avLst/>
               <a:gdLst/>
+              <a:ahLst/>
+              <a:cxnLst/>
               <a:rect l="l" t="t" r="r" b="b"/>
               <a:pathLst>
                 <a:path w="554655" h="554668" extrusionOk="0">
@@ -15399,7 +16077,7 @@
             </a:ln>
           </p:spPr>
           <p:txBody>
-            <a:bodyPr wrap="square" lIns="91424" tIns="45700" rIns="91424" bIns="45700" anchor="ctr" anchorCtr="0">
+            <a:bodyPr spcFirstLastPara="1" wrap="square" lIns="91425" tIns="45700" rIns="91425" bIns="45700" anchor="ctr" anchorCtr="0">
               <a:noAutofit/>
             </a:bodyPr>
             <a:lstStyle/>
@@ -15412,7 +16090,6 @@
                   <a:spcPts val="0"/>
                 </a:spcAft>
                 <a:buNone/>
-                <a:defRPr/>
               </a:pPr>
               <a:endParaRPr sz="1800">
                 <a:solidFill>
@@ -15434,7 +16111,7 @@
           <p:nvPr/>
         </p:nvGrpSpPr>
         <p:grpSpPr>
-          <a:xfrm rot="0">
+          <a:xfrm>
             <a:off x="4833961" y="1523680"/>
             <a:ext cx="376777" cy="242854"/>
             <a:chOff x="11210627" y="2423803"/>
@@ -15455,6 +16132,8 @@
             <a:custGeom>
               <a:avLst/>
               <a:gdLst/>
+              <a:ahLst/>
+              <a:cxnLst/>
               <a:rect l="l" t="t" r="r" b="b"/>
               <a:pathLst>
                 <a:path w="247616" h="182585" extrusionOk="0">
@@ -15517,7 +16196,7 @@
             </a:ln>
           </p:spPr>
           <p:txBody>
-            <a:bodyPr wrap="square" lIns="91424" tIns="45700" rIns="91424" bIns="45700" anchor="ctr" anchorCtr="0">
+            <a:bodyPr spcFirstLastPara="1" wrap="square" lIns="91425" tIns="45700" rIns="91425" bIns="45700" anchor="ctr" anchorCtr="0">
               <a:noAutofit/>
             </a:bodyPr>
             <a:lstStyle/>
@@ -15530,7 +16209,6 @@
                   <a:spcPts val="0"/>
                 </a:spcAft>
                 <a:buNone/>
-                <a:defRPr/>
               </a:pPr>
               <a:endParaRPr sz="1800">
                 <a:solidFill>
@@ -15558,6 +16236,8 @@
             <a:custGeom>
               <a:avLst/>
               <a:gdLst/>
+              <a:ahLst/>
+              <a:cxnLst/>
               <a:rect l="l" t="t" r="r" b="b"/>
               <a:pathLst>
                 <a:path w="554655" h="357506" extrusionOk="0">
@@ -15687,7 +16367,7 @@
             </a:ln>
           </p:spPr>
           <p:txBody>
-            <a:bodyPr wrap="square" lIns="91424" tIns="45700" rIns="91424" bIns="45700" anchor="ctr" anchorCtr="0">
+            <a:bodyPr spcFirstLastPara="1" wrap="square" lIns="91425" tIns="45700" rIns="91425" bIns="45700" anchor="ctr" anchorCtr="0">
               <a:noAutofit/>
             </a:bodyPr>
             <a:lstStyle/>
@@ -15700,7 +16380,6 @@
                   <a:spcPts val="0"/>
                 </a:spcAft>
                 <a:buNone/>
-                <a:defRPr/>
               </a:pPr>
               <a:endParaRPr sz="1800">
                 <a:solidFill>
@@ -15722,7 +16401,7 @@
           <p:nvPr/>
         </p:nvGrpSpPr>
         <p:grpSpPr>
-          <a:xfrm rot="0">
+          <a:xfrm>
             <a:off x="716635" y="1457450"/>
             <a:ext cx="376777" cy="376791"/>
             <a:chOff x="11210627" y="1431515"/>
@@ -15743,6 +16422,8 @@
             <a:custGeom>
               <a:avLst/>
               <a:gdLst/>
+              <a:ahLst/>
+              <a:cxnLst/>
               <a:rect l="l" t="t" r="r" b="b"/>
               <a:pathLst>
                 <a:path w="97510" h="32502" extrusionOk="0">
@@ -15773,7 +16454,7 @@
             </a:ln>
           </p:spPr>
           <p:txBody>
-            <a:bodyPr wrap="square" lIns="91424" tIns="45700" rIns="91424" bIns="45700" anchor="ctr" anchorCtr="0">
+            <a:bodyPr spcFirstLastPara="1" wrap="square" lIns="91425" tIns="45700" rIns="91425" bIns="45700" anchor="ctr" anchorCtr="0">
               <a:noAutofit/>
             </a:bodyPr>
             <a:lstStyle/>
@@ -15786,7 +16467,6 @@
                   <a:spcPts val="0"/>
                 </a:spcAft>
                 <a:buNone/>
-                <a:defRPr/>
               </a:pPr>
               <a:endParaRPr sz="1800">
                 <a:solidFill>
@@ -15814,6 +16494,8 @@
             <a:custGeom>
               <a:avLst/>
               <a:gdLst/>
+              <a:ahLst/>
+              <a:cxnLst/>
               <a:rect l="l" t="t" r="r" b="b"/>
               <a:pathLst>
                 <a:path w="97510" h="32501" extrusionOk="0">
@@ -15844,7 +16526,7 @@
             </a:ln>
           </p:spPr>
           <p:txBody>
-            <a:bodyPr wrap="square" lIns="91424" tIns="45700" rIns="91424" bIns="45700" anchor="ctr" anchorCtr="0">
+            <a:bodyPr spcFirstLastPara="1" wrap="square" lIns="91425" tIns="45700" rIns="91425" bIns="45700" anchor="ctr" anchorCtr="0">
               <a:noAutofit/>
             </a:bodyPr>
             <a:lstStyle/>
@@ -15857,7 +16539,6 @@
                   <a:spcPts val="0"/>
                 </a:spcAft>
                 <a:buNone/>
-                <a:defRPr/>
               </a:pPr>
               <a:endParaRPr sz="1800">
                 <a:solidFill>
@@ -15885,6 +16566,8 @@
             <a:custGeom>
               <a:avLst/>
               <a:gdLst/>
+              <a:ahLst/>
+              <a:cxnLst/>
               <a:rect l="l" t="t" r="r" b="b"/>
               <a:pathLst>
                 <a:path w="554655" h="554675" extrusionOk="0">
@@ -16086,7 +16769,7 @@
             </a:ln>
           </p:spPr>
           <p:txBody>
-            <a:bodyPr wrap="square" lIns="91424" tIns="45700" rIns="91424" bIns="45700" anchor="ctr" anchorCtr="0">
+            <a:bodyPr spcFirstLastPara="1" wrap="square" lIns="91425" tIns="45700" rIns="91425" bIns="45700" anchor="ctr" anchorCtr="0">
               <a:noAutofit/>
             </a:bodyPr>
             <a:lstStyle/>
@@ -16099,7 +16782,6 @@
                   <a:spcPts val="0"/>
                 </a:spcAft>
                 <a:buNone/>
-                <a:defRPr/>
               </a:pPr>
               <a:endParaRPr sz="1800">
                 <a:solidFill>
@@ -16119,14 +16801,6 @@
   <p:clrMapOvr>
     <a:masterClrMapping/>
   </p:clrMapOvr>
-  <mc:AlternateContent xmlns:mc="http://schemas.openxmlformats.org/markup-compatibility/2006">
-    <mc:Choice xmlns:p14="http://schemas.microsoft.com/office/powerpoint/2010/main" Requires="p14">
-      <p:transition xmlns:mc="http://schemas.openxmlformats.org/markup-compatibility/2006" xmlns:p14="http://schemas.microsoft.com/office/powerpoint/2010/main" mc:Ignorable="p14" p14:dur="500"/>
-    </mc:Choice>
-    <mc:Fallback>
-      <p:transition/>
-    </mc:Fallback>
-  </mc:AlternateContent>
 </p:sld>
 </file>
 
@@ -28863,44 +29537,44 @@
 </file>
 
 <file path=ppt/theme/theme1.xml><?xml version="1.0" encoding="utf-8"?>
-<a:theme xmlns:r="http://schemas.openxmlformats.org/officeDocument/2006/relationships" xmlns:c="http://schemas.openxmlformats.org/drawingml/2006/chart" xmlns:dgm="http://schemas.openxmlformats.org/drawingml/2006/diagram" xmlns:dsp="http://schemas.microsoft.com/office/drawing/2008/diagram" xmlns:a="http://schemas.openxmlformats.org/drawingml/2006/main" xmlns:pic="http://schemas.openxmlformats.org/drawingml/2006/picture" xmlns:wp="http://schemas.openxmlformats.org/drawingml/2006/wordprocessingDrawing" xmlns:xdr="http://schemas.openxmlformats.org/drawingml/2006/spreadsheetDrawing" name="Brand Key Pitch Deck by Slidesgo">
+<a:theme xmlns:a="http://schemas.openxmlformats.org/drawingml/2006/main" name="Brand Key Pitch Deck by Slidesgo">
   <a:themeElements>
     <a:clrScheme name="Simple Light">
       <a:dk1>
         <a:srgbClr val="424651"/>
       </a:dk1>
       <a:lt1>
-        <a:srgbClr val="eaeff4"/>
+        <a:srgbClr val="EAEFF4"/>
       </a:lt1>
       <a:dk2>
-        <a:srgbClr val="a3abb7"/>
+        <a:srgbClr val="A3ABB7"/>
       </a:dk2>
       <a:lt2>
-        <a:srgbClr val="518cde"/>
+        <a:srgbClr val="518CDE"/>
       </a:lt2>
       <a:accent1>
-        <a:srgbClr val="595bd1"/>
+        <a:srgbClr val="595BD1"/>
       </a:accent1>
       <a:accent2>
-        <a:srgbClr val="ffffff"/>
+        <a:srgbClr val="FFFFFF"/>
       </a:accent2>
       <a:accent3>
-        <a:srgbClr val="ffffff"/>
+        <a:srgbClr val="FFFFFF"/>
       </a:accent3>
       <a:accent4>
-        <a:srgbClr val="ffffff"/>
+        <a:srgbClr val="FFFFFF"/>
       </a:accent4>
       <a:accent5>
-        <a:srgbClr val="ffffff"/>
+        <a:srgbClr val="FFFFFF"/>
       </a:accent5>
       <a:accent6>
-        <a:srgbClr val="ffffff"/>
+        <a:srgbClr val="FFFFFF"/>
       </a:accent6>
       <a:hlink>
         <a:srgbClr val="424651"/>
       </a:hlink>
       <a:folHlink>
-        <a:srgbClr val="0097a7"/>
+        <a:srgbClr val="0097A7"/>
       </a:folHlink>
     </a:clrScheme>
     <a:fontScheme name="Office">
@@ -28908,9 +29582,9 @@
         <a:latin typeface="Arial"/>
         <a:ea typeface=""/>
         <a:cs typeface=""/>
-        <a:font script="Jpan" typeface="MS PGothic"/>
+        <a:font script="Jpan" typeface="ＭＳ Ｐゴシック"/>
         <a:font script="Hang" typeface="맑은 고딕"/>
-        <a:font script="Hans" typeface="SimSun"/>
+        <a:font script="Hans" typeface="宋体"/>
         <a:font script="Hant" typeface="新細明體"/>
         <a:font script="Arab" typeface="Times New Roman"/>
         <a:font script="Hebr" typeface="Times New Roman"/>
@@ -28943,9 +29617,9 @@
         <a:latin typeface="Arial"/>
         <a:ea typeface=""/>
         <a:cs typeface=""/>
-        <a:font script="Jpan" typeface="MS PGothic"/>
+        <a:font script="Jpan" typeface="ＭＳ Ｐゴシック"/>
         <a:font script="Hang" typeface="맑은 고딕"/>
-        <a:font script="Hans" typeface="SimSun"/>
+        <a:font script="Hans" typeface="宋体"/>
         <a:font script="Hant" typeface="新細明體"/>
         <a:font script="Arab" typeface="Arial"/>
         <a:font script="Hebr" typeface="Arial"/>
@@ -29138,48 +29812,50 @@
       </a:bgFillStyleLst>
     </a:fmtScheme>
   </a:themeElements>
+  <a:objectDefaults/>
+  <a:extraClrSchemeLst/>
 </a:theme>
 </file>
 
 <file path=ppt/theme/theme2.xml><?xml version="1.0" encoding="utf-8"?>
-<a:theme xmlns:r="http://schemas.openxmlformats.org/officeDocument/2006/relationships" xmlns:c="http://schemas.openxmlformats.org/drawingml/2006/chart" xmlns:dgm="http://schemas.openxmlformats.org/drawingml/2006/diagram" xmlns:dsp="http://schemas.microsoft.com/office/drawing/2008/diagram" xmlns:a="http://schemas.openxmlformats.org/drawingml/2006/main" xmlns:pic="http://schemas.openxmlformats.org/drawingml/2006/picture" xmlns:wp="http://schemas.openxmlformats.org/drawingml/2006/wordprocessingDrawing" xmlns:xdr="http://schemas.openxmlformats.org/drawingml/2006/spreadsheetDrawing" name="">
+<a:theme xmlns:a="http://schemas.openxmlformats.org/drawingml/2006/main">
   <a:themeElements>
     <a:clrScheme name="Default">
       <a:dk1>
         <a:srgbClr val="000000"/>
       </a:dk1>
       <a:lt1>
-        <a:srgbClr val="ffffff"/>
+        <a:srgbClr val="FFFFFF"/>
       </a:lt1>
       <a:dk2>
         <a:srgbClr val="158158"/>
       </a:dk2>
       <a:lt2>
-        <a:srgbClr val="f3f3f3"/>
+        <a:srgbClr val="F3F3F3"/>
       </a:lt2>
       <a:accent1>
-        <a:srgbClr val="058dc7"/>
+        <a:srgbClr val="058DC7"/>
       </a:accent1>
       <a:accent2>
-        <a:srgbClr val="50b432"/>
+        <a:srgbClr val="50B432"/>
       </a:accent2>
       <a:accent3>
-        <a:srgbClr val="ed561b"/>
+        <a:srgbClr val="ED561B"/>
       </a:accent3>
       <a:accent4>
-        <a:srgbClr val="edef00"/>
+        <a:srgbClr val="EDEF00"/>
       </a:accent4>
       <a:accent5>
-        <a:srgbClr val="24cbe5"/>
+        <a:srgbClr val="24CBE5"/>
       </a:accent5>
       <a:accent6>
-        <a:srgbClr val="64e572"/>
+        <a:srgbClr val="64E572"/>
       </a:accent6>
       <a:hlink>
-        <a:srgbClr val="2200cc"/>
+        <a:srgbClr val="2200CC"/>
       </a:hlink>
       <a:folHlink>
-        <a:srgbClr val="551a8b"/>
+        <a:srgbClr val="551A8B"/>
       </a:folHlink>
     </a:clrScheme>
     <a:fontScheme name="Office">
@@ -29187,9 +29863,9 @@
         <a:latin typeface="Arial"/>
         <a:ea typeface=""/>
         <a:cs typeface=""/>
-        <a:font script="Jpan" typeface="MS PGothic"/>
+        <a:font script="Jpan" typeface="ＭＳ Ｐゴシック"/>
         <a:font script="Hang" typeface="맑은 고딕"/>
-        <a:font script="Hans" typeface="SimSun"/>
+        <a:font script="Hans" typeface="宋体"/>
         <a:font script="Hant" typeface="新細明體"/>
         <a:font script="Arab" typeface="Times New Roman"/>
         <a:font script="Hebr" typeface="Times New Roman"/>
@@ -29222,9 +29898,9 @@
         <a:latin typeface="Arial"/>
         <a:ea typeface=""/>
         <a:cs typeface=""/>
-        <a:font script="Jpan" typeface="MS PGothic"/>
+        <a:font script="Jpan" typeface="ＭＳ Ｐゴシック"/>
         <a:font script="Hang" typeface="맑은 고딕"/>
-        <a:font script="Hans" typeface="SimSun"/>
+        <a:font script="Hans" typeface="宋体"/>
         <a:font script="Hant" typeface="新細明體"/>
         <a:font script="Arab" typeface="Arial"/>
         <a:font script="Hebr" typeface="Arial"/>
@@ -29417,5 +30093,7 @@
       </a:bgFillStyleLst>
     </a:fmtScheme>
   </a:themeElements>
+  <a:objectDefaults/>
+  <a:extraClrSchemeLst/>
 </a:theme>
 </file>
--- a/LOCH.pptx
+++ b/LOCH.pptx
@@ -16833,7 +16833,7 @@
         </p:nvSpPr>
         <p:spPr>
           <a:xfrm>
-            <a:off x="5004849" y="1671183"/>
+            <a:off x="5004849" y="1395907"/>
             <a:ext cx="3189000" cy="2905529"/>
           </a:xfrm>
           <a:prstGeom prst="rect">
@@ -17269,7 +17269,7 @@
         </p:nvSpPr>
         <p:spPr>
           <a:xfrm>
-            <a:off x="5004849" y="391788"/>
+            <a:off x="5004849" y="116512"/>
             <a:ext cx="3189000" cy="768900"/>
           </a:xfrm>
           <a:prstGeom prst="rect">
@@ -17317,7 +17317,7 @@
         </p:nvSpPr>
         <p:spPr>
           <a:xfrm>
-            <a:off x="5004848" y="1120632"/>
+            <a:off x="5004848" y="845356"/>
             <a:ext cx="3667811" cy="550552"/>
           </a:xfrm>
           <a:prstGeom prst="rect">
